--- a/3.学穿Binder篇/ppt与思维导图/学习 Binder 的预备知识3.pptx
+++ b/3.学穿Binder篇/ppt与思维导图/学习 Binder 的预备知识3.pptx
@@ -6,15 +6,32 @@
   </p:sldMasterIdLst>
   <p:sldIdLst>
     <p:sldId id="256" r:id="rId3"/>
-    <p:sldId id="257" r:id="rId4"/>
-    <p:sldId id="258" r:id="rId5"/>
-    <p:sldId id="259" r:id="rId6"/>
-    <p:sldId id="260" r:id="rId7"/>
+    <p:sldId id="264" r:id="rId4"/>
+    <p:sldId id="257" r:id="rId5"/>
+    <p:sldId id="258" r:id="rId6"/>
+    <p:sldId id="259" r:id="rId7"/>
+    <p:sldId id="260" r:id="rId8"/>
+    <p:sldId id="263" r:id="rId9"/>
+    <p:sldId id="261" r:id="rId10"/>
+    <p:sldId id="262" r:id="rId11"/>
+    <p:sldId id="265" r:id="rId12"/>
+    <p:sldId id="268" r:id="rId13"/>
+    <p:sldId id="269" r:id="rId14"/>
+    <p:sldId id="270" r:id="rId15"/>
+    <p:sldId id="273" r:id="rId16"/>
+    <p:sldId id="274" r:id="rId17"/>
+    <p:sldId id="275" r:id="rId18"/>
+    <p:sldId id="276" r:id="rId19"/>
+    <p:sldId id="277" r:id="rId20"/>
+    <p:sldId id="278" r:id="rId21"/>
+    <p:sldId id="279" r:id="rId22"/>
+    <p:sldId id="280" r:id="rId23"/>
+    <p:sldId id="281" r:id="rId24"/>
   </p:sldIdLst>
   <p:sldSz cx="12192000" cy="6858000"/>
   <p:notesSz cx="6858000" cy="9144000"/>
   <p:custDataLst>
-    <p:tags r:id="rId11"/>
+    <p:tags r:id="rId28"/>
   </p:custDataLst>
   <p:defaultTextStyle>
     <a:defPPr>
@@ -114,7 +131,7 @@
   <p:extLst>
     <p:ext uri="{EFAFB233-063F-42B5-8137-9DF3F51BA10A}">
       <p15:sldGuideLst xmlns:p15="http://schemas.microsoft.com/office/powerpoint/2012/main">
-        <p15:guide id="1" orient="horz" pos="2126" userDrawn="1">
+        <p15:guide id="1" orient="horz" pos="2162" userDrawn="1">
           <p15:clr>
             <a:srgbClr val="A4A3A4"/>
           </p15:clr>
@@ -128,6 +145,1059 @@
     </p:ext>
   </p:extLst>
 </p:presentation>
+</file>
+
+<file path=ppt/ink/ink1.xml><?xml version="1.0" encoding="utf-8"?>
+<inkml:ink xmlns:inkml="http://www.w3.org/2003/InkML">
+  <inkml:definitions>
+    <inkml:context xml:id="ctx0">
+      <inkml:inkSource xml:id="inkSrc0">
+        <inkml:traceFormat>
+          <inkml:channel name="X" type="integer" units="cm"/>
+          <inkml:channel name="Y" type="integer" units="cm"/>
+        </inkml:traceFormat>
+        <inkml:channelProperties>
+          <inkml:channelProperty channel="X" name="resolution" value="28.3464566929134" units="1/cm"/>
+          <inkml:channelProperty channel="Y" name="resolution" value="28.3464566929134" units="1/cm"/>
+        </inkml:channelProperties>
+      </inkml:inkSource>
+      <inkml:timestamp xml:id="ts0" timeString="2023-07-09T16:08:20"/>
+    </inkml:context>
+    <inkml:brush xml:id="br0">
+      <inkml:brushProperty name="width" value="0.05292" units="cm"/>
+      <inkml:brushProperty name="height" value="0.05292" units="cm"/>
+      <inkml:brushProperty name="color" value="#f80600"/>
+      <inkml:brushProperty name="ignorePressure" value="0"/>
+    </inkml:brush>
+  </inkml:definitions>
+  <inkml:trace contextRef="#ctx0" brushRef="#br0">5750 2945,'-10'0,"10"0</inkml:trace>
+</inkml:ink>
+</file>
+
+<file path=ppt/ink/ink10.xml><?xml version="1.0" encoding="utf-8"?>
+<inkml:ink xmlns:inkml="http://www.w3.org/2003/InkML">
+  <inkml:definitions>
+    <inkml:context xml:id="ctx0">
+      <inkml:inkSource xml:id="inkSrc0">
+        <inkml:traceFormat>
+          <inkml:channel name="X" type="integer" units="cm"/>
+          <inkml:channel name="Y" type="integer" units="cm"/>
+        </inkml:traceFormat>
+        <inkml:channelProperties>
+          <inkml:channelProperty channel="X" name="resolution" value="28.3464566929134" units="1/cm"/>
+          <inkml:channelProperty channel="Y" name="resolution" value="28.3464566929134" units="1/cm"/>
+        </inkml:channelProperties>
+      </inkml:inkSource>
+      <inkml:timestamp xml:id="ts0" timeString="2023-07-09T16:08:20"/>
+    </inkml:context>
+    <inkml:brush xml:id="br0">
+      <inkml:brushProperty name="width" value="0.05292" units="cm"/>
+      <inkml:brushProperty name="height" value="0.05292" units="cm"/>
+      <inkml:brushProperty name="color" value="#f80600"/>
+      <inkml:brushProperty name="ignorePressure" value="0"/>
+    </inkml:brush>
+  </inkml:definitions>
+  <inkml:trace contextRef="#ctx0" brushRef="#br0">8670 8705,'-20'-20,"20"10,10 10,10 0,-10 0,0 0,0 0,0 0,0 0,0 0,0 0,0 0,0 0,0 0,0 0,0 0,0 0,0 0,0 0,0 0,0 0,0 0,10 0,-10 0,0 0,0 0,10 0,-10 0,0 0,10 0,-10 0,0 0,10 0,-10 0,10 0,0 0,0 0,-10 0,20 0,-10 0,10 0,-10 0,0 0,10 0,-10-10,10 10,0-10,0 10,0-10,10 10,-10-10,0 0,0 0,0 10,0-10,0 10,0 0,0 0,0 0,0-10,0 10,0 0,0-10,-10 10,10 0,0 0,-10 0,10-10,-10 10,10 0,-10 0,10 0,0 0,0 0,-10 0,10 0,0 0,0 0,-10 0,10 0,-10 0,10 0,-10 0,10 0,0 0,-10 0,10 0,-10 0,10 0,0 0,0 0,-10 0,0 0,0 0,0 0,0 0,-10 0,10 0,-10 0,10 0,-10 0,0 10,10-10,-10 0,10 0,-10 0,0 0,0 10,0-10,0 0,0 0,0 0,0 10,-10 0,0-10</inkml:trace>
+</inkml:ink>
+</file>
+
+<file path=ppt/ink/ink11.xml><?xml version="1.0" encoding="utf-8"?>
+<inkml:ink xmlns:inkml="http://www.w3.org/2003/InkML">
+  <inkml:definitions>
+    <inkml:context xml:id="ctx0">
+      <inkml:inkSource xml:id="inkSrc0">
+        <inkml:traceFormat>
+          <inkml:channel name="X" type="integer" units="cm"/>
+          <inkml:channel name="Y" type="integer" units="cm"/>
+        </inkml:traceFormat>
+        <inkml:channelProperties>
+          <inkml:channelProperty channel="X" name="resolution" value="28.3464566929134" units="1/cm"/>
+          <inkml:channelProperty channel="Y" name="resolution" value="28.3464566929134" units="1/cm"/>
+        </inkml:channelProperties>
+      </inkml:inkSource>
+      <inkml:timestamp xml:id="ts0" timeString="2023-07-09T16:08:20"/>
+    </inkml:context>
+    <inkml:brush xml:id="br0">
+      <inkml:brushProperty name="width" value="0.05292" units="cm"/>
+      <inkml:brushProperty name="height" value="0.05292" units="cm"/>
+      <inkml:brushProperty name="color" value="#f80600"/>
+      <inkml:brushProperty name="ignorePressure" value="0"/>
+    </inkml:brush>
+  </inkml:definitions>
+  <inkml:trace contextRef="#ctx0" brushRef="#br0">6030 2245,'-10'0,"30"0,10 0,10 0,0 0,10 0,0 0,20-10,0 10,10-10,0 0,0 0,10 10,-10-10,10 0,0 10,10-10,-10 0,20 0,-10 0,0-10,0 0,0 10,-10 0,0 0,-10 10,0 0,0 10,-10 0,20 0,-10-10,10 10,-10-10,0 0,0 0,-10 0,0 0,-10 0,-10 0,10 0,0 0,-10 0,10 0,-10 0,-10 0,10 0,-20 0,0 0,-20 0,10 0,-10 0,-20 0,-10 0,20 0</inkml:trace>
+</inkml:ink>
+</file>
+
+<file path=ppt/ink/ink12.xml><?xml version="1.0" encoding="utf-8"?>
+<inkml:ink xmlns:inkml="http://www.w3.org/2003/InkML">
+  <inkml:definitions>
+    <inkml:context xml:id="ctx0">
+      <inkml:inkSource xml:id="inkSrc0">
+        <inkml:traceFormat>
+          <inkml:channel name="X" type="integer" units="cm"/>
+          <inkml:channel name="Y" type="integer" units="cm"/>
+        </inkml:traceFormat>
+        <inkml:channelProperties>
+          <inkml:channelProperty channel="X" name="resolution" value="28.3464566929134" units="1/cm"/>
+          <inkml:channelProperty channel="Y" name="resolution" value="28.3464566929134" units="1/cm"/>
+        </inkml:channelProperties>
+      </inkml:inkSource>
+      <inkml:timestamp xml:id="ts0" timeString="2023-07-09T16:08:20"/>
+    </inkml:context>
+    <inkml:brush xml:id="br0">
+      <inkml:brushProperty name="width" value="0.05292" units="cm"/>
+      <inkml:brushProperty name="height" value="0.05292" units="cm"/>
+      <inkml:brushProperty name="color" value="#f80600"/>
+      <inkml:brushProperty name="ignorePressure" value="0"/>
+    </inkml:brush>
+  </inkml:definitions>
+  <inkml:trace contextRef="#ctx0" brushRef="#br0">1690 4165,'-20'0,"30"0,0 0,0-10,10 0,0 0,10 10,-10-10,10 10,0 0,0 0,0 0,0 0,-10 0,10 0,-10 0,0 0,0 10,-10-10,10 10,-10-10,10 10,0-10,-10 10,10-10,-10 10,10-10,-10 10,10-10,0 0,-10 10,10-10,0 10,0-10,0 0,0 0,0 10,0-10,-10 0,10 0,-10 0,10 0,0 0,-10 0,10 0,-10 0,0 0,10 0,0 0,0 0,0 0,-10 0,10 0,0 0,0 0,0-10,-10 10,0 0,0 0,0 0,0 0,0-10,0 10,0 0,0 0,0-10,0 10,10 0,-10 0,0 0,0 0,10 0,-10 0,0 0,10-10,-10 10,10-10,10 10,-10-10,0 10,0 0,0-10,0 10,10 0,-10 0,0 0,0 0,10-10,-10 10,0 0,10 0,0 0,10 0,-10 0,10 0,0 10,10-10,-10 10,0-10,-10 10,10-10,0 0,0 0,10 0,-10 0,0 0,0 0,0 0,-10 0,0 0,0 0,10 0,-10 0,10 0,-10 10,10-10,-10 0,10 0,-10 0,-10 0,10 0,0 0,-10 0,0 0,10 0,-10 0,0 0,10 0,-10 10,10 0,0-10,0 10,0 0,0-10,0 0,0 10,0-10,0 0,10 0,-10 0,10 10,-10-10,10 0,0 0,-10 0,0 10,0-10,0 0,0 0,0 0,0 0,0 0,0 0,-10 0,0 0,-10 0,10 0,-10 0,-20 0,-30 10,40-10</inkml:trace>
+</inkml:ink>
+</file>
+
+<file path=ppt/ink/ink13.xml><?xml version="1.0" encoding="utf-8"?>
+<inkml:ink xmlns:inkml="http://www.w3.org/2003/InkML">
+  <inkml:definitions>
+    <inkml:context xml:id="ctx0">
+      <inkml:inkSource xml:id="inkSrc0">
+        <inkml:traceFormat>
+          <inkml:channel name="X" type="integer" units="cm"/>
+          <inkml:channel name="Y" type="integer" units="cm"/>
+        </inkml:traceFormat>
+        <inkml:channelProperties>
+          <inkml:channelProperty channel="X" name="resolution" value="28.3464566929134" units="1/cm"/>
+          <inkml:channelProperty channel="Y" name="resolution" value="28.3464566929134" units="1/cm"/>
+        </inkml:channelProperties>
+      </inkml:inkSource>
+      <inkml:timestamp xml:id="ts0" timeString="2023-07-09T16:08:20"/>
+    </inkml:context>
+    <inkml:brush xml:id="br0">
+      <inkml:brushProperty name="width" value="0.05292" units="cm"/>
+      <inkml:brushProperty name="height" value="0.05292" units="cm"/>
+      <inkml:brushProperty name="color" value="#f80600"/>
+      <inkml:brushProperty name="ignorePressure" value="0"/>
+    </inkml:brush>
+  </inkml:definitions>
+  <inkml:trace contextRef="#ctx0" brushRef="#br0">2270 3625,'-10'-10,"0"10,10-10,-10 10,20 0,0 0,0 0,0 0,0 0,0 0,0 0,0 0,0 0,0 0,0 0,0 0,0 10,0-10,0 0,0 0,-10 10,10-10,0 0,0 0,0 0,0 0,0 0,0 0,0 0,0 0,0 0,0 0,0 0,0 0,0 0,10 0,-10 0,0 0,0 0,10 0,-10 0,0 0,0 0,0 0,10 0,-10 0,0 0,0 0,0 0,0 0,0 0,0 0,0 0,0 0,0 0,0 0,0 0,0 0,0 0,0 0,0 0,0 0,0 0,0 0,0 0,0 0,0 0,0 0,-10 10,10-10,0 0,0 0,0 0,0 0,0 0,0 0,0 0,0 0,0 0,0 0,0 0,0 0,10 0,-10 0,10-10,-10 10,10 0,-10-10,10 10,-10 0,0-10,0 10,10 0,-10 0,0 0,0 0,0 0,0 0,0 0,0 0,0 0,0 0,0 0,0 0,0 0,0 0,0 0,0 0,0 0,0 0,0 0,0 0,0 0,0 0,0 0,0 0,0 0,0 10,0-10,0 0,0 0,0 0,0 0,-10 10,10-10,0 0,-20 0,0-10,-10 0,-10 0,0 10,0-10,0 10,-10-10,10 10,0 0,0 0,10 0,10 0,0 0,20 0,10 0,0 0,0 0,10 0,-10 0,10 0,-10-10,0 10,-10 0,10-10,-10 10,-20 0,0-10,0 10,-10 0,-10 0,30 0</inkml:trace>
+</inkml:ink>
+</file>
+
+<file path=ppt/ink/ink14.xml><?xml version="1.0" encoding="utf-8"?>
+<inkml:ink xmlns:inkml="http://www.w3.org/2003/InkML">
+  <inkml:definitions>
+    <inkml:context xml:id="ctx0">
+      <inkml:inkSource xml:id="inkSrc0">
+        <inkml:traceFormat>
+          <inkml:channel name="X" type="integer" units="cm"/>
+          <inkml:channel name="Y" type="integer" units="cm"/>
+        </inkml:traceFormat>
+        <inkml:channelProperties>
+          <inkml:channelProperty channel="X" name="resolution" value="28.3464566929134" units="1/cm"/>
+          <inkml:channelProperty channel="Y" name="resolution" value="28.3464566929134" units="1/cm"/>
+        </inkml:channelProperties>
+      </inkml:inkSource>
+      <inkml:timestamp xml:id="ts0" timeString="2023-07-09T16:08:20"/>
+    </inkml:context>
+    <inkml:brush xml:id="br0">
+      <inkml:brushProperty name="width" value="0.05292" units="cm"/>
+      <inkml:brushProperty name="height" value="0.05292" units="cm"/>
+      <inkml:brushProperty name="color" value="#f80600"/>
+      <inkml:brushProperty name="ignorePressure" value="0"/>
+    </inkml:brush>
+  </inkml:definitions>
+  <inkml:trace contextRef="#ctx0" brushRef="#br0">2220 3685,'10'0,"10"10,-10-10,10 10,0-10,0 10,0-10,0 10,0-10,-10 10,10-10,-10 0,0 0,0 0,0 0,-10-20,0 20</inkml:trace>
+</inkml:ink>
+</file>
+
+<file path=ppt/ink/ink15.xml><?xml version="1.0" encoding="utf-8"?>
+<inkml:ink xmlns:inkml="http://www.w3.org/2003/InkML">
+  <inkml:definitions>
+    <inkml:context xml:id="ctx0">
+      <inkml:inkSource xml:id="inkSrc0">
+        <inkml:traceFormat>
+          <inkml:channel name="X" type="integer" units="cm"/>
+          <inkml:channel name="Y" type="integer" units="cm"/>
+        </inkml:traceFormat>
+        <inkml:channelProperties>
+          <inkml:channelProperty channel="X" name="resolution" value="28.3464566929134" units="1/cm"/>
+          <inkml:channelProperty channel="Y" name="resolution" value="28.3464566929134" units="1/cm"/>
+        </inkml:channelProperties>
+      </inkml:inkSource>
+      <inkml:timestamp xml:id="ts0" timeString="2023-07-09T16:08:20"/>
+    </inkml:context>
+    <inkml:brush xml:id="br0">
+      <inkml:brushProperty name="width" value="0.05292" units="cm"/>
+      <inkml:brushProperty name="height" value="0.05292" units="cm"/>
+      <inkml:brushProperty name="color" value="#f80600"/>
+      <inkml:brushProperty name="ignorePressure" value="0"/>
+    </inkml:brush>
+  </inkml:definitions>
+  <inkml:trace contextRef="#ctx0" brushRef="#br0">9750 4085,'0'0</inkml:trace>
+</inkml:ink>
+</file>
+
+<file path=ppt/ink/ink16.xml><?xml version="1.0" encoding="utf-8"?>
+<inkml:ink xmlns:inkml="http://www.w3.org/2003/InkML">
+  <inkml:definitions>
+    <inkml:context xml:id="ctx0">
+      <inkml:inkSource xml:id="inkSrc0">
+        <inkml:traceFormat>
+          <inkml:channel name="X" type="integer" units="cm"/>
+          <inkml:channel name="Y" type="integer" units="cm"/>
+        </inkml:traceFormat>
+        <inkml:channelProperties>
+          <inkml:channelProperty channel="X" name="resolution" value="28.3464566929134" units="1/cm"/>
+          <inkml:channelProperty channel="Y" name="resolution" value="28.3464566929134" units="1/cm"/>
+        </inkml:channelProperties>
+      </inkml:inkSource>
+      <inkml:timestamp xml:id="ts0" timeString="2023-07-09T16:08:20"/>
+    </inkml:context>
+    <inkml:brush xml:id="br0">
+      <inkml:brushProperty name="width" value="0.05292" units="cm"/>
+      <inkml:brushProperty name="height" value="0.05292" units="cm"/>
+      <inkml:brushProperty name="color" value="#f80600"/>
+      <inkml:brushProperty name="ignorePressure" value="0"/>
+    </inkml:brush>
+  </inkml:definitions>
+  <inkml:trace contextRef="#ctx0" brushRef="#br0">9450 4125,'-20'0,"20"-10,10 10,0-10,10 10,0 0,0-10,0 10,10 0,-10 0,10 0,0 0,0 0,0-10,10 10,-10-10,0 10,0 0,0 0,-10 0,0 0,0 0,0 0,-10 0,10 10,0 0,-10-10,10 10,0-10,10 0,-10 0,0 0,10 0,-10 0,10 0,-10 0,0 0,0 0,-10 0,10 10,0-10,0 0,-10 0,10 0,0 0,10 0,-10 0,0 0,10 10,-10-10,10 10,-10 0,0 0,0-10,10 10,-10 0,0-10,0 10,0-10,0 10,0 0,10-10,-10 10,0 0,0-10,0 10,10-10,-10 10,0-10,10 0,-10 10,0-10,10 0,0 0,0 0,-10 0,10-10,-10 10,0 0,0 0,0 0,0 0,-10 0,10 0,0 0,0 0,10 0,-10 0,10 0,0-10,0 10,0-10,-10 10,0 0,0 0,0 0,0 0,0 0,-10 0,0 0,10 0,-10 10,10-10,0 0,-10 0,10 0,-10 10,10-10,-10 0,10 10,-10-10,10 0,-10 0,0 0,10 0,0 0,-10 0,10 0,-10 0,0 0,10 0,-10 0,10 0,-10 0,0 0,0 0,0 0,0 0,0 0,0 0,0 0,-10-10,-10-20,10 30</inkml:trace>
+</inkml:ink>
+</file>
+
+<file path=ppt/ink/ink17.xml><?xml version="1.0" encoding="utf-8"?>
+<inkml:ink xmlns:inkml="http://www.w3.org/2003/InkML">
+  <inkml:definitions>
+    <inkml:context xml:id="ctx0">
+      <inkml:inkSource xml:id="inkSrc0">
+        <inkml:traceFormat>
+          <inkml:channel name="X" type="integer" units="cm"/>
+          <inkml:channel name="Y" type="integer" units="cm"/>
+        </inkml:traceFormat>
+        <inkml:channelProperties>
+          <inkml:channelProperty channel="X" name="resolution" value="28.3464566929134" units="1/cm"/>
+          <inkml:channelProperty channel="Y" name="resolution" value="28.3464566929134" units="1/cm"/>
+        </inkml:channelProperties>
+      </inkml:inkSource>
+      <inkml:timestamp xml:id="ts0" timeString="2023-07-09T16:08:20"/>
+    </inkml:context>
+    <inkml:brush xml:id="br0">
+      <inkml:brushProperty name="width" value="0.05292" units="cm"/>
+      <inkml:brushProperty name="height" value="0.05292" units="cm"/>
+      <inkml:brushProperty name="color" value="#f80600"/>
+      <inkml:brushProperty name="ignorePressure" value="0"/>
+    </inkml:brush>
+  </inkml:definitions>
+  <inkml:trace contextRef="#ctx0" brushRef="#br0">12510 4195,'-10'0,"-10"0,20 0</inkml:trace>
+</inkml:ink>
+</file>
+
+<file path=ppt/ink/ink18.xml><?xml version="1.0" encoding="utf-8"?>
+<inkml:ink xmlns:inkml="http://www.w3.org/2003/InkML">
+  <inkml:definitions>
+    <inkml:context xml:id="ctx0">
+      <inkml:inkSource xml:id="inkSrc0">
+        <inkml:traceFormat>
+          <inkml:channel name="X" type="integer" units="cm"/>
+          <inkml:channel name="Y" type="integer" units="cm"/>
+        </inkml:traceFormat>
+        <inkml:channelProperties>
+          <inkml:channelProperty channel="X" name="resolution" value="28.3464566929134" units="1/cm"/>
+          <inkml:channelProperty channel="Y" name="resolution" value="28.3464566929134" units="1/cm"/>
+        </inkml:channelProperties>
+      </inkml:inkSource>
+      <inkml:timestamp xml:id="ts0" timeString="2023-07-09T16:08:20"/>
+    </inkml:context>
+    <inkml:brush xml:id="br0">
+      <inkml:brushProperty name="width" value="0.05292" units="cm"/>
+      <inkml:brushProperty name="height" value="0.05292" units="cm"/>
+      <inkml:brushProperty name="color" value="#f80600"/>
+      <inkml:brushProperty name="ignorePressure" value="0"/>
+    </inkml:brush>
+  </inkml:definitions>
+  <inkml:trace contextRef="#ctx0" brushRef="#br0">12410 4185,'-10'0,"0"0,0 0,0 0,0 0,0 0,0 0,0 0,0 0,0 0,0-10,0 0,0 0,0 0,0 0,10-10,-20 10,20-10,-10 0,0 10,0-10,0 10,0-10,10 0,-10 0,10-10,0 0,0 0,0 10,0-10,10 0,0 10,10-10,-10 0,10 10,0 0,0 0,0 10,10 0,0 10,10 0,0 0,10 0,0 0,10 10,0-10,0 0,10 0,-10 0,-10 10,-10 0,-20 10,0 0,0 10,-20 10,0 10,0 0,-10-10,-10 10,-10-10,10-10,-10 10,0-10,0 10,-10-10,10 0,-10 0,20-10,-10 0,10 0,0-10,0-10,0 10,10-10,0 0,0 0,-10 0,0 0,0-10,0 0,10 0,-10 0,0 10,10-10,0 10,0-10,10 0,-10 0,10 10</inkml:trace>
+</inkml:ink>
+</file>
+
+<file path=ppt/ink/ink19.xml><?xml version="1.0" encoding="utf-8"?>
+<inkml:ink xmlns:inkml="http://www.w3.org/2003/InkML">
+  <inkml:definitions>
+    <inkml:context xml:id="ctx0">
+      <inkml:inkSource xml:id="inkSrc0">
+        <inkml:traceFormat>
+          <inkml:channel name="X" type="integer" units="cm"/>
+          <inkml:channel name="Y" type="integer" units="cm"/>
+        </inkml:traceFormat>
+        <inkml:channelProperties>
+          <inkml:channelProperty channel="X" name="resolution" value="28.3464566929134" units="1/cm"/>
+          <inkml:channelProperty channel="Y" name="resolution" value="28.3464566929134" units="1/cm"/>
+        </inkml:channelProperties>
+      </inkml:inkSource>
+      <inkml:timestamp xml:id="ts0" timeString="2023-07-09T16:08:20"/>
+    </inkml:context>
+    <inkml:brush xml:id="br0">
+      <inkml:brushProperty name="width" value="0.05292" units="cm"/>
+      <inkml:brushProperty name="height" value="0.05292" units="cm"/>
+      <inkml:brushProperty name="color" value="#f80600"/>
+      <inkml:brushProperty name="ignorePressure" value="0"/>
+    </inkml:brush>
+  </inkml:definitions>
+  <inkml:trace contextRef="#ctx0" brushRef="#br0">5780 4285,'0'10,"0"0,0 0,0 10,0-10,-10 10,0 0,0 0,-10 0,0 10,0 0,10 0,-10 0,0-10,0 10,-10 0,20-10,-10 0,0 0,-10 10,10-10,-10 20,0-20,0 0,-10 20,20-20,-10 0,-10 20,10-20,-10 0,10 10,-20 0,30-10,-10 0,0 0,10 10,0-20,0 0,10-10,-10 20,0-10,0 20,0-20,0 10,0-10,0 0,0 10,0-10,0 10,10-10,-10 10,0-10,10 0,-10 10,0-10,10 0,-10 0,0 0,10 20,-10-20,10-10,-10 20,0-10,10 0,-10 10,20-10,-10 0,-10 0,10 0,0-10,0 10,-10 0,20 0,-20 10,10-10,-10 0,10 0,0 0,0-10,0 10,10 0,-10 0,0 0,0 0,0-10,10 10,-10-10,0 0,10 10,0-10</inkml:trace>
+</inkml:ink>
+</file>
+
+<file path=ppt/ink/ink2.xml><?xml version="1.0" encoding="utf-8"?>
+<inkml:ink xmlns:inkml="http://www.w3.org/2003/InkML">
+  <inkml:definitions>
+    <inkml:context xml:id="ctx0">
+      <inkml:inkSource xml:id="inkSrc0">
+        <inkml:traceFormat>
+          <inkml:channel name="X" type="integer" units="cm"/>
+          <inkml:channel name="Y" type="integer" units="cm"/>
+        </inkml:traceFormat>
+        <inkml:channelProperties>
+          <inkml:channelProperty channel="X" name="resolution" value="28.3464566929134" units="1/cm"/>
+          <inkml:channelProperty channel="Y" name="resolution" value="28.3464566929134" units="1/cm"/>
+        </inkml:channelProperties>
+      </inkml:inkSource>
+      <inkml:timestamp xml:id="ts0" timeString="2023-07-09T16:08:20"/>
+    </inkml:context>
+    <inkml:brush xml:id="br0">
+      <inkml:brushProperty name="width" value="0.05292" units="cm"/>
+      <inkml:brushProperty name="height" value="0.05292" units="cm"/>
+      <inkml:brushProperty name="color" value="#f80600"/>
+      <inkml:brushProperty name="ignorePressure" value="0"/>
+    </inkml:brush>
+  </inkml:definitions>
+  <inkml:trace contextRef="#ctx0" brushRef="#br0">5970 6715,'-30'0,"30"0</inkml:trace>
+</inkml:ink>
+</file>
+
+<file path=ppt/ink/ink20.xml><?xml version="1.0" encoding="utf-8"?>
+<inkml:ink xmlns:inkml="http://www.w3.org/2003/InkML">
+  <inkml:definitions>
+    <inkml:context xml:id="ctx0">
+      <inkml:inkSource xml:id="inkSrc0">
+        <inkml:traceFormat>
+          <inkml:channel name="X" type="integer" units="cm"/>
+          <inkml:channel name="Y" type="integer" units="cm"/>
+        </inkml:traceFormat>
+        <inkml:channelProperties>
+          <inkml:channelProperty channel="X" name="resolution" value="28.3464566929134" units="1/cm"/>
+          <inkml:channelProperty channel="Y" name="resolution" value="28.3464566929134" units="1/cm"/>
+        </inkml:channelProperties>
+      </inkml:inkSource>
+      <inkml:timestamp xml:id="ts0" timeString="2023-07-09T16:08:20"/>
+    </inkml:context>
+    <inkml:brush xml:id="br0">
+      <inkml:brushProperty name="width" value="0.05292" units="cm"/>
+      <inkml:brushProperty name="height" value="0.05292" units="cm"/>
+      <inkml:brushProperty name="color" value="#f80600"/>
+      <inkml:brushProperty name="ignorePressure" value="0"/>
+    </inkml:brush>
+  </inkml:definitions>
+  <inkml:trace contextRef="#ctx0" brushRef="#br0">4260 5475,'0'10,"0"0,-10 0,10 0,-10 0,0 0,0 10,0 0,10-10,-10 0,10 0,-10 0,0 0,10 0,-10 0,10 0,-10-10,10 10,0 0,-10-10,0 10,10 0,10-10,0 0,0 0,0 0,0 0,0 0,0 0,0 0,10 10,0-10,10 10,-10-10,10 0,-10 0,0 0,0 10,0-10,0 0,0 0,0 0,0 0,0 0,-10 0,0 0,0 0,0 0,-10 0</inkml:trace>
+</inkml:ink>
+</file>
+
+<file path=ppt/ink/ink21.xml><?xml version="1.0" encoding="utf-8"?>
+<inkml:ink xmlns:inkml="http://www.w3.org/2003/InkML">
+  <inkml:definitions>
+    <inkml:context xml:id="ctx0">
+      <inkml:inkSource xml:id="inkSrc0">
+        <inkml:traceFormat>
+          <inkml:channel name="X" type="integer" units="cm"/>
+          <inkml:channel name="Y" type="integer" units="cm"/>
+        </inkml:traceFormat>
+        <inkml:channelProperties>
+          <inkml:channelProperty channel="X" name="resolution" value="28.3464566929134" units="1/cm"/>
+          <inkml:channelProperty channel="Y" name="resolution" value="28.3464566929134" units="1/cm"/>
+        </inkml:channelProperties>
+      </inkml:inkSource>
+      <inkml:timestamp xml:id="ts0" timeString="2023-07-09T16:08:20"/>
+    </inkml:context>
+    <inkml:brush xml:id="br0">
+      <inkml:brushProperty name="width" value="0.05292" units="cm"/>
+      <inkml:brushProperty name="height" value="0.05292" units="cm"/>
+      <inkml:brushProperty name="color" value="#f80600"/>
+      <inkml:brushProperty name="ignorePressure" value="0"/>
+    </inkml:brush>
+  </inkml:definitions>
+  <inkml:trace contextRef="#ctx0" brushRef="#br0">3950 7075,'30'0,"10"0,0 0,0 0,20-10,-20 10,10 0,-10-10,30 10,-30 0,-10 0,20 0,-20 0,30 0,-30 0,20 0,-20 0,10 0,0 0,-30 0,10 0,-10 0,20 10,-10-10,10 0,10 0,-20 0,-10 0,0 0,0 0,10 0,0 0,0 0,-10 0,10 0,-10 0,0 0,20 0,-20 0,10 0,40 0,-50 0,20 0,-10 0,0 0,0 0,10 0,-10 0,-10 0,0 0,10 0,0 0,-10 0,10 0,0 0,-10 0,10 0,0 0,-10 0,0 0,0 0,0 0,0 0,0 0,0 0,0 0,0 0,0 0,0 0,0 0,0 0,0 0,0 0,0 0,0 0,0 0,0 0,0 0,0 0,0 0,0 0,0 0,0 0,0 0,0 0,10 0,-10 0,10 0,-10 0,0 0,10 0,-10 0,0 10,10-10,-10 0,10 0,0 0,-10 0,10 0,-10 0,10 0,0 0,0 0,-10 0,10 0,0 0,0 0,-10 0,0 0,10 0,0 0,0 0,-10 0,0 0,0 0,0 0,0 0,-10-10,10 10,0 0,0 0,0 0,0 0,0-10,10 10,-10 0,10-10,-10 10,0 0,0 0,0-10,0 10,0 0,0 0,0 0,-10 0</inkml:trace>
+</inkml:ink>
+</file>
+
+<file path=ppt/ink/ink22.xml><?xml version="1.0" encoding="utf-8"?>
+<inkml:ink xmlns:inkml="http://www.w3.org/2003/InkML">
+  <inkml:definitions>
+    <inkml:context xml:id="ctx0">
+      <inkml:inkSource xml:id="inkSrc0">
+        <inkml:traceFormat>
+          <inkml:channel name="X" type="integer" units="cm"/>
+          <inkml:channel name="Y" type="integer" units="cm"/>
+        </inkml:traceFormat>
+        <inkml:channelProperties>
+          <inkml:channelProperty channel="X" name="resolution" value="28.3464566929134" units="1/cm"/>
+          <inkml:channelProperty channel="Y" name="resolution" value="28.3464566929134" units="1/cm"/>
+        </inkml:channelProperties>
+      </inkml:inkSource>
+      <inkml:timestamp xml:id="ts0" timeString="2023-07-09T16:08:20"/>
+    </inkml:context>
+    <inkml:brush xml:id="br0">
+      <inkml:brushProperty name="width" value="0.05292" units="cm"/>
+      <inkml:brushProperty name="height" value="0.05292" units="cm"/>
+      <inkml:brushProperty name="color" value="#f80600"/>
+      <inkml:brushProperty name="ignorePressure" value="0"/>
+    </inkml:brush>
+  </inkml:definitions>
+  <inkml:trace contextRef="#ctx0" brushRef="#br0">10630 4245,'0'0</inkml:trace>
+</inkml:ink>
+</file>
+
+<file path=ppt/ink/ink23.xml><?xml version="1.0" encoding="utf-8"?>
+<inkml:ink xmlns:inkml="http://www.w3.org/2003/InkML">
+  <inkml:definitions>
+    <inkml:context xml:id="ctx0">
+      <inkml:inkSource xml:id="inkSrc0">
+        <inkml:traceFormat>
+          <inkml:channel name="X" type="integer" units="cm"/>
+          <inkml:channel name="Y" type="integer" units="cm"/>
+        </inkml:traceFormat>
+        <inkml:channelProperties>
+          <inkml:channelProperty channel="X" name="resolution" value="28.3464566929134" units="1/cm"/>
+          <inkml:channelProperty channel="Y" name="resolution" value="28.3464566929134" units="1/cm"/>
+        </inkml:channelProperties>
+      </inkml:inkSource>
+      <inkml:timestamp xml:id="ts0" timeString="2023-07-09T16:08:20"/>
+    </inkml:context>
+    <inkml:brush xml:id="br0">
+      <inkml:brushProperty name="width" value="0.05292" units="cm"/>
+      <inkml:brushProperty name="height" value="0.05292" units="cm"/>
+      <inkml:brushProperty name="color" value="#f80600"/>
+      <inkml:brushProperty name="ignorePressure" value="0"/>
+    </inkml:brush>
+  </inkml:definitions>
+  <inkml:trace contextRef="#ctx0" brushRef="#br0">3870 6815,'-10'-10,"0"10,0 0,0 0,0 0,0 0,0 0,0 0,0 0,10-10,10 10,0 0,0 0,0 0,-10 0</inkml:trace>
+</inkml:ink>
+</file>
+
+<file path=ppt/ink/ink24.xml><?xml version="1.0" encoding="utf-8"?>
+<inkml:ink xmlns:inkml="http://www.w3.org/2003/InkML">
+  <inkml:definitions>
+    <inkml:context xml:id="ctx0">
+      <inkml:inkSource xml:id="inkSrc0">
+        <inkml:traceFormat>
+          <inkml:channel name="X" type="integer" units="cm"/>
+          <inkml:channel name="Y" type="integer" units="cm"/>
+        </inkml:traceFormat>
+        <inkml:channelProperties>
+          <inkml:channelProperty channel="X" name="resolution" value="28.3464566929134" units="1/cm"/>
+          <inkml:channelProperty channel="Y" name="resolution" value="28.3464566929134" units="1/cm"/>
+        </inkml:channelProperties>
+      </inkml:inkSource>
+      <inkml:timestamp xml:id="ts0" timeString="2023-07-09T16:08:20"/>
+    </inkml:context>
+    <inkml:brush xml:id="br0">
+      <inkml:brushProperty name="width" value="0.05292" units="cm"/>
+      <inkml:brushProperty name="height" value="0.05292" units="cm"/>
+      <inkml:brushProperty name="color" value="#f80600"/>
+      <inkml:brushProperty name="ignorePressure" value="0"/>
+    </inkml:brush>
+  </inkml:definitions>
+  <inkml:trace contextRef="#ctx0" brushRef="#br0">3890 6895,'-20'-10,"10"10,10-10,0 0,-10 10,10-10,10 10,10 0,-10 0,10 0,0 0,0 0,0-10,0 10,0 0,0-10,0 10,-10 0,0 0,10 0,-10 0,0 0,0 0,0 0,0 0,0 0,0 10,0-10,0 0,0 0,0 10,10-10,-10 0,0 10,0-10,0 0,0 0,0 0,0 10,0-10,0 0,0 0,0 0,0 10,-10 0,-10-10,10 0</inkml:trace>
+</inkml:ink>
+</file>
+
+<file path=ppt/ink/ink25.xml><?xml version="1.0" encoding="utf-8"?>
+<inkml:ink xmlns:inkml="http://www.w3.org/2003/InkML">
+  <inkml:definitions>
+    <inkml:context xml:id="ctx0">
+      <inkml:inkSource xml:id="inkSrc0">
+        <inkml:traceFormat>
+          <inkml:channel name="X" type="integer" units="cm"/>
+          <inkml:channel name="Y" type="integer" units="cm"/>
+        </inkml:traceFormat>
+        <inkml:channelProperties>
+          <inkml:channelProperty channel="X" name="resolution" value="28.3464566929134" units="1/cm"/>
+          <inkml:channelProperty channel="Y" name="resolution" value="28.3464566929134" units="1/cm"/>
+        </inkml:channelProperties>
+      </inkml:inkSource>
+      <inkml:timestamp xml:id="ts0" timeString="2023-07-09T16:08:20"/>
+    </inkml:context>
+    <inkml:brush xml:id="br0">
+      <inkml:brushProperty name="width" value="0.05292" units="cm"/>
+      <inkml:brushProperty name="height" value="0.05292" units="cm"/>
+      <inkml:brushProperty name="color" value="#f80600"/>
+      <inkml:brushProperty name="ignorePressure" value="0"/>
+    </inkml:brush>
+  </inkml:definitions>
+  <inkml:trace contextRef="#ctx0" brushRef="#br0">1380 4485,'-10'-20,"-20"0,30 10,-10-10,0 10,-10-20,10 20,-10-20,10 10,-10 0,0-10,10 10,-20-20,20 10,-10 10,0-10,10-10,-10 20,10 0,0 0,0 0,-10 0,10-10,10 20,-10-20,0 10,10 10,-10-10,0 0,10 0,-10 0,10 0,0-10,-20 0,20-10,0 10,-10 0,10 10,0-10,0 0,0 20,0-20,0-20,0-10,10 20,-10 20,10-20,0 20,10-10,-20 10,10-10,0 10,0-20,0 40,0-20,10-20,-10 20,30-30,-30 30,10 0,-10 0,20-30,0 30,-30 10,50-30,-40 20,10 10,0-10,0 10,30-30,-30 20,20-10,-20 20,10-10,50-30,-60 40,0 0,0 0,0 10,10-10,20-20,-20 30,10-10,-10 0,0 10,10-10,0 10,10 0,-10 0,20 0,-20 0,20 0,10 0,-30 0,10 0,-10 10,10 0,-10 0,10 10,0-10,20 10,-10 0,10 0,-10 0,30 10,-10-20,10 20,-20-20,10 20,-10-20,90 40,-90-30,-10 0,110 50,-90-60,-10 20,0 0,-10-20,-10 20,20-10,-50-10,30 20,-40-30,20 20,-10-10,10 30,-20-30,30 20,-30-10,20 0,0 20,-10-30,0 10,20 10,-30-20,0 10,20 10,-20-20,-10 10,20 0,10 20,-20-20,0 0,20 10,-20-20,-10 0,10 0,-10 0,0 0,10 10,-10 0,0-10,0 10,-10 0,10 0,-20 0,10 0,-40 40,10-20,10-10,0 10,0-20,-50 60,40-50,20-10,-10 0,10-10,0 10,-20 0,10-10,0 20,-10-20,0 0,-10 0,10 0,-10 0,-10-10,-10 20,-90-10,100-10,10 0,-10 20,-100-20,120 0,-150 0,130 0,10 0,10 0,-20-20,-190 10,200 10,-10 0,0-20,-80 10,90 10,10 0,-10-10,10 10,-10-20,0 20,20 0,-40-10,30 10,20 0,0 0,0-10,0 10,0-10,10 10,-10 0,10 0,0 0,0 0,0 0,-10 0,10 0,-20 0,10 0,0 0,-10 0,10 0,-10 0,0 0,10 0,0 0,0 10,0-10,10 0,0 0,0 0,-10 0,10 0,10 0</inkml:trace>
+</inkml:ink>
+</file>
+
+<file path=ppt/ink/ink26.xml><?xml version="1.0" encoding="utf-8"?>
+<inkml:ink xmlns:inkml="http://www.w3.org/2003/InkML">
+  <inkml:definitions>
+    <inkml:context xml:id="ctx0">
+      <inkml:inkSource xml:id="inkSrc0">
+        <inkml:traceFormat>
+          <inkml:channel name="X" type="integer" units="cm"/>
+          <inkml:channel name="Y" type="integer" units="cm"/>
+        </inkml:traceFormat>
+        <inkml:channelProperties>
+          <inkml:channelProperty channel="X" name="resolution" value="28.3464566929134" units="1/cm"/>
+          <inkml:channelProperty channel="Y" name="resolution" value="28.3464566929134" units="1/cm"/>
+        </inkml:channelProperties>
+      </inkml:inkSource>
+      <inkml:timestamp xml:id="ts0" timeString="2023-07-09T16:08:20"/>
+    </inkml:context>
+    <inkml:brush xml:id="br0">
+      <inkml:brushProperty name="width" value="0.05292" units="cm"/>
+      <inkml:brushProperty name="height" value="0.05292" units="cm"/>
+      <inkml:brushProperty name="color" value="#f80600"/>
+      <inkml:brushProperty name="ignorePressure" value="0"/>
+    </inkml:brush>
+  </inkml:definitions>
+  <inkml:trace contextRef="#ctx0" brushRef="#br0">1590 3475,'10'0,"0"0,0 0,10 0,0-10,0 10,10 0,-10 0,20 0,0 0,0 0,-10 0,50 0,-50 0,0 0,0 0,10 0,-10 0,-10 0,10 0,0 0,-10 0,10 0,-10 0,0 0,10 0,10 0,-30 0,10 0,0 0,0 0,0 0,-10 0,10 0,-10 0,10 0,-10 0,10 0,0 0,-10 0,10 0,-10 0,10 0,-10 0,0 10,-10-10</inkml:trace>
+</inkml:ink>
+</file>
+
+<file path=ppt/ink/ink27.xml><?xml version="1.0" encoding="utf-8"?>
+<inkml:ink xmlns:inkml="http://www.w3.org/2003/InkML">
+  <inkml:definitions>
+    <inkml:context xml:id="ctx0">
+      <inkml:inkSource xml:id="inkSrc0">
+        <inkml:traceFormat>
+          <inkml:channel name="X" type="integer" units="cm"/>
+          <inkml:channel name="Y" type="integer" units="cm"/>
+        </inkml:traceFormat>
+        <inkml:channelProperties>
+          <inkml:channelProperty channel="X" name="resolution" value="28.3464566929134" units="1/cm"/>
+          <inkml:channelProperty channel="Y" name="resolution" value="28.3464566929134" units="1/cm"/>
+        </inkml:channelProperties>
+      </inkml:inkSource>
+      <inkml:timestamp xml:id="ts0" timeString="2023-07-09T16:08:20"/>
+    </inkml:context>
+    <inkml:brush xml:id="br0">
+      <inkml:brushProperty name="width" value="0.05292" units="cm"/>
+      <inkml:brushProperty name="height" value="0.05292" units="cm"/>
+      <inkml:brushProperty name="color" value="#f80600"/>
+      <inkml:brushProperty name="ignorePressure" value="0"/>
+    </inkml:brush>
+  </inkml:definitions>
+  <inkml:trace contextRef="#ctx0" brushRef="#br0">1280 5445,'10'0,"0"0,0 0,0-10,0 10,0 0,10 0,0-10,20 10,-20 0,10 0,0 0,0 0,0 0,-10 0,10 0,-10 0,0 0,0 0,0 0,-10 0,0 0,0 0,10 0,-10 0,10-10,0 10,-10 0,10 0,-10 0,10 0,-10-10,0 10,0 0,10 0,-10 0,0 0,0 0,0 0,0 0,0 0,0 0,0 0,10 0,-10 0,0 0,10 0,0 10,0-10,0 0,0 0,0 0,0 0,0 10,0-10,0 0,10 10,-10-10,10 0,0 0,-10 0,0 10,0-10,0 0,-10 0,10 0,0 0,-10 0,0 0,10 0,0 0,-10 0,10 0,-10 0,10 0,0 10,-10-10,10 0,0 0,0 0,0 0,-10 0,0 0,10 0,20 0,-10 0,-10 0,10 0,10 0,-20 0,20 0,-10 0,0-10,0 10,20 0,-10 0,10 0,-10 0,10-10,10 10,-20 0,10 0,10 0,-20 0,10 0,-20 0,20 0,-20 0,0 0,0 0,0 0,10 0,-20 0,10 10,-10-10,0 0,10 0,-10 0,0 0,10 0,0 0,0 0,10 0,-10 0,10 0,-10 0,10 0,-10 0,10 0,-10 0,10-10,-20 10,0 0,10 0,-10 0,0 0,10 0,-10 0,0 0,-10 0,0 0,0 0,0 0,0 0,0 0,-10 0</inkml:trace>
+</inkml:ink>
+</file>
+
+<file path=ppt/ink/ink28.xml><?xml version="1.0" encoding="utf-8"?>
+<inkml:ink xmlns:inkml="http://www.w3.org/2003/InkML">
+  <inkml:definitions>
+    <inkml:context xml:id="ctx0">
+      <inkml:inkSource xml:id="inkSrc0">
+        <inkml:traceFormat>
+          <inkml:channel name="X" type="integer" units="cm"/>
+          <inkml:channel name="Y" type="integer" units="cm"/>
+        </inkml:traceFormat>
+        <inkml:channelProperties>
+          <inkml:channelProperty channel="X" name="resolution" value="28.3464566929134" units="1/cm"/>
+          <inkml:channelProperty channel="Y" name="resolution" value="28.3464566929134" units="1/cm"/>
+        </inkml:channelProperties>
+      </inkml:inkSource>
+      <inkml:timestamp xml:id="ts0" timeString="2023-07-09T16:08:20"/>
+    </inkml:context>
+    <inkml:brush xml:id="br0">
+      <inkml:brushProperty name="width" value="0.05292" units="cm"/>
+      <inkml:brushProperty name="height" value="0.05292" units="cm"/>
+      <inkml:brushProperty name="color" value="#f80600"/>
+      <inkml:brushProperty name="ignorePressure" value="0"/>
+    </inkml:brush>
+  </inkml:definitions>
+  <inkml:trace contextRef="#ctx0" brushRef="#br0">1660 7555,'10'0,"0"0,10 10,0-10,0 0,-10 0,0 0,10 10,-10-10,0 0,0 0,0 0,0 0,0 0,0 0,0 0,-10 0</inkml:trace>
+</inkml:ink>
+</file>
+
+<file path=ppt/ink/ink29.xml><?xml version="1.0" encoding="utf-8"?>
+<inkml:ink xmlns:inkml="http://www.w3.org/2003/InkML">
+  <inkml:definitions>
+    <inkml:context xml:id="ctx0">
+      <inkml:inkSource xml:id="inkSrc0">
+        <inkml:traceFormat>
+          <inkml:channel name="X" type="integer" units="cm"/>
+          <inkml:channel name="Y" type="integer" units="cm"/>
+        </inkml:traceFormat>
+        <inkml:channelProperties>
+          <inkml:channelProperty channel="X" name="resolution" value="28.3464566929134" units="1/cm"/>
+          <inkml:channelProperty channel="Y" name="resolution" value="28.3464566929134" units="1/cm"/>
+        </inkml:channelProperties>
+      </inkml:inkSource>
+      <inkml:timestamp xml:id="ts0" timeString="2023-07-09T16:08:20"/>
+    </inkml:context>
+    <inkml:brush xml:id="br0">
+      <inkml:brushProperty name="width" value="0.05292" units="cm"/>
+      <inkml:brushProperty name="height" value="0.05292" units="cm"/>
+      <inkml:brushProperty name="color" value="#f80600"/>
+      <inkml:brushProperty name="ignorePressure" value="0"/>
+    </inkml:brush>
+  </inkml:definitions>
+  <inkml:trace contextRef="#ctx0" brushRef="#br0">1700 9505,'10'0,"0"0,0 10,0-10,0 0,10 0,0 10,-10-10,0 0,0 0,0 0,0 0,0 0,10 0,-10 10,0-10,0 0,0 10,0-10,10 0,-10 0,10 10,-10-10,0 0,0 0,10 0,-10 10,10-10,0 0,10 10,-20-10,20 0,-10 0,10 0,0 10,-10-10,30 0,-30 0,20 0,-20 0,30 0,-40 0,10 0,20 0,-20 0,10 0,-10 0,-10 10,10-10,0 0,-10 0,20 0,-20 0,0 0,10 0,10 0,-20 0,0 0,0 0,30 0,-30 0,10 0,0 0,0 0,0 0,20 0,20 0,-40 10,0-10,0 0,0 0,20 0,-20 0,0 0,0 0,-10 0,10 0,0 0,0 0,0 0,0 0,-10 0,10 0,0 10,0-10,20 0,-30 0,10 0,0 0,20 0,-30 0,10 0,30 0,-30 0,0 0,10 0,0 0,-10 0,10 0,0 0,-10 0,20 0,-10-10,-10 10,10 0,0-10,-10 10,10 0,10 0,-10 0,-10 0,0 0,10 0,-20 0,20-10,-10 10,-10 0,30 0,-20 0,10-10,-10 10,10 0,-10 0,0-10,0 10,-10 0,10 0,-10 0,10 0,0 0,-10 0,10 0,-10 0,10 0,0 0,0 0,0 0,-10 0,10 0,0 0,0 0,0 0,-10 0,10 0,-10 0,0 0,0 0,0-10,0 10,0 0,0 0,0 0,0-10,0 10,0 0,-10-10,0 0,10 10,10-20,-10 0,10-10,0 0,-10 10,0-20,0 30,-10 0,0 0,0 0,0 0,0 0,0 10</inkml:trace>
+</inkml:ink>
+</file>
+
+<file path=ppt/ink/ink3.xml><?xml version="1.0" encoding="utf-8"?>
+<inkml:ink xmlns:inkml="http://www.w3.org/2003/InkML">
+  <inkml:definitions>
+    <inkml:context xml:id="ctx0">
+      <inkml:inkSource xml:id="inkSrc0">
+        <inkml:traceFormat>
+          <inkml:channel name="X" type="integer" units="cm"/>
+          <inkml:channel name="Y" type="integer" units="cm"/>
+        </inkml:traceFormat>
+        <inkml:channelProperties>
+          <inkml:channelProperty channel="X" name="resolution" value="28.3464566929134" units="1/cm"/>
+          <inkml:channelProperty channel="Y" name="resolution" value="28.3464566929134" units="1/cm"/>
+        </inkml:channelProperties>
+      </inkml:inkSource>
+      <inkml:timestamp xml:id="ts0" timeString="2023-07-09T16:08:20"/>
+    </inkml:context>
+    <inkml:brush xml:id="br0">
+      <inkml:brushProperty name="width" value="0.05292" units="cm"/>
+      <inkml:brushProperty name="height" value="0.05292" units="cm"/>
+      <inkml:brushProperty name="color" value="#f80600"/>
+      <inkml:brushProperty name="ignorePressure" value="0"/>
+    </inkml:brush>
+  </inkml:definitions>
+  <inkml:trace contextRef="#ctx0" brushRef="#br0">5970 6715,'-60'0,"60"10,-20-30,20 20</inkml:trace>
+</inkml:ink>
+</file>
+
+<file path=ppt/ink/ink30.xml><?xml version="1.0" encoding="utf-8"?>
+<inkml:ink xmlns:inkml="http://www.w3.org/2003/InkML">
+  <inkml:definitions>
+    <inkml:context xml:id="ctx0">
+      <inkml:inkSource xml:id="inkSrc0">
+        <inkml:traceFormat>
+          <inkml:channel name="X" type="integer" units="cm"/>
+          <inkml:channel name="Y" type="integer" units="cm"/>
+        </inkml:traceFormat>
+        <inkml:channelProperties>
+          <inkml:channelProperty channel="X" name="resolution" value="28.3464566929134" units="1/cm"/>
+          <inkml:channelProperty channel="Y" name="resolution" value="28.3464566929134" units="1/cm"/>
+        </inkml:channelProperties>
+      </inkml:inkSource>
+      <inkml:timestamp xml:id="ts0" timeString="2023-07-09T16:08:20"/>
+    </inkml:context>
+    <inkml:brush xml:id="br0">
+      <inkml:brushProperty name="width" value="0.05292" units="cm"/>
+      <inkml:brushProperty name="height" value="0.05292" units="cm"/>
+      <inkml:brushProperty name="color" value="#f80600"/>
+      <inkml:brushProperty name="ignorePressure" value="0"/>
+    </inkml:brush>
+  </inkml:definitions>
+  <inkml:trace contextRef="#ctx0" brushRef="#br0">1590 10225,'10'0,"10"0,-10 0,0 0,10 0,0 0,0 0,10 0,-10 10,10-10,-10 0,10 0,0 0,-10 10,20-10,-30 0,10 0,0 0,0 0,0 0,10 0,-10 0,10 0,10 0,-10 0,-10 0,10 0,-10 0,10 0,-10 0,0 0,0 0,0 0,10 0,-10 0,0 0,10 0,0 20,-10-20,10 0,-10 0,0 0,0 0,-10 0,10 0,0 0,0 0,10 0,-10 0,0 0,0 0,0 0,0 0,-10 0,0 0,10 0,-10 0,10 0,-10 0,0 0,0 0,10 0,0 0,-10 0,10 0,0 0,0 0,-10 0,30 0,-20 0,0 0,-10 0,10 0,20 0,-30 0,30 0,-20 0,0 0,10 0,-10 0,10 0,0 0,0 0,20 0,-20 0,10 0,10 0,-10 0,10 0,-10 0,20 0,10 0,-30 0,20 0,0 0,20 0,-30 0,10 0,-20 0,10 0,10 0,-20 0,20 0,-10 0,-10 0,20 0,-10 0,-10 0,20 0,-10 0,-10 0,10 0,10 0,-20 0,20 0,-10 0,10 0,-20 0,10-20,-20 20,0 0,10 0,0-10,0 10,-10 0,10 0,-10 0,0 0,-10 0,10 0,0 0,10 0,-10 0,10 0,0 0,0 0,0 0,0 0,-10 0,10 0,0 0,-30 0,30 0,0 0,-10 0,10 0,0 0,-10 0,-10 0,10 0,-10 0,20 0,-30 0,30 0,-10 0,-10 0,10 0,-10 0,0 0,0 0,0 0,-10 0,0 0,0 0,0 0,0 0,0-10,-10 10</inkml:trace>
+</inkml:ink>
+</file>
+
+<file path=ppt/ink/ink31.xml><?xml version="1.0" encoding="utf-8"?>
+<inkml:ink xmlns:inkml="http://www.w3.org/2003/InkML">
+  <inkml:definitions>
+    <inkml:context xml:id="ctx0">
+      <inkml:inkSource xml:id="inkSrc0">
+        <inkml:traceFormat>
+          <inkml:channel name="X" type="integer" units="cm"/>
+          <inkml:channel name="Y" type="integer" units="cm"/>
+        </inkml:traceFormat>
+        <inkml:channelProperties>
+          <inkml:channelProperty channel="X" name="resolution" value="28.3464566929134" units="1/cm"/>
+          <inkml:channelProperty channel="Y" name="resolution" value="28.3464566929134" units="1/cm"/>
+        </inkml:channelProperties>
+      </inkml:inkSource>
+      <inkml:timestamp xml:id="ts0" timeString="2023-07-09T16:08:20"/>
+    </inkml:context>
+    <inkml:brush xml:id="br0">
+      <inkml:brushProperty name="width" value="0.05292" units="cm"/>
+      <inkml:brushProperty name="height" value="0.05292" units="cm"/>
+      <inkml:brushProperty name="color" value="#f80600"/>
+      <inkml:brushProperty name="ignorePressure" value="0"/>
+    </inkml:brush>
+  </inkml:definitions>
+  <inkml:trace contextRef="#ctx0" brushRef="#br0">5040 10325,'-10'0,"0"-10,0 10,10-10,-10 0,10 0,-10 10,10-10,-10 10,10-10,0 0,0 0,-10 10,10-10,0 0,-10 0,10 0,0 0,-10 0,10 0,0 0,-10 10,10-10,0 0,0 0,-10 10,10-10,0 0,0 0,-10 10,10-10,0 0,0 0,0 0,0 0,-10 10,10-10,0 0,0 0,-10 0,10 0,0 0,0 0,0 0,0 0,0-10,0 10,0-10,0 10,0-10,10 20,-10-10,10-10,-10 10,10-10,-10 10,10-10,0 0,0 10,10 0,-10 0,0 0,0-10,0 20,0-10,-10 0,20 0,-10 10,10-10,-10 10,20 0,-10-10,-10 10,10 0,0-20,-10 20,10 0,0 0,0 0,0 0,0 0,10 0,0 0,10 0,-10 0,0 0,20 0,-20 0,10 20,0-20,0 0,-10 10,10-10,-10 10,0 0,0-10,20 10,-20-10,0 10,10-10,-10 10,0-10,-10 10,10-10,-10 0,0 10,0-10,0 10,20-10,-20 10,0-10,-20 10,20-10,-10 0,-10 10,10-10,0 0,0 10,0 0,0-10,-10 10,10-10,0 0,-10 10,10-10,0 0,-10 10,0 0,0 0,10 0,0 20,0 30,-10-30,0-10,0-10,0 0,0 10,-10 0,10 0,-30 10,10-10,20 0,-20 0,10 0,0 0,-10 20,10-40,0 10,-20 20,20-20,0 0,0 0,0 0,0-10,10 10,-10-10,0 0,0 0,0 0,10 10,-20-10,10 0,0 10,-30 0,30-10,-10 10,0 0,0-10,0 10,-20 0,10-10,0 10,20-10,-10 0,0 10,0-10,0 0,0 0,0 0,0 0,0 0,0 0,-20 0,30 0,-10 0,0 0,10 0,-10 0,10 0,-10 0,10 0,-10 0,10 0,0 0,-10 0,0 0,0 0,0 0,0 0,0 0,10 0,-10 0,0 0,0 0,0 0,0 0,0 0,0 0,10 0,0 0,0 0,0 0,10-10,0 10</inkml:trace>
+</inkml:ink>
+</file>
+
+<file path=ppt/ink/ink32.xml><?xml version="1.0" encoding="utf-8"?>
+<inkml:ink xmlns:inkml="http://www.w3.org/2003/InkML">
+  <inkml:definitions>
+    <inkml:context xml:id="ctx0">
+      <inkml:inkSource xml:id="inkSrc0">
+        <inkml:traceFormat>
+          <inkml:channel name="X" type="integer" units="cm"/>
+          <inkml:channel name="Y" type="integer" units="cm"/>
+        </inkml:traceFormat>
+        <inkml:channelProperties>
+          <inkml:channelProperty channel="X" name="resolution" value="28.3464566929134" units="1/cm"/>
+          <inkml:channelProperty channel="Y" name="resolution" value="28.3464566929134" units="1/cm"/>
+        </inkml:channelProperties>
+      </inkml:inkSource>
+      <inkml:timestamp xml:id="ts0" timeString="2023-07-09T16:08:20"/>
+    </inkml:context>
+    <inkml:brush xml:id="br0">
+      <inkml:brushProperty name="width" value="0.05292" units="cm"/>
+      <inkml:brushProperty name="height" value="0.05292" units="cm"/>
+      <inkml:brushProperty name="color" value="#f80600"/>
+      <inkml:brushProperty name="ignorePressure" value="0"/>
+    </inkml:brush>
+  </inkml:definitions>
+  <inkml:trace contextRef="#ctx0" brushRef="#br0">1260 3325,'10'0,"0"0,0 0,0 0,10 0,10 0,-10 0,0 0,10 10,-10-10,0 0,-10 0,0 0,10 10,0-10,-10 0,10 0,-10 0,10 0,-10 0,0 0,0 10,10-10,-10 0,10 0,-10 0,0 0,0 0,0 0,0 0,0 0,0 0,0 0,0 0,0 0,0 0,0 0,0 0,0 0,0 0,10 0,-10 0,10 0,-10 10,0-10,10 0,-10 0,10 0,0 0,10 0,-10 0,0 0,0 0,0 0,10 0,-10 0,10 0,0 0,20 0,-20 10,0-10,20 0,-20 0,10 0,0 0,-10 0,0 0,0 0,-10 0,10 0,10 0,-30 0,30 0,-20 0,10 0,-10 0,10 0,10 0,60 0,-70 0,10 0,10 0,-20 0,20 0,-20 0,0 0,0 0,0 0,20 0,-20 0,-10 0,10 0,0 0,10 10,-10-10,-10 0,10 0,-10 0,10 0,0 0,-10 0,10 0,10 0,-10 10,-10-10,0 0,0 0,0 0,10 0,-20 0,0 0,10 0,0 0,-10 0,10 0,-10 0,10 0,-10 0,0 0,0 0,-10 0</inkml:trace>
+</inkml:ink>
+</file>
+
+<file path=ppt/ink/ink33.xml><?xml version="1.0" encoding="utf-8"?>
+<inkml:ink xmlns:inkml="http://www.w3.org/2003/InkML">
+  <inkml:definitions>
+    <inkml:context xml:id="ctx0">
+      <inkml:inkSource xml:id="inkSrc0">
+        <inkml:traceFormat>
+          <inkml:channel name="X" type="integer" units="cm"/>
+          <inkml:channel name="Y" type="integer" units="cm"/>
+        </inkml:traceFormat>
+        <inkml:channelProperties>
+          <inkml:channelProperty channel="X" name="resolution" value="28.3464566929134" units="1/cm"/>
+          <inkml:channelProperty channel="Y" name="resolution" value="28.3464566929134" units="1/cm"/>
+        </inkml:channelProperties>
+      </inkml:inkSource>
+      <inkml:timestamp xml:id="ts0" timeString="2023-07-09T16:08:20"/>
+    </inkml:context>
+    <inkml:brush xml:id="br0">
+      <inkml:brushProperty name="width" value="0.05292" units="cm"/>
+      <inkml:brushProperty name="height" value="0.05292" units="cm"/>
+      <inkml:brushProperty name="color" value="#f80600"/>
+      <inkml:brushProperty name="ignorePressure" value="0"/>
+    </inkml:brush>
+  </inkml:definitions>
+  <inkml:trace contextRef="#ctx0" brushRef="#br0">1260 4445,'0'0</inkml:trace>
+</inkml:ink>
+</file>
+
+<file path=ppt/ink/ink34.xml><?xml version="1.0" encoding="utf-8"?>
+<inkml:ink xmlns:inkml="http://www.w3.org/2003/InkML">
+  <inkml:definitions>
+    <inkml:context xml:id="ctx0">
+      <inkml:inkSource xml:id="inkSrc0">
+        <inkml:traceFormat>
+          <inkml:channel name="X" type="integer" units="cm"/>
+          <inkml:channel name="Y" type="integer" units="cm"/>
+        </inkml:traceFormat>
+        <inkml:channelProperties>
+          <inkml:channelProperty channel="X" name="resolution" value="28.3464566929134" units="1/cm"/>
+          <inkml:channelProperty channel="Y" name="resolution" value="28.3464566929134" units="1/cm"/>
+        </inkml:channelProperties>
+      </inkml:inkSource>
+      <inkml:timestamp xml:id="ts0" timeString="2023-07-09T16:08:20"/>
+    </inkml:context>
+    <inkml:brush xml:id="br0">
+      <inkml:brushProperty name="width" value="0.05292" units="cm"/>
+      <inkml:brushProperty name="height" value="0.05292" units="cm"/>
+      <inkml:brushProperty name="color" value="#f80600"/>
+      <inkml:brushProperty name="ignorePressure" value="0"/>
+    </inkml:brush>
+  </inkml:definitions>
+  <inkml:trace contextRef="#ctx0" brushRef="#br0">1230 4305,'10'0,"0"0,0-10,10 10,-10-10,10 10,0-10,-10 10,10 0,0-10,0 10,0 0,0 0,0 0,0 0,0 0,0 0,0 0,20-10,-20 10,0 0,-10 0,10 0,0 0,-10 0,10 0,0 0,-10 0,10 0,-10 0,0 0,0 0,0 0,0 0,0 0,0 0,0 0,0 0,10 10,-10-10,0 0,0 0,0 0,10 0,-10 10,10-10,0 0,0 0,0 0,-10 10,10-10,0 0,0 0,0 0,0 10,0-10,0 0,0 0,0 0,0 10,0-10,0 0,10 10,-10-10,10 10,-10-10,0 0,10 10,-10-10,10 0,0 0,0 0,0 0,0 0,0 0,10 0,-10 0,-10 0,20 0,-20-10,0 10,10 0,-10-10,0 10,0 0,0 0,-10-10,10 10,-10 0,0 0,0 0,0 0,10 0,-10 0,10 0,-10 0,0 0,10 0,-10 0,0 0,0 0,10 0,-10 0,10 0,-10 0,10 0,-10 0,10 10,-10-10,10 0,-10 0,10 0,-10 0,0 0,0 0,0 0,0 0,10 10,-10-10,0 0,0 0,10 0,-10 0,10 0,-10 0,10 0,0 0,-10 0,10 0,0 0,0 0,0 0,0 0,0 0,0 0,0 0,0 0,10 0,-10 0,0 0,0-10,0 10,0 0,0 0,0 0,0 0,0 0,0 0,-10 0,10 0,-10 0,10 0,-10 0,0 0,0 0,0 0,0 0,0 0,0 0,10 0,0 0,-10 0,0 0,0 0,0 0,0 0,10 0,-10 0,0 0,0 0,10 0,-10 0,0 0,10 0,-10 0,0 0,0 0,0 0,0 0,0 0,0 0,0-10,-10-10,-10-20,10 40</inkml:trace>
+</inkml:ink>
+</file>
+
+<file path=ppt/ink/ink35.xml><?xml version="1.0" encoding="utf-8"?>
+<inkml:ink xmlns:inkml="http://www.w3.org/2003/InkML">
+  <inkml:definitions>
+    <inkml:context xml:id="ctx0">
+      <inkml:inkSource xml:id="inkSrc0">
+        <inkml:traceFormat>
+          <inkml:channel name="X" type="integer" units="cm"/>
+          <inkml:channel name="Y" type="integer" units="cm"/>
+        </inkml:traceFormat>
+        <inkml:channelProperties>
+          <inkml:channelProperty channel="X" name="resolution" value="28.3464566929134" units="1/cm"/>
+          <inkml:channelProperty channel="Y" name="resolution" value="28.3464566929134" units="1/cm"/>
+        </inkml:channelProperties>
+      </inkml:inkSource>
+      <inkml:timestamp xml:id="ts0" timeString="2023-07-09T16:08:20"/>
+    </inkml:context>
+    <inkml:brush xml:id="br0">
+      <inkml:brushProperty name="width" value="0.05292" units="cm"/>
+      <inkml:brushProperty name="height" value="0.05292" units="cm"/>
+      <inkml:brushProperty name="color" value="#f80600"/>
+      <inkml:brushProperty name="ignorePressure" value="0"/>
+    </inkml:brush>
+  </inkml:definitions>
+  <inkml:trace contextRef="#ctx0" brushRef="#br0">3520 5175,'0'-10,"-10"10,20 0,0 0,0 0,0 10,0 0,0-10,0 10,0-10,0 0,0 10,10-10,-10 0,0 0,0 10,0-10,0 0,0 0,0 0,0 10,0-10,0 0,0 0,0 0,-10 10,10-10,0 0,0 10,0-10,0 0,0 0,0 0,0 0,0 0,0 0,0 0,0 0,-10 10,10-10,0 0,0 0,0 0,0 0,0 0,0 0,0 0,0 0,0 0,10 0,-10 0,0 0,10 0,-10 0,10 0,-10 0,10-10,0 10,-10 0,0 0,10 0,-10-10,10 10,-10 0,0 0,0 0,0 0,0 0,0 0,0 0,0 0,0 0,0 0,0 0,0 0,0 0,0 0,0 0,0 0,0 0,0 0,0 0,0 0,10 0,-10-10,0 10,0 0,0 0,0 0,0 0,0 0,0 0,0 0,0 0,0 0,0-10,0 10,0 0,0 0,0 0,0 0,0 0,0 0,0 0,0 0,0 0,0 0,0 0,0 0,0 0,0 0,0 0,0 0,0 0,0 0,0 0,0 0,0 0,-10 10,10-10,0 0,0 0,10 0,-10 0,0 0,10 10,0-10,-10 0,10 0,-10 10,10-10,-10 0,10 10,-10-10,0 0,0 0,0 10,0-10,0 0,0 0,0 0,0 0,0 0,10 0,-10 0,0 0,0 0,0 0,0 0,0 0,0 0,0 0,-20-20,10 20</inkml:trace>
+</inkml:ink>
+</file>
+
+<file path=ppt/ink/ink36.xml><?xml version="1.0" encoding="utf-8"?>
+<inkml:ink xmlns:inkml="http://www.w3.org/2003/InkML">
+  <inkml:definitions>
+    <inkml:context xml:id="ctx0">
+      <inkml:inkSource xml:id="inkSrc0">
+        <inkml:traceFormat>
+          <inkml:channel name="X" type="integer" units="cm"/>
+          <inkml:channel name="Y" type="integer" units="cm"/>
+        </inkml:traceFormat>
+        <inkml:channelProperties>
+          <inkml:channelProperty channel="X" name="resolution" value="28.3464566929134" units="1/cm"/>
+          <inkml:channelProperty channel="Y" name="resolution" value="28.3464566929134" units="1/cm"/>
+        </inkml:channelProperties>
+      </inkml:inkSource>
+      <inkml:timestamp xml:id="ts0" timeString="2023-07-09T16:08:20"/>
+    </inkml:context>
+    <inkml:brush xml:id="br0">
+      <inkml:brushProperty name="width" value="0.05292" units="cm"/>
+      <inkml:brushProperty name="height" value="0.05292" units="cm"/>
+      <inkml:brushProperty name="color" value="#f80600"/>
+      <inkml:brushProperty name="ignorePressure" value="0"/>
+    </inkml:brush>
+  </inkml:definitions>
+  <inkml:trace contextRef="#ctx0" brushRef="#br0">1840 7025,'10'0,"0"-10,0 10,0 0,0 0,0-10,0 10,10 0,0 0,0 0,0 0,0 0,0 0,0 0,0 0,0 0,0 0,0 0,0 0,-10 0,10 0,0 0,0 0,0 0,-10 0,10 0,0 0,0 0,-10 0,10 0,0 0,-10 0,0 10,10-10,-10 0,10 10,-10-10,0 0,10 0,-10 0,0 0,10 10,-10-10,10 0,-10 0,10 0,0 10,-10-10,10 0,-10 0,10 0,0 0,-10 0,10 0,0 0,-10 0,10 0,0 0,0 0,0 0,0 0,0 10,0-10,0 0,0 0,0 0,0 0,0 0,0 0,0 0,-10 0,10 0,-10 0,10 10,0-10,0 0,0 0,0 0,0 10,-10-10,10 0,0 0,0 0,-10 0,10 10,0-10,0 0,-10 0,10 0,0 0,0 0,-10 0,10 0,0 0,0 0,0 0,0 0,0 0,0 0,0 0,0 0,10 0,-10 0,0-10,0 10,0 0,0 0,0 0,0-10,-10 10,10 0,-10 0,0 0,10 0,-10 0,10 0,-10 0,10 0,0 0,-10 0,10 0,0 0,0 0,-10 0,10 0,0 0,0 0,0 0,0 0,0 0,0 0,0 0,-10 0,10 10,0-10,-10 0,10 0,0 0,0 0,-10 10,10-10,-10 0,10 10,-10-10,0 0,0 0,0 10,0-10,0 0,0 0,-20 0,10 0</inkml:trace>
+</inkml:ink>
+</file>
+
+<file path=ppt/ink/ink37.xml><?xml version="1.0" encoding="utf-8"?>
+<inkml:ink xmlns:inkml="http://www.w3.org/2003/InkML">
+  <inkml:definitions>
+    <inkml:context xml:id="ctx0">
+      <inkml:inkSource xml:id="inkSrc0">
+        <inkml:traceFormat>
+          <inkml:channel name="X" type="integer" units="cm"/>
+          <inkml:channel name="Y" type="integer" units="cm"/>
+        </inkml:traceFormat>
+        <inkml:channelProperties>
+          <inkml:channelProperty channel="X" name="resolution" value="28.3464566929134" units="1/cm"/>
+          <inkml:channelProperty channel="Y" name="resolution" value="28.3464566929134" units="1/cm"/>
+        </inkml:channelProperties>
+      </inkml:inkSource>
+      <inkml:timestamp xml:id="ts0" timeString="2023-07-09T16:08:20"/>
+    </inkml:context>
+    <inkml:brush xml:id="br0">
+      <inkml:brushProperty name="width" value="0.05292" units="cm"/>
+      <inkml:brushProperty name="height" value="0.05292" units="cm"/>
+      <inkml:brushProperty name="color" value="#f80600"/>
+      <inkml:brushProperty name="ignorePressure" value="0"/>
+    </inkml:brush>
+  </inkml:definitions>
+  <inkml:trace contextRef="#ctx0" brushRef="#br0">5940 6175,'0'80,"0"-20,0-10,0-10,0 0,0-20,0 0,0 0,0-20</inkml:trace>
+</inkml:ink>
+</file>
+
+<file path=ppt/ink/ink38.xml><?xml version="1.0" encoding="utf-8"?>
+<inkml:ink xmlns:inkml="http://www.w3.org/2003/InkML">
+  <inkml:definitions>
+    <inkml:context xml:id="ctx0">
+      <inkml:inkSource xml:id="inkSrc0">
+        <inkml:traceFormat>
+          <inkml:channel name="X" type="integer" units="cm"/>
+          <inkml:channel name="Y" type="integer" units="cm"/>
+        </inkml:traceFormat>
+        <inkml:channelProperties>
+          <inkml:channelProperty channel="X" name="resolution" value="28.3464566929134" units="1/cm"/>
+          <inkml:channelProperty channel="Y" name="resolution" value="28.3464566929134" units="1/cm"/>
+        </inkml:channelProperties>
+      </inkml:inkSource>
+      <inkml:timestamp xml:id="ts0" timeString="2023-07-09T16:08:20"/>
+    </inkml:context>
+    <inkml:brush xml:id="br0">
+      <inkml:brushProperty name="width" value="0.05292" units="cm"/>
+      <inkml:brushProperty name="height" value="0.05292" units="cm"/>
+      <inkml:brushProperty name="color" value="#f80600"/>
+      <inkml:brushProperty name="ignorePressure" value="0"/>
+    </inkml:brush>
+  </inkml:definitions>
+  <inkml:trace contextRef="#ctx0" brushRef="#br0">2990 8385,'10'0,"0"0,10 0,0 0,0 0,0 0,10 0,0 0,0 0,0 10,0-10,0 10,0-10,0 10,-10-10,10 10,0-10,-10 10,10 0,0 10,0-10,0 0,10 0,-10 0,10 0,-10 0,10-10,-10 10,-10-10,0 0,0 0,-10 10,0-10,0 0,-10 10,-10 0,-20 0,30-10</inkml:trace>
+</inkml:ink>
+</file>
+
+<file path=ppt/ink/ink39.xml><?xml version="1.0" encoding="utf-8"?>
+<inkml:ink xmlns:inkml="http://www.w3.org/2003/InkML">
+  <inkml:definitions>
+    <inkml:context xml:id="ctx0">
+      <inkml:inkSource xml:id="inkSrc0">
+        <inkml:traceFormat>
+          <inkml:channel name="X" type="integer" units="cm"/>
+          <inkml:channel name="Y" type="integer" units="cm"/>
+        </inkml:traceFormat>
+        <inkml:channelProperties>
+          <inkml:channelProperty channel="X" name="resolution" value="28.3464566929134" units="1/cm"/>
+          <inkml:channelProperty channel="Y" name="resolution" value="28.3464566929134" units="1/cm"/>
+        </inkml:channelProperties>
+      </inkml:inkSource>
+      <inkml:timestamp xml:id="ts0" timeString="2023-07-09T16:08:20"/>
+    </inkml:context>
+    <inkml:brush xml:id="br0">
+      <inkml:brushProperty name="width" value="0.05292" units="cm"/>
+      <inkml:brushProperty name="height" value="0.05292" units="cm"/>
+      <inkml:brushProperty name="color" value="#f80600"/>
+      <inkml:brushProperty name="ignorePressure" value="0"/>
+    </inkml:brush>
+  </inkml:definitions>
+  <inkml:trace contextRef="#ctx0" brushRef="#br0">3830 7505,'0'0</inkml:trace>
+</inkml:ink>
+</file>
+
+<file path=ppt/ink/ink4.xml><?xml version="1.0" encoding="utf-8"?>
+<inkml:ink xmlns:inkml="http://www.w3.org/2003/InkML">
+  <inkml:definitions>
+    <inkml:context xml:id="ctx0">
+      <inkml:inkSource xml:id="inkSrc0">
+        <inkml:traceFormat>
+          <inkml:channel name="X" type="integer" units="cm"/>
+          <inkml:channel name="Y" type="integer" units="cm"/>
+        </inkml:traceFormat>
+        <inkml:channelProperties>
+          <inkml:channelProperty channel="X" name="resolution" value="28.3464566929134" units="1/cm"/>
+          <inkml:channelProperty channel="Y" name="resolution" value="28.3464566929134" units="1/cm"/>
+        </inkml:channelProperties>
+      </inkml:inkSource>
+      <inkml:timestamp xml:id="ts0" timeString="2023-07-09T16:08:20"/>
+    </inkml:context>
+    <inkml:brush xml:id="br0">
+      <inkml:brushProperty name="width" value="0.05292" units="cm"/>
+      <inkml:brushProperty name="height" value="0.05292" units="cm"/>
+      <inkml:brushProperty name="color" value="#f80600"/>
+      <inkml:brushProperty name="ignorePressure" value="0"/>
+    </inkml:brush>
+  </inkml:definitions>
+  <inkml:trace contextRef="#ctx0" brushRef="#br0">4430 6735,'-10'0,"10"-10,-10 10,0 0,0 0,0 0,10-10,-10 10,20 0,0 0,0 0,0 0,0 0,0 0,0 0,0 0,10 0,-10 0,0 0,0 0,0 0,0 0,0 0,0 0,0 0,0 0,0 0,0 0,0 0,0 0,0 0,0 0,0-10,0 10,0 0,0 0,0 0,0 0,0 0,0 0,0-10,0 10,0 0,0 0,10 0,-10 0,0 0,0 0,0 0,0 0,0 0,0 0,0 0,0 0,0 0,0 0,0 0,0 0,0 0,10 0,-10 0,0 10,0-10,10 0,-10 0,10 0,-10 0,10 0,-10 10,0-10,10 0,-10 10,10-10,-10 0,0 0,0 0,10 10,-10-10,0 0,10 0,-10 0,10 0,0 0,0 0,0 10,10-10,-10 0,0 0,0 10,0-10,10 0,-10 0,0 0,0 0,-10 10,0-10,10 0,-10 10,10-10,-10 0,10 0,-10 0,10 0,-10 0,10 10,0-10,-10 0,10 0,-10 0,10 0,-10 0,10 0,0 0,-10 0,10 0,0 0,-10 0,10-10,-10 10,10 0,-10 0,10 0,-10 0,0 0,0 0,0-10,0 10,0 0,0 0,0 0,0-10,0 10,-30 0,20 0</inkml:trace>
+</inkml:ink>
+</file>
+
+<file path=ppt/ink/ink5.xml><?xml version="1.0" encoding="utf-8"?>
+<inkml:ink xmlns:inkml="http://www.w3.org/2003/InkML">
+  <inkml:definitions>
+    <inkml:context xml:id="ctx0">
+      <inkml:inkSource xml:id="inkSrc0">
+        <inkml:traceFormat>
+          <inkml:channel name="X" type="integer" units="cm"/>
+          <inkml:channel name="Y" type="integer" units="cm"/>
+        </inkml:traceFormat>
+        <inkml:channelProperties>
+          <inkml:channelProperty channel="X" name="resolution" value="28.3464566929134" units="1/cm"/>
+          <inkml:channelProperty channel="Y" name="resolution" value="28.3464566929134" units="1/cm"/>
+        </inkml:channelProperties>
+      </inkml:inkSource>
+      <inkml:timestamp xml:id="ts0" timeString="2023-07-09T16:08:20"/>
+    </inkml:context>
+    <inkml:brush xml:id="br0">
+      <inkml:brushProperty name="width" value="0.05292" units="cm"/>
+      <inkml:brushProperty name="height" value="0.05292" units="cm"/>
+      <inkml:brushProperty name="color" value="#f80600"/>
+      <inkml:brushProperty name="ignorePressure" value="0"/>
+    </inkml:brush>
+  </inkml:definitions>
+  <inkml:trace contextRef="#ctx0" brushRef="#br0">11510 3765,'-20'0,"30"0,0 0,0 0,10 0,0-10,0 10,-10-10,10 0,0 10,10 0,-10 0,0 0,0 0,0 0,0 0,0 0,-10 0,10 0,-10 0,0 0,10 0,-10 0,0 0,0 0,10 0,-10 0,0 0,0 0,0 0,10 0,-10 0,10 0,0 0,0 0,-10 0,10 0,-10 0,0 0,0 0,0 0,10 0,-10 10,0-10,0 0,0 0,0 0,0 0,-20 0,0 0,0 0,-10-20,-20 0,40 20</inkml:trace>
+</inkml:ink>
+</file>
+
+<file path=ppt/ink/ink6.xml><?xml version="1.0" encoding="utf-8"?>
+<inkml:ink xmlns:inkml="http://www.w3.org/2003/InkML">
+  <inkml:definitions>
+    <inkml:context xml:id="ctx0">
+      <inkml:inkSource xml:id="inkSrc0">
+        <inkml:traceFormat>
+          <inkml:channel name="X" type="integer" units="cm"/>
+          <inkml:channel name="Y" type="integer" units="cm"/>
+        </inkml:traceFormat>
+        <inkml:channelProperties>
+          <inkml:channelProperty channel="X" name="resolution" value="28.3464566929134" units="1/cm"/>
+          <inkml:channelProperty channel="Y" name="resolution" value="28.3464566929134" units="1/cm"/>
+        </inkml:channelProperties>
+      </inkml:inkSource>
+      <inkml:timestamp xml:id="ts0" timeString="2023-07-09T16:08:20"/>
+    </inkml:context>
+    <inkml:brush xml:id="br0">
+      <inkml:brushProperty name="width" value="0.05292" units="cm"/>
+      <inkml:brushProperty name="height" value="0.05292" units="cm"/>
+      <inkml:brushProperty name="color" value="#f80600"/>
+      <inkml:brushProperty name="ignorePressure" value="0"/>
+    </inkml:brush>
+  </inkml:definitions>
+  <inkml:trace contextRef="#ctx0" brushRef="#br0">11970 3835,'0'20,"0"10,0 10,0 10,0 20,0-10,0 0,-10 10,10-10,-10-10,10 10,0 0,-10 0,10 0,0 0,0 0,-10 0,0 0,10 0,-10-10,0 0,0 10,0-10,0 0,0-10,0 0,0 0,0-10,10 0,-10 0,0-10,10 10,-10-10,0 0,10 10,-10-10,10 10,-10 0,10 0,0 0,-10 0,10-10,0 0,0 0,-10-10,10 0,0 0,0 0,0 0,0 10,0-10,0 10,0 0,0-10,0 0,0 10,0-10,0 10,0 10,0-10,10 0,-10 0,0 0,10 0,-10-10,10-10,-10 10,0 0,10 0,-10 10,0-10,10 0,-10 0,10-10,-10 10,0 0,0 0,10 10,-10 0,0 0,0 0,10-10,-10 0,0 0,10-10,0 0,-10-10,10 10,-10 0</inkml:trace>
+</inkml:ink>
+</file>
+
+<file path=ppt/ink/ink7.xml><?xml version="1.0" encoding="utf-8"?>
+<inkml:ink xmlns:inkml="http://www.w3.org/2003/InkML">
+  <inkml:definitions>
+    <inkml:context xml:id="ctx0">
+      <inkml:inkSource xml:id="inkSrc0">
+        <inkml:traceFormat>
+          <inkml:channel name="X" type="integer" units="cm"/>
+          <inkml:channel name="Y" type="integer" units="cm"/>
+        </inkml:traceFormat>
+        <inkml:channelProperties>
+          <inkml:channelProperty channel="X" name="resolution" value="28.3464566929134" units="1/cm"/>
+          <inkml:channelProperty channel="Y" name="resolution" value="28.3464566929134" units="1/cm"/>
+        </inkml:channelProperties>
+      </inkml:inkSource>
+      <inkml:timestamp xml:id="ts0" timeString="2023-07-09T16:08:20"/>
+    </inkml:context>
+    <inkml:brush xml:id="br0">
+      <inkml:brushProperty name="width" value="0.05292" units="cm"/>
+      <inkml:brushProperty name="height" value="0.05292" units="cm"/>
+      <inkml:brushProperty name="color" value="#f80600"/>
+      <inkml:brushProperty name="ignorePressure" value="0"/>
+    </inkml:brush>
+  </inkml:definitions>
+  <inkml:trace contextRef="#ctx0" brushRef="#br0">11630 6075,'10'0,"0"10,10 0,0 10,10 0,0 10,0 10,-10 0,10-10,-10 0,-10 0,10-10,-20 0,10-10,0-10,-10 10,0-20,0-10,0 0,10 0,-10-10,10 0,0 10,0-10,0 0,0 0,10 0,0 10,-10-10,-10 30</inkml:trace>
+</inkml:ink>
+</file>
+
+<file path=ppt/ink/ink8.xml><?xml version="1.0" encoding="utf-8"?>
+<inkml:ink xmlns:inkml="http://www.w3.org/2003/InkML">
+  <inkml:definitions>
+    <inkml:context xml:id="ctx0">
+      <inkml:inkSource xml:id="inkSrc0">
+        <inkml:traceFormat>
+          <inkml:channel name="X" type="integer" units="cm"/>
+          <inkml:channel name="Y" type="integer" units="cm"/>
+        </inkml:traceFormat>
+        <inkml:channelProperties>
+          <inkml:channelProperty channel="X" name="resolution" value="28.3464566929134" units="1/cm"/>
+          <inkml:channelProperty channel="Y" name="resolution" value="28.3464566929134" units="1/cm"/>
+        </inkml:channelProperties>
+      </inkml:inkSource>
+      <inkml:timestamp xml:id="ts0" timeString="2023-07-09T16:08:20"/>
+    </inkml:context>
+    <inkml:brush xml:id="br0">
+      <inkml:brushProperty name="width" value="0.05292" units="cm"/>
+      <inkml:brushProperty name="height" value="0.05292" units="cm"/>
+      <inkml:brushProperty name="color" value="#f80600"/>
+      <inkml:brushProperty name="ignorePressure" value="0"/>
+    </inkml:brush>
+  </inkml:definitions>
+  <inkml:trace contextRef="#ctx0" brushRef="#br0">5750 6815,'-30'-10,"20"10,10 10,10 20,0-10,0 10,0 0,10 10,0-10,-10 10,10-10,0 0,0 0,0 0,0 0,0 0,0 0,10-10,0 10,-10-10,10 0,0 0,0 0,-10-10,10 10,-10 10,0-10,-10 0,10 10,0-10,0 10,10-10,-10 10,0-10,10 0,-10 0,10 0,0 0,-10 0,10-10,0 10,0 10,0-20,0 20,0-10,10 0,-10 0,10 0,-10-10,10 10,0-10,0 10,0-10,0 10,-10 0,20-10,-10 10,10-10,0 0,-10 0,10-10,-10 10,10-10,-10 0,10 10,0 0,-10-10,10 10,-10 0,0 0,0 0,-10-10,0 10,0-10,10 0,-20 0,10 0,-10 0,10 0,-10 0,0 0,10 0,-10 10,0-10,10 10,-10-10,10 0,-10 0,0 0,0 0,10 0,-10 0,0 0,0 0,0 0,0 0,-10-10,0 10,0 0,0 0,0 0,-10-10,0 10</inkml:trace>
+</inkml:ink>
+</file>
+
+<file path=ppt/ink/ink9.xml><?xml version="1.0" encoding="utf-8"?>
+<inkml:ink xmlns:inkml="http://www.w3.org/2003/InkML">
+  <inkml:definitions>
+    <inkml:context xml:id="ctx0">
+      <inkml:inkSource xml:id="inkSrc0">
+        <inkml:traceFormat>
+          <inkml:channel name="X" type="integer" units="cm"/>
+          <inkml:channel name="Y" type="integer" units="cm"/>
+        </inkml:traceFormat>
+        <inkml:channelProperties>
+          <inkml:channelProperty channel="X" name="resolution" value="28.3464566929134" units="1/cm"/>
+          <inkml:channelProperty channel="Y" name="resolution" value="28.3464566929134" units="1/cm"/>
+        </inkml:channelProperties>
+      </inkml:inkSource>
+      <inkml:timestamp xml:id="ts0" timeString="2023-07-09T16:08:20"/>
+    </inkml:context>
+    <inkml:brush xml:id="br0">
+      <inkml:brushProperty name="width" value="0.05292" units="cm"/>
+      <inkml:brushProperty name="height" value="0.05292" units="cm"/>
+      <inkml:brushProperty name="color" value="#f80600"/>
+      <inkml:brushProperty name="ignorePressure" value="0"/>
+    </inkml:brush>
+  </inkml:definitions>
+  <inkml:trace contextRef="#ctx0" brushRef="#br0">8360 8065,'-50'-60,"40"60,0 0,0 0,20 20,10 0,0 0,0-10,10 10,-10-10,0 0,0 0,-10-10,0 10,0-10,-10 10,0 0,0 0,0 0,0 0,0 0,0 0,-10 0,0 0,-10 10,0 0,-10 0,-10 0,0 0,-10 0,-10 0,20 0,-10 0,20 0,0-10,0 0,20-10,0 10,0-10,20 0,0 0,0-20,-10 20</inkml:trace>
+</inkml:ink>
 </file>
 
 <file path=ppt/slideLayouts/slideLayout1.xml><?xml version="1.0" encoding="utf-8"?>
@@ -3088,6 +4158,17 @@
 <file path=ppt/slides/slide1.xml><?xml version="1.0" encoding="utf-8"?>
 <p:sld xmlns:a="http://schemas.openxmlformats.org/drawingml/2006/main" xmlns:r="http://schemas.openxmlformats.org/officeDocument/2006/relationships" xmlns:p="http://schemas.openxmlformats.org/presentationml/2006/main">
   <p:cSld>
+    <p:bg>
+      <p:bgPr>
+        <a:blipFill>
+          <a:blip r:embed="rId1"/>
+          <a:stretch>
+            <a:fillRect/>
+          </a:stretch>
+        </a:blipFill>
+        <a:effectLst/>
+      </p:bgPr>
+    </p:bg>
     <p:spTree>
       <p:nvGrpSpPr>
         <p:cNvPr id="1" name=""/>
@@ -3102,6 +4183,33 @@
           <a:chExt cx="0" cy="0"/>
         </a:xfrm>
       </p:grpSpPr>
+    </p:spTree>
+    <p:custDataLst>
+      <p:tags r:id="rId2"/>
+    </p:custDataLst>
+  </p:cSld>
+  <p:clrMapOvr>
+    <a:masterClrMapping/>
+  </p:clrMapOvr>
+</p:sld>
+</file>
+
+<file path=ppt/slides/slide10.xml><?xml version="1.0" encoding="utf-8"?>
+<p:sld xmlns:a="http://schemas.openxmlformats.org/drawingml/2006/main" xmlns:r="http://schemas.openxmlformats.org/officeDocument/2006/relationships" xmlns:p="http://schemas.openxmlformats.org/presentationml/2006/main">
+  <p:cSld>
+    <p:bg>
+      <p:bgPr>
+        <a:noFill/>
+        <a:effectLst/>
+      </p:bgPr>
+    </p:bg>
+    <p:spTree>
+      <p:nvGrpSpPr>
+        <p:cNvPr id="1" name=""/>
+        <p:cNvGrpSpPr/>
+        <p:nvPr/>
+      </p:nvGrpSpPr>
+      <p:grpSpPr/>
       <p:sp>
         <p:nvSpPr>
           <p:cNvPr id="2" name="标题 1"/>
@@ -3109,41 +4217,2074 @@
             <a:spLocks noGrp="1"/>
           </p:cNvSpPr>
           <p:nvPr>
-            <p:ph type="ctrTitle"/>
-            <p:custDataLst>
-              <p:tags r:id="rId1"/>
-            </p:custDataLst>
+            <p:ph type="title"/>
           </p:nvPr>
         </p:nvSpPr>
         <p:spPr/>
         <p:txBody>
           <a:bodyPr/>
           <a:p>
-            <a:endParaRPr lang="zh-CN" altLang="zh-CN"/>
+            <a:r>
+              <a:rPr lang="zh-CN" altLang="en-US"/>
+              <a:t>hash 表</a:t>
+            </a:r>
+            <a:endParaRPr lang="zh-CN" altLang="en-US"/>
+          </a:p>
+        </p:txBody>
+      </p:sp>
+      <p:pic>
+        <p:nvPicPr>
+          <p:cNvPr id="6" name="内容占位符 5"/>
+          <p:cNvPicPr>
+            <a:picLocks noChangeAspect="1"/>
+          </p:cNvPicPr>
+          <p:nvPr>
+            <p:ph idx="1"/>
+            <p:custDataLst>
+              <p:tags r:id="rId1"/>
+            </p:custDataLst>
+          </p:nvPr>
+        </p:nvPicPr>
+        <p:blipFill>
+          <a:blip r:embed="rId2"/>
+          <a:stretch>
+            <a:fillRect/>
+          </a:stretch>
+        </p:blipFill>
+        <p:spPr>
+          <a:xfrm>
+            <a:off x="943610" y="1791335"/>
+            <a:ext cx="5918200" cy="3086100"/>
+          </a:xfrm>
+          <a:prstGeom prst="rect">
+            <a:avLst/>
+          </a:prstGeom>
+        </p:spPr>
+      </p:pic>
+      <mc:AlternateContent xmlns:mc="http://schemas.openxmlformats.org/markup-compatibility/2006" xmlns:p14="http://schemas.microsoft.com/office/powerpoint/2010/main">
+        <mc:Choice Requires="p14">
+          <p:contentPart r:id="rId3" p14:bwMode="auto">
+            <p14:nvContentPartPr>
+              <p14:cNvPr id="5" name="墨迹 4"/>
+              <p14:cNvContentPartPr/>
+              <p14:nvPr/>
+            </p14:nvContentPartPr>
+            <p14:xfrm>
+              <a:off x="2717800" y="2720975"/>
+              <a:ext cx="953135" cy="908685"/>
+            </p14:xfrm>
+          </p:contentPart>
+        </mc:Choice>
+        <mc:Fallback xmlns="">
+          <p:pic>
+            <p:nvPicPr>
+              <p:cNvPr id="5" name="墨迹 4"/>
+            </p:nvPicPr>
+            <p:blipFill>
+              <a:blip r:embed="rId4"/>
+            </p:blipFill>
+            <p:spPr>
+              <a:xfrm>
+                <a:off x="2717800" y="2720975"/>
+                <a:ext cx="953135" cy="908685"/>
+              </a:xfrm>
+              <a:prstGeom prst="rect"/>
+            </p:spPr>
+          </p:pic>
+        </mc:Fallback>
+      </mc:AlternateContent>
+      <mc:AlternateContent xmlns:mc="http://schemas.openxmlformats.org/markup-compatibility/2006" xmlns:p14="http://schemas.microsoft.com/office/powerpoint/2010/main">
+        <mc:Choice Requires="p14">
+          <p:contentPart r:id="rId5" p14:bwMode="auto">
+            <p14:nvContentPartPr>
+              <p14:cNvPr id="7" name="墨迹 6"/>
+              <p14:cNvContentPartPr/>
+              <p14:nvPr/>
+            </p14:nvContentPartPr>
+            <p14:xfrm>
+              <a:off x="2628900" y="3476625"/>
+              <a:ext cx="267335" cy="159385"/>
+            </p14:xfrm>
+          </p:contentPart>
+        </mc:Choice>
+        <mc:Fallback xmlns="">
+          <p:pic>
+            <p:nvPicPr>
+              <p:cNvPr id="7" name="墨迹 6"/>
+            </p:nvPicPr>
+            <p:blipFill>
+              <a:blip r:embed="rId6"/>
+            </p:blipFill>
+            <p:spPr>
+              <a:xfrm>
+                <a:off x="2628900" y="3476625"/>
+                <a:ext cx="267335" cy="159385"/>
+              </a:xfrm>
+              <a:prstGeom prst="rect"/>
+            </p:spPr>
+          </p:pic>
+        </mc:Fallback>
+      </mc:AlternateContent>
+      <mc:AlternateContent xmlns:mc="http://schemas.openxmlformats.org/markup-compatibility/2006" xmlns:p14="http://schemas.microsoft.com/office/powerpoint/2010/main">
+        <mc:Choice Requires="p14">
+          <p:contentPart r:id="rId7" p14:bwMode="auto">
+            <p14:nvContentPartPr>
+              <p14:cNvPr id="8" name="墨迹 7"/>
+              <p14:cNvContentPartPr/>
+              <p14:nvPr/>
+            </p14:nvContentPartPr>
+            <p14:xfrm>
+              <a:off x="2508250" y="4467225"/>
+              <a:ext cx="1588135" cy="26035"/>
+            </p14:xfrm>
+          </p:contentPart>
+        </mc:Choice>
+        <mc:Fallback xmlns="">
+          <p:pic>
+            <p:nvPicPr>
+              <p:cNvPr id="8" name="墨迹 7"/>
+            </p:nvPicPr>
+            <p:blipFill>
+              <a:blip r:embed="rId8"/>
+            </p:blipFill>
+            <p:spPr>
+              <a:xfrm>
+                <a:off x="2508250" y="4467225"/>
+                <a:ext cx="1588135" cy="26035"/>
+              </a:xfrm>
+              <a:prstGeom prst="rect"/>
+            </p:spPr>
+          </p:pic>
+        </mc:Fallback>
+      </mc:AlternateContent>
+    </p:spTree>
+    <p:custDataLst>
+      <p:tags r:id="rId9"/>
+    </p:custDataLst>
+  </p:cSld>
+  <p:clrMapOvr>
+    <a:masterClrMapping/>
+  </p:clrMapOvr>
+</p:sld>
+</file>
+
+<file path=ppt/slides/slide11.xml><?xml version="1.0" encoding="utf-8"?>
+<p:sld xmlns:a="http://schemas.openxmlformats.org/drawingml/2006/main" xmlns:r="http://schemas.openxmlformats.org/officeDocument/2006/relationships" xmlns:p="http://schemas.openxmlformats.org/presentationml/2006/main">
+  <p:cSld>
+    <p:bg>
+      <p:bgPr>
+        <a:noFill/>
+        <a:effectLst/>
+      </p:bgPr>
+    </p:bg>
+    <p:spTree>
+      <p:nvGrpSpPr>
+        <p:cNvPr id="1" name=""/>
+        <p:cNvGrpSpPr/>
+        <p:nvPr/>
+      </p:nvGrpSpPr>
+      <p:grpSpPr/>
+      <p:sp>
+        <p:nvSpPr>
+          <p:cNvPr id="2" name="标题 1"/>
+          <p:cNvSpPr>
+            <a:spLocks noGrp="1"/>
+          </p:cNvSpPr>
+          <p:nvPr>
+            <p:ph type="title"/>
+          </p:nvPr>
+        </p:nvSpPr>
+        <p:spPr/>
+        <p:txBody>
+          <a:bodyPr/>
+          <a:p>
+            <a:r>
+              <a:rPr lang="zh-CN" altLang="en-US"/>
+              <a:t>hash 表</a:t>
+            </a:r>
+            <a:endParaRPr lang="zh-CN" altLang="en-US"/>
+          </a:p>
+        </p:txBody>
+      </p:sp>
+      <p:pic>
+        <p:nvPicPr>
+          <p:cNvPr id="4" name="内容占位符 3"/>
+          <p:cNvPicPr>
+            <a:picLocks noChangeAspect="1"/>
+          </p:cNvPicPr>
+          <p:nvPr>
+            <p:ph idx="1"/>
+            <p:custDataLst>
+              <p:tags r:id="rId1"/>
+            </p:custDataLst>
+          </p:nvPr>
+        </p:nvPicPr>
+        <p:blipFill>
+          <a:blip r:embed="rId2"/>
+          <a:stretch>
+            <a:fillRect/>
+          </a:stretch>
+        </p:blipFill>
+        <p:spPr>
+          <a:xfrm>
+            <a:off x="608330" y="1819910"/>
+            <a:ext cx="10179050" cy="4216400"/>
+          </a:xfrm>
+          <a:prstGeom prst="rect">
+            <a:avLst/>
+          </a:prstGeom>
+        </p:spPr>
+      </p:pic>
+      <mc:AlternateContent xmlns:mc="http://schemas.openxmlformats.org/markup-compatibility/2006" xmlns:p14="http://schemas.microsoft.com/office/powerpoint/2010/main">
+        <mc:Choice Requires="p14">
+          <p:contentPart r:id="rId3" p14:bwMode="auto">
+            <p14:nvContentPartPr>
+              <p14:cNvPr id="8" name="墨迹 7"/>
+              <p14:cNvContentPartPr/>
+              <p14:nvPr/>
+            </p14:nvContentPartPr>
+            <p14:xfrm>
+              <a:off x="6750050" y="2695575"/>
+              <a:ext cx="635" cy="635"/>
+            </p14:xfrm>
+          </p:contentPart>
+        </mc:Choice>
+        <mc:Fallback xmlns="">
+          <p:pic>
+            <p:nvPicPr>
+              <p:cNvPr id="8" name="墨迹 7"/>
+            </p:nvPicPr>
+            <p:blipFill>
+              <a:blip r:embed="rId4"/>
+            </p:blipFill>
+            <p:spPr>
+              <a:xfrm>
+                <a:off x="6750050" y="2695575"/>
+                <a:ext cx="635" cy="635"/>
+              </a:xfrm>
+              <a:prstGeom prst="rect"/>
+            </p:spPr>
+          </p:pic>
+        </mc:Fallback>
+      </mc:AlternateContent>
+      <mc:AlternateContent xmlns:mc="http://schemas.openxmlformats.org/markup-compatibility/2006" xmlns:p14="http://schemas.microsoft.com/office/powerpoint/2010/main">
+        <mc:Choice Requires="p14">
+          <p:contentPart r:id="rId5" p14:bwMode="auto">
+            <p14:nvContentPartPr>
+              <p14:cNvPr id="9" name="墨迹 8"/>
+              <p14:cNvContentPartPr/>
+              <p14:nvPr/>
+            </p14:nvContentPartPr>
+            <p14:xfrm>
+              <a:off x="2400300" y="4314825"/>
+              <a:ext cx="57785" cy="13335"/>
+            </p14:xfrm>
+          </p:contentPart>
+        </mc:Choice>
+        <mc:Fallback xmlns="">
+          <p:pic>
+            <p:nvPicPr>
+              <p:cNvPr id="9" name="墨迹 8"/>
+            </p:nvPicPr>
+            <p:blipFill>
+              <a:blip r:embed="rId6"/>
+            </p:blipFill>
+            <p:spPr>
+              <a:xfrm>
+                <a:off x="2400300" y="4314825"/>
+                <a:ext cx="57785" cy="13335"/>
+              </a:xfrm>
+              <a:prstGeom prst="rect"/>
+            </p:spPr>
+          </p:pic>
+        </mc:Fallback>
+      </mc:AlternateContent>
+      <mc:AlternateContent xmlns:mc="http://schemas.openxmlformats.org/markup-compatibility/2006" xmlns:p14="http://schemas.microsoft.com/office/powerpoint/2010/main">
+        <mc:Choice Requires="p14">
+          <p:contentPart r:id="rId7" p14:bwMode="auto">
+            <p14:nvContentPartPr>
+              <p14:cNvPr id="10" name="墨迹 9"/>
+              <p14:cNvContentPartPr/>
+              <p14:nvPr/>
+            </p14:nvContentPartPr>
+            <p14:xfrm>
+              <a:off x="2444750" y="4340225"/>
+              <a:ext cx="311785" cy="38735"/>
+            </p14:xfrm>
+          </p:contentPart>
+        </mc:Choice>
+        <mc:Fallback xmlns="">
+          <p:pic>
+            <p:nvPicPr>
+              <p:cNvPr id="10" name="墨迹 9"/>
+            </p:nvPicPr>
+            <p:blipFill>
+              <a:blip r:embed="rId8"/>
+            </p:blipFill>
+            <p:spPr>
+              <a:xfrm>
+                <a:off x="2444750" y="4340225"/>
+                <a:ext cx="311785" cy="38735"/>
+              </a:xfrm>
+              <a:prstGeom prst="rect"/>
+            </p:spPr>
+          </p:pic>
+        </mc:Fallback>
+      </mc:AlternateContent>
+    </p:spTree>
+    <p:custDataLst>
+      <p:tags r:id="rId9"/>
+    </p:custDataLst>
+  </p:cSld>
+  <p:clrMapOvr>
+    <a:masterClrMapping/>
+  </p:clrMapOvr>
+</p:sld>
+</file>
+
+<file path=ppt/slides/slide12.xml><?xml version="1.0" encoding="utf-8"?>
+<p:sld xmlns:a="http://schemas.openxmlformats.org/drawingml/2006/main" xmlns:r="http://schemas.openxmlformats.org/officeDocument/2006/relationships" xmlns:p="http://schemas.openxmlformats.org/presentationml/2006/main">
+  <p:cSld>
+    <p:bg>
+      <p:bgPr>
+        <a:noFill/>
+        <a:effectLst/>
+      </p:bgPr>
+    </p:bg>
+    <p:spTree>
+      <p:nvGrpSpPr>
+        <p:cNvPr id="1" name=""/>
+        <p:cNvGrpSpPr/>
+        <p:nvPr/>
+      </p:nvGrpSpPr>
+      <p:grpSpPr/>
+      <p:sp>
+        <p:nvSpPr>
+          <p:cNvPr id="2" name="标题 1"/>
+          <p:cNvSpPr>
+            <a:spLocks noGrp="1"/>
+          </p:cNvSpPr>
+          <p:nvPr>
+            <p:ph type="title"/>
+          </p:nvPr>
+        </p:nvSpPr>
+        <p:spPr/>
+        <p:txBody>
+          <a:bodyPr/>
+          <a:p>
+            <a:r>
+              <a:rPr lang="zh-CN" altLang="en-US">
+                <a:sym typeface="+mn-ea"/>
+              </a:rPr>
+              <a:t>hash 表</a:t>
+            </a:r>
+            <a:r>
+              <a:rPr lang="en-US" altLang="zh-CN">
+                <a:sym typeface="+mn-ea"/>
+              </a:rPr>
+              <a:t>——</a:t>
+            </a:r>
+            <a:r>
+              <a:rPr lang="zh-CN" altLang="en-US">
+                <a:sym typeface="+mn-ea"/>
+              </a:rPr>
+              <a:t>初始化</a:t>
+            </a:r>
+            <a:endParaRPr lang="zh-CN" altLang="en-US">
+              <a:sym typeface="+mn-ea"/>
+            </a:endParaRPr>
+          </a:p>
+        </p:txBody>
+      </p:sp>
+      <p:pic>
+        <p:nvPicPr>
+          <p:cNvPr id="4" name="内容占位符 3"/>
+          <p:cNvPicPr>
+            <a:picLocks noChangeAspect="1"/>
+          </p:cNvPicPr>
+          <p:nvPr>
+            <p:ph idx="1"/>
+            <p:custDataLst>
+              <p:tags r:id="rId1"/>
+            </p:custDataLst>
+          </p:nvPr>
+        </p:nvPicPr>
+        <p:blipFill>
+          <a:blip r:embed="rId2"/>
+          <a:stretch>
+            <a:fillRect/>
+          </a:stretch>
+        </p:blipFill>
+        <p:spPr>
+          <a:xfrm>
+            <a:off x="608330" y="1525270"/>
+            <a:ext cx="4465320" cy="5228590"/>
+          </a:xfrm>
+          <a:prstGeom prst="rect">
+            <a:avLst/>
+          </a:prstGeom>
+        </p:spPr>
+      </p:pic>
+      <mc:AlternateContent xmlns:mc="http://schemas.openxmlformats.org/markup-compatibility/2006" xmlns:p14="http://schemas.microsoft.com/office/powerpoint/2010/main">
+        <mc:Choice Requires="p14">
+          <p:contentPart r:id="rId3" p14:bwMode="auto">
+            <p14:nvContentPartPr>
+              <p14:cNvPr id="3" name="墨迹 2"/>
+              <p14:cNvContentPartPr/>
+              <p14:nvPr/>
+            </p14:nvContentPartPr>
+            <p14:xfrm>
+              <a:off x="609600" y="1584325"/>
+              <a:ext cx="2407285" cy="1264285"/>
+            </p14:xfrm>
+          </p:contentPart>
+        </mc:Choice>
+        <mc:Fallback xmlns="">
+          <p:pic>
+            <p:nvPicPr>
+              <p:cNvPr id="3" name="墨迹 2"/>
+            </p:nvPicPr>
+            <p:blipFill>
+              <a:blip r:embed="rId4"/>
+            </p:blipFill>
+            <p:spPr>
+              <a:xfrm>
+                <a:off x="609600" y="1584325"/>
+                <a:ext cx="2407285" cy="1264285"/>
+              </a:xfrm>
+              <a:prstGeom prst="rect"/>
+            </p:spPr>
+          </p:pic>
+        </mc:Fallback>
+      </mc:AlternateContent>
+      <mc:AlternateContent xmlns:mc="http://schemas.openxmlformats.org/markup-compatibility/2006" xmlns:p14="http://schemas.microsoft.com/office/powerpoint/2010/main">
+        <mc:Choice Requires="p14">
+          <p:contentPart r:id="rId5" p14:bwMode="auto">
+            <p14:nvContentPartPr>
+              <p14:cNvPr id="5" name="墨迹 4"/>
+              <p14:cNvContentPartPr/>
+              <p14:nvPr/>
+            </p14:nvContentPartPr>
+            <p14:xfrm>
+              <a:off x="1009650" y="2200275"/>
+              <a:ext cx="667385" cy="6985"/>
+            </p14:xfrm>
+          </p:contentPart>
+        </mc:Choice>
+        <mc:Fallback xmlns="">
+          <p:pic>
+            <p:nvPicPr>
+              <p:cNvPr id="5" name="墨迹 4"/>
+            </p:nvPicPr>
+            <p:blipFill>
+              <a:blip r:embed="rId6"/>
+            </p:blipFill>
+            <p:spPr>
+              <a:xfrm>
+                <a:off x="1009650" y="2200275"/>
+                <a:ext cx="667385" cy="6985"/>
+              </a:xfrm>
+              <a:prstGeom prst="rect"/>
+            </p:spPr>
+          </p:pic>
+        </mc:Fallback>
+      </mc:AlternateContent>
+      <mc:AlternateContent xmlns:mc="http://schemas.openxmlformats.org/markup-compatibility/2006" xmlns:p14="http://schemas.microsoft.com/office/powerpoint/2010/main">
+        <mc:Choice Requires="p14">
+          <p:contentPart r:id="rId7" p14:bwMode="auto">
+            <p14:nvContentPartPr>
+              <p14:cNvPr id="6" name="墨迹 5"/>
+              <p14:cNvContentPartPr/>
+              <p14:nvPr/>
+            </p14:nvContentPartPr>
+            <p14:xfrm>
+              <a:off x="812800" y="3432175"/>
+              <a:ext cx="2121535" cy="32385"/>
+            </p14:xfrm>
+          </p:contentPart>
+        </mc:Choice>
+        <mc:Fallback xmlns="">
+          <p:pic>
+            <p:nvPicPr>
+              <p:cNvPr id="6" name="墨迹 5"/>
+            </p:nvPicPr>
+            <p:blipFill>
+              <a:blip r:embed="rId8"/>
+            </p:blipFill>
+            <p:spPr>
+              <a:xfrm>
+                <a:off x="812800" y="3432175"/>
+                <a:ext cx="2121535" cy="32385"/>
+              </a:xfrm>
+              <a:prstGeom prst="rect"/>
+            </p:spPr>
+          </p:pic>
+        </mc:Fallback>
+      </mc:AlternateContent>
+      <mc:AlternateContent xmlns:mc="http://schemas.openxmlformats.org/markup-compatibility/2006" xmlns:p14="http://schemas.microsoft.com/office/powerpoint/2010/main">
+        <mc:Choice Requires="p14">
+          <p:contentPart r:id="rId9" p14:bwMode="auto">
+            <p14:nvContentPartPr>
+              <p14:cNvPr id="7" name="墨迹 6"/>
+              <p14:cNvContentPartPr/>
+              <p14:nvPr/>
+            </p14:nvContentPartPr>
+            <p14:xfrm>
+              <a:off x="1054100" y="4797425"/>
+              <a:ext cx="127635" cy="13335"/>
+            </p14:xfrm>
+          </p:contentPart>
+        </mc:Choice>
+        <mc:Fallback xmlns="">
+          <p:pic>
+            <p:nvPicPr>
+              <p:cNvPr id="7" name="墨迹 6"/>
+            </p:nvPicPr>
+            <p:blipFill>
+              <a:blip r:embed="rId10"/>
+            </p:blipFill>
+            <p:spPr>
+              <a:xfrm>
+                <a:off x="1054100" y="4797425"/>
+                <a:ext cx="127635" cy="13335"/>
+              </a:xfrm>
+              <a:prstGeom prst="rect"/>
+            </p:spPr>
+          </p:pic>
+        </mc:Fallback>
+      </mc:AlternateContent>
+      <mc:AlternateContent xmlns:mc="http://schemas.openxmlformats.org/markup-compatibility/2006" xmlns:p14="http://schemas.microsoft.com/office/powerpoint/2010/main">
+        <mc:Choice Requires="p14">
+          <p:contentPart r:id="rId11" p14:bwMode="auto">
+            <p14:nvContentPartPr>
+              <p14:cNvPr id="8" name="墨迹 7"/>
+              <p14:cNvContentPartPr/>
+              <p14:nvPr/>
+            </p14:nvContentPartPr>
+            <p14:xfrm>
+              <a:off x="1079500" y="5908675"/>
+              <a:ext cx="2032635" cy="197485"/>
+            </p14:xfrm>
+          </p:contentPart>
+        </mc:Choice>
+        <mc:Fallback xmlns="">
+          <p:pic>
+            <p:nvPicPr>
+              <p:cNvPr id="8" name="墨迹 7"/>
+            </p:nvPicPr>
+            <p:blipFill>
+              <a:blip r:embed="rId12"/>
+            </p:blipFill>
+            <p:spPr>
+              <a:xfrm>
+                <a:off x="1079500" y="5908675"/>
+                <a:ext cx="2032635" cy="197485"/>
+              </a:xfrm>
+              <a:prstGeom prst="rect"/>
+            </p:spPr>
+          </p:pic>
+        </mc:Fallback>
+      </mc:AlternateContent>
+      <mc:AlternateContent xmlns:mc="http://schemas.openxmlformats.org/markup-compatibility/2006" xmlns:p14="http://schemas.microsoft.com/office/powerpoint/2010/main">
+        <mc:Choice Requires="p14">
+          <p:contentPart r:id="rId13" p14:bwMode="auto">
+            <p14:nvContentPartPr>
+              <p14:cNvPr id="9" name="墨迹 8"/>
+              <p14:cNvContentPartPr/>
+              <p14:nvPr/>
+            </p14:nvContentPartPr>
+            <p14:xfrm>
+              <a:off x="1009650" y="6492875"/>
+              <a:ext cx="3175635" cy="26035"/>
+            </p14:xfrm>
+          </p:contentPart>
+        </mc:Choice>
+        <mc:Fallback xmlns="">
+          <p:pic>
+            <p:nvPicPr>
+              <p:cNvPr id="9" name="墨迹 8"/>
+            </p:nvPicPr>
+            <p:blipFill>
+              <a:blip r:embed="rId14"/>
+            </p:blipFill>
+            <p:spPr>
+              <a:xfrm>
+                <a:off x="1009650" y="6492875"/>
+                <a:ext cx="3175635" cy="26035"/>
+              </a:xfrm>
+              <a:prstGeom prst="rect"/>
+            </p:spPr>
+          </p:pic>
+        </mc:Fallback>
+      </mc:AlternateContent>
+      <mc:AlternateContent xmlns:mc="http://schemas.openxmlformats.org/markup-compatibility/2006" xmlns:p14="http://schemas.microsoft.com/office/powerpoint/2010/main">
+        <mc:Choice Requires="p14">
+          <p:contentPart r:id="rId15" p14:bwMode="auto">
+            <p14:nvContentPartPr>
+              <p14:cNvPr id="10" name="墨迹 9"/>
+              <p14:cNvContentPartPr/>
+              <p14:nvPr/>
+            </p14:nvContentPartPr>
+            <p14:xfrm>
+              <a:off x="3111500" y="6124575"/>
+              <a:ext cx="946785" cy="502285"/>
+            </p14:xfrm>
+          </p:contentPart>
+        </mc:Choice>
+        <mc:Fallback xmlns="">
+          <p:pic>
+            <p:nvPicPr>
+              <p:cNvPr id="10" name="墨迹 9"/>
+            </p:nvPicPr>
+            <p:blipFill>
+              <a:blip r:embed="rId16"/>
+            </p:blipFill>
+            <p:spPr>
+              <a:xfrm>
+                <a:off x="3111500" y="6124575"/>
+                <a:ext cx="946785" cy="502285"/>
+              </a:xfrm>
+              <a:prstGeom prst="rect"/>
+            </p:spPr>
+          </p:pic>
+        </mc:Fallback>
+      </mc:AlternateContent>
+    </p:spTree>
+    <p:custDataLst>
+      <p:tags r:id="rId17"/>
+    </p:custDataLst>
+  </p:cSld>
+  <p:clrMapOvr>
+    <a:masterClrMapping/>
+  </p:clrMapOvr>
+</p:sld>
+</file>
+
+<file path=ppt/slides/slide13.xml><?xml version="1.0" encoding="utf-8"?>
+<p:sld xmlns:a="http://schemas.openxmlformats.org/drawingml/2006/main" xmlns:r="http://schemas.openxmlformats.org/officeDocument/2006/relationships" xmlns:p="http://schemas.openxmlformats.org/presentationml/2006/main">
+  <p:cSld>
+    <p:bg>
+      <p:bgPr>
+        <a:noFill/>
+        <a:effectLst/>
+      </p:bgPr>
+    </p:bg>
+    <p:spTree>
+      <p:nvGrpSpPr>
+        <p:cNvPr id="1" name=""/>
+        <p:cNvGrpSpPr/>
+        <p:nvPr/>
+      </p:nvGrpSpPr>
+      <p:grpSpPr/>
+      <p:sp>
+        <p:nvSpPr>
+          <p:cNvPr id="2" name="标题 1"/>
+          <p:cNvSpPr>
+            <a:spLocks noGrp="1"/>
+          </p:cNvSpPr>
+          <p:nvPr>
+            <p:ph type="title"/>
+          </p:nvPr>
+        </p:nvSpPr>
+        <p:spPr/>
+        <p:txBody>
+          <a:bodyPr/>
+          <a:p>
+            <a:r>
+              <a:rPr lang="zh-CN" altLang="en-US">
+                <a:sym typeface="+mn-ea"/>
+              </a:rPr>
+              <a:t>hash 表</a:t>
+            </a:r>
+            <a:r>
+              <a:rPr lang="en-US" altLang="zh-CN">
+                <a:sym typeface="+mn-ea"/>
+              </a:rPr>
+              <a:t>——查询数据</a:t>
+            </a:r>
+            <a:endParaRPr lang="en-US" altLang="zh-CN">
+              <a:sym typeface="+mn-ea"/>
+            </a:endParaRPr>
+          </a:p>
+        </p:txBody>
+      </p:sp>
+      <p:pic>
+        <p:nvPicPr>
+          <p:cNvPr id="5" name="内容占位符 4"/>
+          <p:cNvPicPr>
+            <a:picLocks noChangeAspect="1"/>
+          </p:cNvPicPr>
+          <p:nvPr>
+            <p:ph idx="1"/>
+            <p:custDataLst>
+              <p:tags r:id="rId1"/>
+            </p:custDataLst>
+          </p:nvPr>
+        </p:nvPicPr>
+        <p:blipFill>
+          <a:blip r:embed="rId2"/>
+          <a:stretch>
+            <a:fillRect/>
+          </a:stretch>
+        </p:blipFill>
+        <p:spPr>
+          <a:xfrm>
+            <a:off x="608330" y="1503045"/>
+            <a:ext cx="4965700" cy="4756150"/>
+          </a:xfrm>
+          <a:prstGeom prst="rect">
+            <a:avLst/>
+          </a:prstGeom>
+        </p:spPr>
+      </p:pic>
+      <mc:AlternateContent xmlns:mc="http://schemas.openxmlformats.org/markup-compatibility/2006" xmlns:p14="http://schemas.microsoft.com/office/powerpoint/2010/main">
+        <mc:Choice Requires="p14">
+          <p:contentPart r:id="rId3" p14:bwMode="auto">
+            <p14:nvContentPartPr>
+              <p14:cNvPr id="3" name="墨迹 2"/>
+              <p14:cNvContentPartPr/>
+              <p14:nvPr/>
+            </p14:nvContentPartPr>
+            <p14:xfrm>
+              <a:off x="800100" y="2111375"/>
+              <a:ext cx="1721485" cy="45085"/>
+            </p14:xfrm>
+          </p:contentPart>
+        </mc:Choice>
+        <mc:Fallback xmlns="">
+          <p:pic>
+            <p:nvPicPr>
+              <p:cNvPr id="3" name="墨迹 2"/>
+            </p:nvPicPr>
+            <p:blipFill>
+              <a:blip r:embed="rId4"/>
+            </p:blipFill>
+            <p:spPr>
+              <a:xfrm>
+                <a:off x="800100" y="2111375"/>
+                <a:ext cx="1721485" cy="45085"/>
+              </a:xfrm>
+              <a:prstGeom prst="rect"/>
+            </p:spPr>
+          </p:pic>
+        </mc:Fallback>
+      </mc:AlternateContent>
+      <mc:AlternateContent xmlns:mc="http://schemas.openxmlformats.org/markup-compatibility/2006" xmlns:p14="http://schemas.microsoft.com/office/powerpoint/2010/main">
+        <mc:Choice Requires="p14">
+          <p:contentPart r:id="rId5" p14:bwMode="auto">
+            <p14:nvContentPartPr>
+              <p14:cNvPr id="4" name="墨迹 3"/>
+              <p14:cNvContentPartPr/>
+              <p14:nvPr/>
+            </p14:nvContentPartPr>
+            <p14:xfrm>
+              <a:off x="800100" y="2822575"/>
+              <a:ext cx="635" cy="635"/>
+            </p14:xfrm>
+          </p:contentPart>
+        </mc:Choice>
+        <mc:Fallback xmlns="">
+          <p:pic>
+            <p:nvPicPr>
+              <p:cNvPr id="4" name="墨迹 3"/>
+            </p:nvPicPr>
+            <p:blipFill>
+              <a:blip r:embed="rId6"/>
+            </p:blipFill>
+            <p:spPr>
+              <a:xfrm>
+                <a:off x="800100" y="2822575"/>
+                <a:ext cx="635" cy="635"/>
+              </a:xfrm>
+              <a:prstGeom prst="rect"/>
+            </p:spPr>
+          </p:pic>
+        </mc:Fallback>
+      </mc:AlternateContent>
+      <mc:AlternateContent xmlns:mc="http://schemas.openxmlformats.org/markup-compatibility/2006" xmlns:p14="http://schemas.microsoft.com/office/powerpoint/2010/main">
+        <mc:Choice Requires="p14">
+          <p:contentPart r:id="rId7" p14:bwMode="auto">
+            <p14:nvContentPartPr>
+              <p14:cNvPr id="6" name="墨迹 5"/>
+              <p14:cNvContentPartPr/>
+              <p14:nvPr/>
+            </p14:nvContentPartPr>
+            <p14:xfrm>
+              <a:off x="781050" y="2695575"/>
+              <a:ext cx="1937385" cy="57785"/>
+            </p14:xfrm>
+          </p:contentPart>
+        </mc:Choice>
+        <mc:Fallback xmlns="">
+          <p:pic>
+            <p:nvPicPr>
+              <p:cNvPr id="6" name="墨迹 5"/>
+            </p:nvPicPr>
+            <p:blipFill>
+              <a:blip r:embed="rId8"/>
+            </p:blipFill>
+            <p:spPr>
+              <a:xfrm>
+                <a:off x="781050" y="2695575"/>
+                <a:ext cx="1937385" cy="57785"/>
+              </a:xfrm>
+              <a:prstGeom prst="rect"/>
+            </p:spPr>
+          </p:pic>
+        </mc:Fallback>
+      </mc:AlternateContent>
+      <mc:AlternateContent xmlns:mc="http://schemas.openxmlformats.org/markup-compatibility/2006" xmlns:p14="http://schemas.microsoft.com/office/powerpoint/2010/main">
+        <mc:Choice Requires="p14">
+          <p:contentPart r:id="rId9" p14:bwMode="auto">
+            <p14:nvContentPartPr>
+              <p14:cNvPr id="7" name="墨迹 6"/>
+              <p14:cNvContentPartPr/>
+              <p14:nvPr/>
+            </p14:nvContentPartPr>
+            <p14:xfrm>
+              <a:off x="2228850" y="3279775"/>
+              <a:ext cx="1035685" cy="64135"/>
+            </p14:xfrm>
+          </p:contentPart>
+        </mc:Choice>
+        <mc:Fallback xmlns="">
+          <p:pic>
+            <p:nvPicPr>
+              <p:cNvPr id="7" name="墨迹 6"/>
+            </p:nvPicPr>
+            <p:blipFill>
+              <a:blip r:embed="rId10"/>
+            </p:blipFill>
+            <p:spPr>
+              <a:xfrm>
+                <a:off x="2228850" y="3279775"/>
+                <a:ext cx="1035685" cy="64135"/>
+              </a:xfrm>
+              <a:prstGeom prst="rect"/>
+            </p:spPr>
+          </p:pic>
+        </mc:Fallback>
+      </mc:AlternateContent>
+      <mc:AlternateContent xmlns:mc="http://schemas.openxmlformats.org/markup-compatibility/2006" xmlns:p14="http://schemas.microsoft.com/office/powerpoint/2010/main">
+        <mc:Choice Requires="p14">
+          <p:contentPart r:id="rId11" p14:bwMode="auto">
+            <p14:nvContentPartPr>
+              <p14:cNvPr id="8" name="墨迹 7"/>
+              <p14:cNvContentPartPr/>
+              <p14:nvPr/>
+            </p14:nvContentPartPr>
+            <p14:xfrm>
+              <a:off x="1168400" y="4448175"/>
+              <a:ext cx="1613535" cy="64135"/>
+            </p14:xfrm>
+          </p:contentPart>
+        </mc:Choice>
+        <mc:Fallback xmlns="">
+          <p:pic>
+            <p:nvPicPr>
+              <p:cNvPr id="8" name="墨迹 7"/>
+            </p:nvPicPr>
+            <p:blipFill>
+              <a:blip r:embed="rId12"/>
+            </p:blipFill>
+            <p:spPr>
+              <a:xfrm>
+                <a:off x="1168400" y="4448175"/>
+                <a:ext cx="1613535" cy="64135"/>
+              </a:xfrm>
+              <a:prstGeom prst="rect"/>
+            </p:spPr>
+          </p:pic>
+        </mc:Fallback>
+      </mc:AlternateContent>
+      <mc:AlternateContent xmlns:mc="http://schemas.openxmlformats.org/markup-compatibility/2006" xmlns:p14="http://schemas.microsoft.com/office/powerpoint/2010/main">
+        <mc:Choice Requires="p14">
+          <p:contentPart r:id="rId13" p14:bwMode="auto">
+            <p14:nvContentPartPr>
+              <p14:cNvPr id="9" name="墨迹 8"/>
+              <p14:cNvContentPartPr/>
+              <p14:nvPr/>
+            </p14:nvContentPartPr>
+            <p14:xfrm>
+              <a:off x="3771900" y="3921125"/>
+              <a:ext cx="635" cy="210185"/>
+            </p14:xfrm>
+          </p:contentPart>
+        </mc:Choice>
+        <mc:Fallback xmlns="">
+          <p:pic>
+            <p:nvPicPr>
+              <p:cNvPr id="9" name="墨迹 8"/>
+            </p:nvPicPr>
+            <p:blipFill>
+              <a:blip r:embed="rId14"/>
+            </p:blipFill>
+            <p:spPr>
+              <a:xfrm>
+                <a:off x="3771900" y="3921125"/>
+                <a:ext cx="635" cy="210185"/>
+              </a:xfrm>
+              <a:prstGeom prst="rect"/>
+            </p:spPr>
+          </p:pic>
+        </mc:Fallback>
+      </mc:AlternateContent>
+      <mc:AlternateContent xmlns:mc="http://schemas.openxmlformats.org/markup-compatibility/2006" xmlns:p14="http://schemas.microsoft.com/office/powerpoint/2010/main">
+        <mc:Choice Requires="p14">
+          <p:contentPart r:id="rId15" p14:bwMode="auto">
+            <p14:nvContentPartPr>
+              <p14:cNvPr id="10" name="墨迹 9"/>
+              <p14:cNvContentPartPr/>
+              <p14:nvPr/>
+            </p14:nvContentPartPr>
+            <p14:xfrm>
+              <a:off x="1898650" y="5324475"/>
+              <a:ext cx="546735" cy="121285"/>
+            </p14:xfrm>
+          </p:contentPart>
+        </mc:Choice>
+        <mc:Fallback xmlns="">
+          <p:pic>
+            <p:nvPicPr>
+              <p:cNvPr id="10" name="墨迹 9"/>
+            </p:nvPicPr>
+            <p:blipFill>
+              <a:blip r:embed="rId16"/>
+            </p:blipFill>
+            <p:spPr>
+              <a:xfrm>
+                <a:off x="1898650" y="5324475"/>
+                <a:ext cx="546735" cy="121285"/>
+              </a:xfrm>
+              <a:prstGeom prst="rect"/>
+            </p:spPr>
+          </p:pic>
+        </mc:Fallback>
+      </mc:AlternateContent>
+    </p:spTree>
+    <p:custDataLst>
+      <p:tags r:id="rId17"/>
+    </p:custDataLst>
+  </p:cSld>
+  <p:clrMapOvr>
+    <a:masterClrMapping/>
+  </p:clrMapOvr>
+</p:sld>
+</file>
+
+<file path=ppt/slides/slide14.xml><?xml version="1.0" encoding="utf-8"?>
+<p:sld xmlns:a="http://schemas.openxmlformats.org/drawingml/2006/main" xmlns:r="http://schemas.openxmlformats.org/officeDocument/2006/relationships" xmlns:p="http://schemas.openxmlformats.org/presentationml/2006/main">
+  <p:cSld>
+    <p:bg>
+      <p:bgPr>
+        <a:noFill/>
+        <a:effectLst/>
+      </p:bgPr>
+    </p:bg>
+    <p:spTree>
+      <p:nvGrpSpPr>
+        <p:cNvPr id="1" name=""/>
+        <p:cNvGrpSpPr/>
+        <p:nvPr/>
+      </p:nvGrpSpPr>
+      <p:grpSpPr/>
+      <p:sp>
+        <p:nvSpPr>
+          <p:cNvPr id="2" name="标题 1"/>
+          <p:cNvSpPr>
+            <a:spLocks noGrp="1"/>
+          </p:cNvSpPr>
+          <p:nvPr>
+            <p:ph type="title"/>
+          </p:nvPr>
+        </p:nvSpPr>
+        <p:spPr/>
+        <p:txBody>
+          <a:bodyPr/>
+          <a:p>
+            <a:r>
+              <a:rPr lang="zh-CN" altLang="en-US">
+                <a:sym typeface="+mn-ea"/>
+              </a:rPr>
+              <a:t>hash 表</a:t>
+            </a:r>
+            <a:r>
+              <a:rPr lang="en-US" altLang="zh-CN">
+                <a:sym typeface="+mn-ea"/>
+              </a:rPr>
+              <a:t>——</a:t>
+            </a:r>
+            <a:r>
+              <a:rPr lang="zh-CN" altLang="en-US">
+                <a:sym typeface="+mn-ea"/>
+              </a:rPr>
+              <a:t>删除</a:t>
+            </a:r>
+            <a:r>
+              <a:rPr lang="en-US" altLang="zh-CN">
+                <a:sym typeface="+mn-ea"/>
+              </a:rPr>
+              <a:t>数据</a:t>
+            </a:r>
+            <a:endParaRPr lang="en-US" altLang="zh-CN">
+              <a:sym typeface="+mn-ea"/>
+            </a:endParaRPr>
+          </a:p>
+        </p:txBody>
+      </p:sp>
+      <mc:AlternateContent xmlns:mc="http://schemas.openxmlformats.org/markup-compatibility/2006" xmlns:p14="http://schemas.microsoft.com/office/powerpoint/2010/main">
+        <mc:Choice Requires="p14">
+          <p:contentPart r:id="rId1" p14:bwMode="auto">
+            <p14:nvContentPartPr>
+              <p14:cNvPr id="3" name="墨迹 2"/>
+              <p14:cNvContentPartPr/>
+              <p14:nvPr/>
+            </p14:nvContentPartPr>
+            <p14:xfrm>
+              <a:off x="2432050" y="4765675"/>
+              <a:ext cx="635" cy="635"/>
+            </p14:xfrm>
+          </p:contentPart>
+        </mc:Choice>
+        <mc:Fallback xmlns="">
+          <p:pic>
+            <p:nvPicPr>
+              <p:cNvPr id="3" name="墨迹 2"/>
+            </p:nvPicPr>
+            <p:blipFill>
+              <a:blip r:embed="rId2"/>
+            </p:blipFill>
+            <p:spPr>
+              <a:xfrm>
+                <a:off x="2432050" y="4765675"/>
+                <a:ext cx="635" cy="635"/>
+              </a:xfrm>
+              <a:prstGeom prst="rect"/>
+            </p:spPr>
+          </p:pic>
+        </mc:Fallback>
+      </mc:AlternateContent>
+      <p:pic>
+        <p:nvPicPr>
+          <p:cNvPr id="6" name="内容占位符 5"/>
+          <p:cNvPicPr>
+            <a:picLocks noChangeAspect="1"/>
+          </p:cNvPicPr>
+          <p:nvPr>
+            <p:ph idx="1"/>
+            <p:custDataLst>
+              <p:tags r:id="rId3"/>
+            </p:custDataLst>
+          </p:nvPr>
+        </p:nvPicPr>
+        <p:blipFill>
+          <a:blip r:embed="rId4"/>
+          <a:stretch>
+            <a:fillRect/>
+          </a:stretch>
+        </p:blipFill>
+        <p:spPr>
+          <a:xfrm>
+            <a:off x="608330" y="1439545"/>
+            <a:ext cx="5224780" cy="4759325"/>
+          </a:xfrm>
+          <a:prstGeom prst="rect">
+            <a:avLst/>
+          </a:prstGeom>
+        </p:spPr>
+      </p:pic>
+    </p:spTree>
+    <p:custDataLst>
+      <p:tags r:id="rId5"/>
+    </p:custDataLst>
+  </p:cSld>
+  <p:clrMapOvr>
+    <a:masterClrMapping/>
+  </p:clrMapOvr>
+</p:sld>
+</file>
+
+<file path=ppt/slides/slide15.xml><?xml version="1.0" encoding="utf-8"?>
+<p:sld xmlns:a="http://schemas.openxmlformats.org/drawingml/2006/main" xmlns:r="http://schemas.openxmlformats.org/officeDocument/2006/relationships" xmlns:p="http://schemas.openxmlformats.org/presentationml/2006/main">
+  <p:cSld>
+    <p:bg>
+      <p:bgPr>
+        <a:noFill/>
+        <a:effectLst/>
+      </p:bgPr>
+    </p:bg>
+    <p:spTree>
+      <p:nvGrpSpPr>
+        <p:cNvPr id="1" name=""/>
+        <p:cNvGrpSpPr/>
+        <p:nvPr/>
+      </p:nvGrpSpPr>
+      <p:grpSpPr/>
+      <p:sp>
+        <p:nvSpPr>
+          <p:cNvPr id="2" name="标题 1"/>
+          <p:cNvSpPr>
+            <a:spLocks noGrp="1"/>
+          </p:cNvSpPr>
+          <p:nvPr>
+            <p:ph type="title"/>
+          </p:nvPr>
+        </p:nvSpPr>
+        <p:spPr/>
+        <p:txBody>
+          <a:bodyPr/>
+          <a:p>
+            <a:r>
+              <a:rPr lang="zh-CN" altLang="en-US">
+                <a:sym typeface="+mn-ea"/>
+              </a:rPr>
+              <a:t>hash 表</a:t>
+            </a:r>
+            <a:r>
+              <a:rPr lang="en-US" altLang="zh-CN">
+                <a:sym typeface="+mn-ea"/>
+              </a:rPr>
+              <a:t>——</a:t>
+            </a:r>
+            <a:r>
+              <a:rPr lang="zh-CN" altLang="en-US">
+                <a:sym typeface="+mn-ea"/>
+              </a:rPr>
+              <a:t>内存清理</a:t>
+            </a:r>
+            <a:endParaRPr lang="zh-CN" altLang="en-US">
+              <a:sym typeface="+mn-ea"/>
+            </a:endParaRPr>
+          </a:p>
+        </p:txBody>
+      </p:sp>
+      <p:pic>
+        <p:nvPicPr>
+          <p:cNvPr id="4" name="内容占位符 3"/>
+          <p:cNvPicPr>
+            <a:picLocks noChangeAspect="1"/>
+          </p:cNvPicPr>
+          <p:nvPr>
+            <p:ph idx="1"/>
+            <p:custDataLst>
+              <p:tags r:id="rId1"/>
+            </p:custDataLst>
+          </p:nvPr>
+        </p:nvPicPr>
+        <p:blipFill>
+          <a:blip r:embed="rId2"/>
+          <a:stretch>
+            <a:fillRect/>
+          </a:stretch>
+        </p:blipFill>
+        <p:spPr>
+          <a:xfrm>
+            <a:off x="672465" y="1861820"/>
+            <a:ext cx="6016625" cy="3048000"/>
+          </a:xfrm>
+          <a:prstGeom prst="rect">
+            <a:avLst/>
+          </a:prstGeom>
+        </p:spPr>
+      </p:pic>
+    </p:spTree>
+    <p:custDataLst>
+      <p:tags r:id="rId3"/>
+    </p:custDataLst>
+  </p:cSld>
+  <p:clrMapOvr>
+    <a:masterClrMapping/>
+  </p:clrMapOvr>
+</p:sld>
+</file>
+
+<file path=ppt/slides/slide16.xml><?xml version="1.0" encoding="utf-8"?>
+<p:sld xmlns:a="http://schemas.openxmlformats.org/drawingml/2006/main" xmlns:r="http://schemas.openxmlformats.org/officeDocument/2006/relationships" xmlns:p="http://schemas.openxmlformats.org/presentationml/2006/main">
+  <p:cSld>
+    <p:bg>
+      <p:bgPr>
+        <a:noFill/>
+        <a:effectLst/>
+      </p:bgPr>
+    </p:bg>
+    <p:spTree>
+      <p:nvGrpSpPr>
+        <p:cNvPr id="1" name=""/>
+        <p:cNvGrpSpPr/>
+        <p:nvPr/>
+      </p:nvGrpSpPr>
+      <p:grpSpPr/>
+      <p:sp>
+        <p:nvSpPr>
+          <p:cNvPr id="2" name="标题 1"/>
+          <p:cNvSpPr>
+            <a:spLocks noGrp="1"/>
+          </p:cNvSpPr>
+          <p:nvPr>
+            <p:ph type="title"/>
+          </p:nvPr>
+        </p:nvSpPr>
+        <p:spPr/>
+        <p:txBody>
+          <a:bodyPr/>
+          <a:p>
+            <a:r>
+              <a:rPr lang="zh-CN" altLang="en-US">
+                <a:sym typeface="+mn-ea"/>
+              </a:rPr>
+              <a:t>红黑树</a:t>
+            </a:r>
+            <a:r>
+              <a:rPr lang="en-US" altLang="zh-CN">
+                <a:sym typeface="+mn-ea"/>
+              </a:rPr>
+              <a:t>——</a:t>
+            </a:r>
+            <a:r>
+              <a:rPr lang="zh-CN" altLang="en-US">
+                <a:sym typeface="+mn-ea"/>
+              </a:rPr>
+              <a:t>特点</a:t>
+            </a:r>
+            <a:endParaRPr lang="zh-CN" altLang="en-US">
+              <a:sym typeface="+mn-ea"/>
+            </a:endParaRPr>
           </a:p>
         </p:txBody>
       </p:sp>
       <p:sp>
         <p:nvSpPr>
-          <p:cNvPr id="3" name="副标题 2"/>
-          <p:cNvSpPr>
-            <a:spLocks noGrp="1"/>
-          </p:cNvSpPr>
-          <p:nvPr>
-            <p:ph type="subTitle" idx="1"/>
-            <p:custDataLst>
-              <p:tags r:id="rId2"/>
-            </p:custDataLst>
+          <p:cNvPr id="3" name="内容占位符 2"/>
+          <p:cNvSpPr/>
+          <p:nvPr>
+            <p:ph idx="1"/>
           </p:nvPr>
         </p:nvSpPr>
         <p:spPr/>
         <p:txBody>
           <a:bodyPr/>
           <a:p>
+            <a:r>
+              <a:rPr lang="zh-CN" altLang="en-US"/>
+              <a:t>从使用角度来说，把红黑树看成一个插入数据慢点，查找数据快点，排序非常快的链表即可</a:t>
+            </a:r>
+            <a:endParaRPr lang="zh-CN" altLang="en-US"/>
+          </a:p>
+          <a:p>
+            <a:r>
+              <a:rPr lang="zh-CN" altLang="en-US"/>
+              <a:t>插入、删除、查找的时间复杂度接近 O(logN)，N 是节点个数；是一种性能非常稳定的二叉树</a:t>
+            </a:r>
+            <a:endParaRPr lang="zh-CN" altLang="en-US"/>
+          </a:p>
+          <a:p>
+            <a:r>
+              <a:rPr lang="zh-CN" altLang="en-US"/>
+              <a:t>中序遍历的结果是从小到大排好序的</a:t>
+            </a:r>
             <a:endParaRPr lang="zh-CN" altLang="en-US"/>
           </a:p>
         </p:txBody>
       </p:sp>
+    </p:spTree>
+    <p:custDataLst>
+      <p:tags r:id="rId1"/>
+    </p:custDataLst>
+  </p:cSld>
+  <p:clrMapOvr>
+    <a:masterClrMapping/>
+  </p:clrMapOvr>
+</p:sld>
+</file>
+
+<file path=ppt/slides/slide17.xml><?xml version="1.0" encoding="utf-8"?>
+<p:sld xmlns:a="http://schemas.openxmlformats.org/drawingml/2006/main" xmlns:r="http://schemas.openxmlformats.org/officeDocument/2006/relationships" xmlns:p="http://schemas.openxmlformats.org/presentationml/2006/main">
+  <p:cSld>
+    <p:bg>
+      <p:bgPr>
+        <a:noFill/>
+        <a:effectLst/>
+      </p:bgPr>
+    </p:bg>
+    <p:spTree>
+      <p:nvGrpSpPr>
+        <p:cNvPr id="1" name=""/>
+        <p:cNvGrpSpPr/>
+        <p:nvPr/>
+      </p:nvGrpSpPr>
+      <p:grpSpPr/>
+      <p:sp>
+        <p:nvSpPr>
+          <p:cNvPr id="2" name="标题 1"/>
+          <p:cNvSpPr>
+            <a:spLocks noGrp="1"/>
+          </p:cNvSpPr>
+          <p:nvPr>
+            <p:ph type="title"/>
+          </p:nvPr>
+        </p:nvSpPr>
+        <p:spPr/>
+        <p:txBody>
+          <a:bodyPr/>
+          <a:p>
+            <a:r>
+              <a:rPr lang="zh-CN" altLang="en-US">
+                <a:sym typeface="+mn-ea"/>
+              </a:rPr>
+              <a:t>红黑树</a:t>
+            </a:r>
+            <a:r>
+              <a:rPr lang="en-US" altLang="zh-CN">
+                <a:sym typeface="+mn-ea"/>
+              </a:rPr>
+              <a:t>——</a:t>
+            </a:r>
+            <a:r>
+              <a:rPr lang="zh-CN" altLang="en-US">
+                <a:sym typeface="+mn-ea"/>
+              </a:rPr>
+              <a:t>内核实现</a:t>
+            </a:r>
+            <a:endParaRPr lang="zh-CN" altLang="en-US">
+              <a:sym typeface="+mn-ea"/>
+            </a:endParaRPr>
+          </a:p>
+        </p:txBody>
+      </p:sp>
+      <p:pic>
+        <p:nvPicPr>
+          <p:cNvPr id="5" name="内容占位符 4"/>
+          <p:cNvPicPr>
+            <a:picLocks noChangeAspect="1"/>
+          </p:cNvPicPr>
+          <p:nvPr>
+            <p:ph idx="1"/>
+            <p:custDataLst>
+              <p:tags r:id="rId1"/>
+            </p:custDataLst>
+          </p:nvPr>
+        </p:nvPicPr>
+        <p:blipFill>
+          <a:blip r:embed="rId2"/>
+          <a:stretch>
+            <a:fillRect/>
+          </a:stretch>
+        </p:blipFill>
+        <p:spPr>
+          <a:xfrm>
+            <a:off x="608330" y="1687195"/>
+            <a:ext cx="4038600" cy="3340100"/>
+          </a:xfrm>
+          <a:prstGeom prst="rect">
+            <a:avLst/>
+          </a:prstGeom>
+        </p:spPr>
+      </p:pic>
+      <p:sp>
+        <p:nvSpPr>
+          <p:cNvPr id="6" name="椭圆 5"/>
+          <p:cNvSpPr/>
+          <p:nvPr/>
+        </p:nvSpPr>
+        <p:spPr>
+          <a:xfrm>
+            <a:off x="7338695" y="2517140"/>
+            <a:ext cx="256540" cy="250825"/>
+          </a:xfrm>
+          <a:prstGeom prst="ellipse">
+            <a:avLst/>
+          </a:prstGeom>
+        </p:spPr>
+        <p:style>
+          <a:lnRef idx="2">
+            <a:schemeClr val="accent1">
+              <a:shade val="50000"/>
+            </a:schemeClr>
+          </a:lnRef>
+          <a:fillRef idx="1">
+            <a:schemeClr val="accent1"/>
+          </a:fillRef>
+          <a:effectRef idx="0">
+            <a:schemeClr val="accent1"/>
+          </a:effectRef>
+          <a:fontRef idx="minor">
+            <a:schemeClr val="lt1"/>
+          </a:fontRef>
+        </p:style>
+        <p:txBody>
+          <a:bodyPr rtlCol="0" anchor="ctr"/>
+          <a:p>
+            <a:pPr algn="ctr"/>
+            <a:endParaRPr lang="zh-CN" altLang="en-US"/>
+          </a:p>
+        </p:txBody>
+      </p:sp>
+      <p:sp>
+        <p:nvSpPr>
+          <p:cNvPr id="7" name="椭圆 6"/>
+          <p:cNvSpPr/>
+          <p:nvPr>
+            <p:custDataLst>
+              <p:tags r:id="rId3"/>
+            </p:custDataLst>
+          </p:nvPr>
+        </p:nvSpPr>
+        <p:spPr>
+          <a:xfrm>
+            <a:off x="6732270" y="3039745"/>
+            <a:ext cx="256540" cy="250825"/>
+          </a:xfrm>
+          <a:prstGeom prst="ellipse">
+            <a:avLst/>
+          </a:prstGeom>
+        </p:spPr>
+        <p:style>
+          <a:lnRef idx="2">
+            <a:schemeClr val="accent1">
+              <a:shade val="50000"/>
+            </a:schemeClr>
+          </a:lnRef>
+          <a:fillRef idx="1">
+            <a:schemeClr val="accent1"/>
+          </a:fillRef>
+          <a:effectRef idx="0">
+            <a:schemeClr val="accent1"/>
+          </a:effectRef>
+          <a:fontRef idx="minor">
+            <a:schemeClr val="lt1"/>
+          </a:fontRef>
+        </p:style>
+        <p:txBody>
+          <a:bodyPr rtlCol="0" anchor="ctr"/>
+          <a:p>
+            <a:pPr algn="ctr"/>
+            <a:endParaRPr lang="zh-CN" altLang="en-US"/>
+          </a:p>
+        </p:txBody>
+      </p:sp>
+      <p:sp>
+        <p:nvSpPr>
+          <p:cNvPr id="8" name="椭圆 7"/>
+          <p:cNvSpPr/>
+          <p:nvPr>
+            <p:custDataLst>
+              <p:tags r:id="rId4"/>
+            </p:custDataLst>
+          </p:nvPr>
+        </p:nvSpPr>
+        <p:spPr>
+          <a:xfrm>
+            <a:off x="7988300" y="3039745"/>
+            <a:ext cx="256540" cy="250825"/>
+          </a:xfrm>
+          <a:prstGeom prst="ellipse">
+            <a:avLst/>
+          </a:prstGeom>
+        </p:spPr>
+        <p:style>
+          <a:lnRef idx="2">
+            <a:schemeClr val="accent1">
+              <a:shade val="50000"/>
+            </a:schemeClr>
+          </a:lnRef>
+          <a:fillRef idx="1">
+            <a:schemeClr val="accent1"/>
+          </a:fillRef>
+          <a:effectRef idx="0">
+            <a:schemeClr val="accent1"/>
+          </a:effectRef>
+          <a:fontRef idx="minor">
+            <a:schemeClr val="lt1"/>
+          </a:fontRef>
+        </p:style>
+        <p:txBody>
+          <a:bodyPr rtlCol="0" anchor="ctr"/>
+          <a:p>
+            <a:pPr algn="ctr"/>
+            <a:endParaRPr lang="zh-CN" altLang="en-US"/>
+          </a:p>
+        </p:txBody>
+      </p:sp>
+      <p:sp>
+        <p:nvSpPr>
+          <p:cNvPr id="9" name="椭圆 8"/>
+          <p:cNvSpPr/>
+          <p:nvPr>
+            <p:custDataLst>
+              <p:tags r:id="rId5"/>
+            </p:custDataLst>
+          </p:nvPr>
+        </p:nvSpPr>
+        <p:spPr>
+          <a:xfrm>
+            <a:off x="6267450" y="3533775"/>
+            <a:ext cx="256540" cy="250825"/>
+          </a:xfrm>
+          <a:prstGeom prst="ellipse">
+            <a:avLst/>
+          </a:prstGeom>
+        </p:spPr>
+        <p:style>
+          <a:lnRef idx="2">
+            <a:schemeClr val="accent1">
+              <a:shade val="50000"/>
+            </a:schemeClr>
+          </a:lnRef>
+          <a:fillRef idx="1">
+            <a:schemeClr val="accent1"/>
+          </a:fillRef>
+          <a:effectRef idx="0">
+            <a:schemeClr val="accent1"/>
+          </a:effectRef>
+          <a:fontRef idx="minor">
+            <a:schemeClr val="lt1"/>
+          </a:fontRef>
+        </p:style>
+        <p:txBody>
+          <a:bodyPr rtlCol="0" anchor="ctr"/>
+          <a:p>
+            <a:pPr algn="ctr"/>
+            <a:endParaRPr lang="zh-CN" altLang="en-US"/>
+          </a:p>
+        </p:txBody>
+      </p:sp>
+      <p:sp>
+        <p:nvSpPr>
+          <p:cNvPr id="10" name="椭圆 9"/>
+          <p:cNvSpPr/>
+          <p:nvPr>
+            <p:custDataLst>
+              <p:tags r:id="rId6"/>
+            </p:custDataLst>
+          </p:nvPr>
+        </p:nvSpPr>
+        <p:spPr>
+          <a:xfrm>
+            <a:off x="7027545" y="3533775"/>
+            <a:ext cx="256540" cy="250825"/>
+          </a:xfrm>
+          <a:prstGeom prst="ellipse">
+            <a:avLst/>
+          </a:prstGeom>
+        </p:spPr>
+        <p:style>
+          <a:lnRef idx="2">
+            <a:schemeClr val="accent1">
+              <a:shade val="50000"/>
+            </a:schemeClr>
+          </a:lnRef>
+          <a:fillRef idx="1">
+            <a:schemeClr val="accent1"/>
+          </a:fillRef>
+          <a:effectRef idx="0">
+            <a:schemeClr val="accent1"/>
+          </a:effectRef>
+          <a:fontRef idx="minor">
+            <a:schemeClr val="lt1"/>
+          </a:fontRef>
+        </p:style>
+        <p:txBody>
+          <a:bodyPr rtlCol="0" anchor="ctr"/>
+          <a:p>
+            <a:pPr algn="ctr"/>
+            <a:endParaRPr lang="zh-CN" altLang="en-US"/>
+          </a:p>
+        </p:txBody>
+      </p:sp>
+      <p:sp>
+        <p:nvSpPr>
+          <p:cNvPr id="11" name="椭圆 10"/>
+          <p:cNvSpPr/>
+          <p:nvPr>
+            <p:custDataLst>
+              <p:tags r:id="rId7"/>
+            </p:custDataLst>
+          </p:nvPr>
+        </p:nvSpPr>
+        <p:spPr>
+          <a:xfrm>
+            <a:off x="7659370" y="3533775"/>
+            <a:ext cx="256540" cy="250825"/>
+          </a:xfrm>
+          <a:prstGeom prst="ellipse">
+            <a:avLst/>
+          </a:prstGeom>
+        </p:spPr>
+        <p:style>
+          <a:lnRef idx="2">
+            <a:schemeClr val="accent1">
+              <a:shade val="50000"/>
+            </a:schemeClr>
+          </a:lnRef>
+          <a:fillRef idx="1">
+            <a:schemeClr val="accent1"/>
+          </a:fillRef>
+          <a:effectRef idx="0">
+            <a:schemeClr val="accent1"/>
+          </a:effectRef>
+          <a:fontRef idx="minor">
+            <a:schemeClr val="lt1"/>
+          </a:fontRef>
+        </p:style>
+        <p:txBody>
+          <a:bodyPr rtlCol="0" anchor="ctr"/>
+          <a:p>
+            <a:pPr algn="ctr"/>
+            <a:endParaRPr lang="zh-CN" altLang="en-US"/>
+          </a:p>
+        </p:txBody>
+      </p:sp>
+      <p:sp>
+        <p:nvSpPr>
+          <p:cNvPr id="12" name="椭圆 11"/>
+          <p:cNvSpPr/>
+          <p:nvPr>
+            <p:custDataLst>
+              <p:tags r:id="rId8"/>
+            </p:custDataLst>
+          </p:nvPr>
+        </p:nvSpPr>
+        <p:spPr>
+          <a:xfrm>
+            <a:off x="8456295" y="3533775"/>
+            <a:ext cx="256540" cy="250825"/>
+          </a:xfrm>
+          <a:prstGeom prst="ellipse">
+            <a:avLst/>
+          </a:prstGeom>
+        </p:spPr>
+        <p:style>
+          <a:lnRef idx="2">
+            <a:schemeClr val="accent1">
+              <a:shade val="50000"/>
+            </a:schemeClr>
+          </a:lnRef>
+          <a:fillRef idx="1">
+            <a:schemeClr val="accent1"/>
+          </a:fillRef>
+          <a:effectRef idx="0">
+            <a:schemeClr val="accent1"/>
+          </a:effectRef>
+          <a:fontRef idx="minor">
+            <a:schemeClr val="lt1"/>
+          </a:fontRef>
+        </p:style>
+        <p:txBody>
+          <a:bodyPr rtlCol="0" anchor="ctr"/>
+          <a:p>
+            <a:pPr algn="ctr"/>
+            <a:endParaRPr lang="zh-CN" altLang="en-US"/>
+          </a:p>
+        </p:txBody>
+      </p:sp>
+      <p:cxnSp>
+        <p:nvCxnSpPr>
+          <p:cNvPr id="13" name="直接连接符 12"/>
+          <p:cNvCxnSpPr>
+            <a:stCxn id="6" idx="2"/>
+            <a:endCxn id="7" idx="7"/>
+          </p:cNvCxnSpPr>
+          <p:nvPr/>
+        </p:nvCxnSpPr>
+        <p:spPr>
+          <a:xfrm flipH="1">
+            <a:off x="6951345" y="2642870"/>
+            <a:ext cx="387350" cy="433705"/>
+          </a:xfrm>
+          <a:prstGeom prst="line">
+            <a:avLst/>
+          </a:prstGeom>
+        </p:spPr>
+        <p:style>
+          <a:lnRef idx="1">
+            <a:schemeClr val="accent1"/>
+          </a:lnRef>
+          <a:fillRef idx="0">
+            <a:schemeClr val="accent1"/>
+          </a:fillRef>
+          <a:effectRef idx="0">
+            <a:schemeClr val="accent1"/>
+          </a:effectRef>
+          <a:fontRef idx="minor">
+            <a:schemeClr val="tx1"/>
+          </a:fontRef>
+        </p:style>
+      </p:cxnSp>
+      <p:cxnSp>
+        <p:nvCxnSpPr>
+          <p:cNvPr id="14" name="直接连接符 13"/>
+          <p:cNvCxnSpPr>
+            <a:stCxn id="7" idx="3"/>
+            <a:endCxn id="9" idx="7"/>
+          </p:cNvCxnSpPr>
+          <p:nvPr/>
+        </p:nvCxnSpPr>
+        <p:spPr>
+          <a:xfrm flipH="1">
+            <a:off x="6486525" y="3253740"/>
+            <a:ext cx="283210" cy="316865"/>
+          </a:xfrm>
+          <a:prstGeom prst="line">
+            <a:avLst/>
+          </a:prstGeom>
+        </p:spPr>
+        <p:style>
+          <a:lnRef idx="1">
+            <a:schemeClr val="accent1"/>
+          </a:lnRef>
+          <a:fillRef idx="0">
+            <a:schemeClr val="accent1"/>
+          </a:fillRef>
+          <a:effectRef idx="0">
+            <a:schemeClr val="accent1"/>
+          </a:effectRef>
+          <a:fontRef idx="minor">
+            <a:schemeClr val="tx1"/>
+          </a:fontRef>
+        </p:style>
+      </p:cxnSp>
+      <p:cxnSp>
+        <p:nvCxnSpPr>
+          <p:cNvPr id="16" name="直接连接符 15"/>
+          <p:cNvCxnSpPr>
+            <a:stCxn id="6" idx="6"/>
+            <a:endCxn id="8" idx="1"/>
+          </p:cNvCxnSpPr>
+          <p:nvPr/>
+        </p:nvCxnSpPr>
+        <p:spPr>
+          <a:xfrm>
+            <a:off x="7595235" y="2642870"/>
+            <a:ext cx="430530" cy="433705"/>
+          </a:xfrm>
+          <a:prstGeom prst="line">
+            <a:avLst/>
+          </a:prstGeom>
+        </p:spPr>
+        <p:style>
+          <a:lnRef idx="1">
+            <a:schemeClr val="accent1"/>
+          </a:lnRef>
+          <a:fillRef idx="0">
+            <a:schemeClr val="accent1"/>
+          </a:fillRef>
+          <a:effectRef idx="0">
+            <a:schemeClr val="accent1"/>
+          </a:effectRef>
+          <a:fontRef idx="minor">
+            <a:schemeClr val="tx1"/>
+          </a:fontRef>
+        </p:style>
+      </p:cxnSp>
+      <p:cxnSp>
+        <p:nvCxnSpPr>
+          <p:cNvPr id="18" name="直接连接符 17"/>
+          <p:cNvCxnSpPr>
+            <a:stCxn id="7" idx="5"/>
+            <a:endCxn id="10" idx="0"/>
+          </p:cNvCxnSpPr>
+          <p:nvPr/>
+        </p:nvCxnSpPr>
+        <p:spPr>
+          <a:xfrm>
+            <a:off x="6951345" y="3253740"/>
+            <a:ext cx="204470" cy="280035"/>
+          </a:xfrm>
+          <a:prstGeom prst="line">
+            <a:avLst/>
+          </a:prstGeom>
+        </p:spPr>
+        <p:style>
+          <a:lnRef idx="1">
+            <a:schemeClr val="accent1"/>
+          </a:lnRef>
+          <a:fillRef idx="0">
+            <a:schemeClr val="accent1"/>
+          </a:fillRef>
+          <a:effectRef idx="0">
+            <a:schemeClr val="accent1"/>
+          </a:effectRef>
+          <a:fontRef idx="minor">
+            <a:schemeClr val="tx1"/>
+          </a:fontRef>
+        </p:style>
+      </p:cxnSp>
+      <p:cxnSp>
+        <p:nvCxnSpPr>
+          <p:cNvPr id="19" name="直接连接符 18"/>
+          <p:cNvCxnSpPr>
+            <a:stCxn id="8" idx="3"/>
+            <a:endCxn id="11" idx="0"/>
+          </p:cNvCxnSpPr>
+          <p:nvPr/>
+        </p:nvCxnSpPr>
+        <p:spPr>
+          <a:xfrm flipH="1">
+            <a:off x="7787640" y="3253740"/>
+            <a:ext cx="238125" cy="280035"/>
+          </a:xfrm>
+          <a:prstGeom prst="line">
+            <a:avLst/>
+          </a:prstGeom>
+        </p:spPr>
+        <p:style>
+          <a:lnRef idx="1">
+            <a:schemeClr val="accent1"/>
+          </a:lnRef>
+          <a:fillRef idx="0">
+            <a:schemeClr val="accent1"/>
+          </a:fillRef>
+          <a:effectRef idx="0">
+            <a:schemeClr val="accent1"/>
+          </a:effectRef>
+          <a:fontRef idx="minor">
+            <a:schemeClr val="tx1"/>
+          </a:fontRef>
+        </p:style>
+      </p:cxnSp>
+      <p:cxnSp>
+        <p:nvCxnSpPr>
+          <p:cNvPr id="20" name="直接连接符 19"/>
+          <p:cNvCxnSpPr>
+            <a:stCxn id="8" idx="6"/>
+            <a:endCxn id="12" idx="0"/>
+          </p:cNvCxnSpPr>
+          <p:nvPr/>
+        </p:nvCxnSpPr>
+        <p:spPr>
+          <a:xfrm>
+            <a:off x="8244840" y="3165475"/>
+            <a:ext cx="339725" cy="368300"/>
+          </a:xfrm>
+          <a:prstGeom prst="line">
+            <a:avLst/>
+          </a:prstGeom>
+        </p:spPr>
+        <p:style>
+          <a:lnRef idx="1">
+            <a:schemeClr val="accent1"/>
+          </a:lnRef>
+          <a:fillRef idx="0">
+            <a:schemeClr val="accent1"/>
+          </a:fillRef>
+          <a:effectRef idx="0">
+            <a:schemeClr val="accent1"/>
+          </a:effectRef>
+          <a:fontRef idx="minor">
+            <a:schemeClr val="tx1"/>
+          </a:fontRef>
+        </p:style>
+      </p:cxnSp>
+    </p:spTree>
+    <p:custDataLst>
+      <p:tags r:id="rId9"/>
+    </p:custDataLst>
+  </p:cSld>
+  <p:clrMapOvr>
+    <a:masterClrMapping/>
+  </p:clrMapOvr>
+</p:sld>
+</file>
+
+<file path=ppt/slides/slide18.xml><?xml version="1.0" encoding="utf-8"?>
+<p:sld xmlns:a="http://schemas.openxmlformats.org/drawingml/2006/main" xmlns:r="http://schemas.openxmlformats.org/officeDocument/2006/relationships" xmlns:p="http://schemas.openxmlformats.org/presentationml/2006/main">
+  <p:cSld>
+    <p:bg>
+      <p:bgPr>
+        <a:noFill/>
+        <a:effectLst/>
+      </p:bgPr>
+    </p:bg>
+    <p:spTree>
+      <p:nvGrpSpPr>
+        <p:cNvPr id="1" name=""/>
+        <p:cNvGrpSpPr/>
+        <p:nvPr/>
+      </p:nvGrpSpPr>
+      <p:grpSpPr/>
+      <p:sp>
+        <p:nvSpPr>
+          <p:cNvPr id="2" name="标题 1"/>
+          <p:cNvSpPr>
+            <a:spLocks noGrp="1"/>
+          </p:cNvSpPr>
+          <p:nvPr>
+            <p:ph type="title"/>
+          </p:nvPr>
+        </p:nvSpPr>
+        <p:spPr/>
+        <p:txBody>
+          <a:bodyPr/>
+          <a:p>
+            <a:r>
+              <a:rPr lang="zh-CN" altLang="en-US">
+                <a:sym typeface="+mn-ea"/>
+              </a:rPr>
+              <a:t>红黑树</a:t>
+            </a:r>
+            <a:r>
+              <a:rPr lang="en-US" altLang="zh-CN">
+                <a:sym typeface="+mn-ea"/>
+              </a:rPr>
+              <a:t>——</a:t>
+            </a:r>
+            <a:r>
+              <a:rPr lang="zh-CN" altLang="en-US">
+                <a:sym typeface="+mn-ea"/>
+              </a:rPr>
+              <a:t>插入数据</a:t>
+            </a:r>
+            <a:endParaRPr lang="zh-CN" altLang="en-US">
+              <a:sym typeface="+mn-ea"/>
+            </a:endParaRPr>
+          </a:p>
+        </p:txBody>
+      </p:sp>
+      <p:pic>
+        <p:nvPicPr>
+          <p:cNvPr id="4" name="内容占位符 3"/>
+          <p:cNvPicPr>
+            <a:picLocks noChangeAspect="1"/>
+          </p:cNvPicPr>
+          <p:nvPr>
+            <p:ph idx="1"/>
+            <p:custDataLst>
+              <p:tags r:id="rId1"/>
+            </p:custDataLst>
+          </p:nvPr>
+        </p:nvPicPr>
+        <p:blipFill>
+          <a:blip r:embed="rId2"/>
+          <a:stretch>
+            <a:fillRect/>
+          </a:stretch>
+        </p:blipFill>
+        <p:spPr>
+          <a:xfrm>
+            <a:off x="1221105" y="1622425"/>
+            <a:ext cx="2463800" cy="1524000"/>
+          </a:xfrm>
+          <a:prstGeom prst="rect">
+            <a:avLst/>
+          </a:prstGeom>
+        </p:spPr>
+      </p:pic>
+      <p:pic>
+        <p:nvPicPr>
+          <p:cNvPr id="15" name="图片 14"/>
+          <p:cNvPicPr>
+            <a:picLocks noChangeAspect="1"/>
+          </p:cNvPicPr>
+          <p:nvPr>
+            <p:custDataLst>
+              <p:tags r:id="rId3"/>
+            </p:custDataLst>
+          </p:nvPr>
+        </p:nvPicPr>
+        <p:blipFill>
+          <a:blip r:embed="rId4"/>
+          <a:stretch>
+            <a:fillRect/>
+          </a:stretch>
+        </p:blipFill>
+        <p:spPr>
+          <a:xfrm>
+            <a:off x="5273675" y="361950"/>
+            <a:ext cx="6805930" cy="6133465"/>
+          </a:xfrm>
+          <a:prstGeom prst="rect">
+            <a:avLst/>
+          </a:prstGeom>
+        </p:spPr>
+      </p:pic>
+    </p:spTree>
+    <p:custDataLst>
+      <p:tags r:id="rId5"/>
+    </p:custDataLst>
+  </p:cSld>
+  <p:clrMapOvr>
+    <a:masterClrMapping/>
+  </p:clrMapOvr>
+</p:sld>
+</file>
+
+<file path=ppt/slides/slide19.xml><?xml version="1.0" encoding="utf-8"?>
+<p:sld xmlns:a="http://schemas.openxmlformats.org/drawingml/2006/main" xmlns:r="http://schemas.openxmlformats.org/officeDocument/2006/relationships" xmlns:p="http://schemas.openxmlformats.org/presentationml/2006/main">
+  <p:cSld>
+    <p:bg>
+      <p:bgPr>
+        <a:noFill/>
+        <a:effectLst/>
+      </p:bgPr>
+    </p:bg>
+    <p:spTree>
+      <p:nvGrpSpPr>
+        <p:cNvPr id="1" name=""/>
+        <p:cNvGrpSpPr/>
+        <p:nvPr/>
+      </p:nvGrpSpPr>
+      <p:grpSpPr/>
+      <p:sp>
+        <p:nvSpPr>
+          <p:cNvPr id="2" name="标题 1"/>
+          <p:cNvSpPr>
+            <a:spLocks noGrp="1"/>
+          </p:cNvSpPr>
+          <p:nvPr>
+            <p:ph type="title"/>
+          </p:nvPr>
+        </p:nvSpPr>
+        <p:spPr/>
+        <p:txBody>
+          <a:bodyPr/>
+          <a:p>
+            <a:r>
+              <a:rPr lang="zh-CN" altLang="en-US">
+                <a:sym typeface="+mn-ea"/>
+              </a:rPr>
+              <a:t>红黑树</a:t>
+            </a:r>
+            <a:r>
+              <a:rPr lang="en-US" altLang="zh-CN">
+                <a:sym typeface="+mn-ea"/>
+              </a:rPr>
+              <a:t>——节点查询</a:t>
+            </a:r>
+            <a:endParaRPr lang="en-US" altLang="zh-CN">
+              <a:sym typeface="+mn-ea"/>
+            </a:endParaRPr>
+          </a:p>
+        </p:txBody>
+      </p:sp>
+      <p:pic>
+        <p:nvPicPr>
+          <p:cNvPr id="5" name="内容占位符 4"/>
+          <p:cNvPicPr>
+            <a:picLocks noChangeAspect="1"/>
+          </p:cNvPicPr>
+          <p:nvPr>
+            <p:ph idx="1"/>
+            <p:custDataLst>
+              <p:tags r:id="rId1"/>
+            </p:custDataLst>
+          </p:nvPr>
+        </p:nvPicPr>
+        <p:blipFill>
+          <a:blip r:embed="rId2"/>
+          <a:stretch>
+            <a:fillRect/>
+          </a:stretch>
+        </p:blipFill>
+        <p:spPr>
+          <a:xfrm>
+            <a:off x="608330" y="1586230"/>
+            <a:ext cx="7861300" cy="4660900"/>
+          </a:xfrm>
+          <a:prstGeom prst="rect">
+            <a:avLst/>
+          </a:prstGeom>
+        </p:spPr>
+      </p:pic>
     </p:spTree>
     <p:custDataLst>
       <p:tags r:id="rId3"/>
@@ -3187,7 +6328,7 @@
           <a:p>
             <a:r>
               <a:rPr lang="zh-CN" altLang="en-US"/>
-              <a:t>双向链表</a:t>
+              <a:t>Linux 内核常用数据结构</a:t>
             </a:r>
             <a:endParaRPr lang="zh-CN" altLang="en-US"/>
           </a:p>
@@ -3207,6 +6348,24 @@
         <p:txBody>
           <a:bodyPr/>
           <a:p>
+            <a:r>
+              <a:rPr lang="zh-CN" altLang="en-US"/>
+              <a:t>双向链表 list_head</a:t>
+            </a:r>
+            <a:endParaRPr lang="zh-CN" altLang="en-US"/>
+          </a:p>
+          <a:p>
+            <a:r>
+              <a:rPr lang="zh-CN" altLang="en-US"/>
+              <a:t>hash 表 hlist</a:t>
+            </a:r>
+            <a:endParaRPr lang="zh-CN" altLang="en-US"/>
+          </a:p>
+          <a:p>
+            <a:r>
+              <a:rPr lang="zh-CN" altLang="en-US"/>
+              <a:t>红黑树 rbroot</a:t>
+            </a:r>
             <a:endParaRPr lang="zh-CN" altLang="en-US"/>
           </a:p>
         </p:txBody>
@@ -3214,6 +6373,282 @@
     </p:spTree>
     <p:custDataLst>
       <p:tags r:id="rId1"/>
+    </p:custDataLst>
+  </p:cSld>
+  <p:clrMapOvr>
+    <a:masterClrMapping/>
+  </p:clrMapOvr>
+</p:sld>
+</file>
+
+<file path=ppt/slides/slide20.xml><?xml version="1.0" encoding="utf-8"?>
+<p:sld xmlns:a="http://schemas.openxmlformats.org/drawingml/2006/main" xmlns:r="http://schemas.openxmlformats.org/officeDocument/2006/relationships" xmlns:p="http://schemas.openxmlformats.org/presentationml/2006/main">
+  <p:cSld>
+    <p:bg>
+      <p:bgPr>
+        <a:noFill/>
+        <a:effectLst/>
+      </p:bgPr>
+    </p:bg>
+    <p:spTree>
+      <p:nvGrpSpPr>
+        <p:cNvPr id="1" name=""/>
+        <p:cNvGrpSpPr/>
+        <p:nvPr/>
+      </p:nvGrpSpPr>
+      <p:grpSpPr/>
+      <p:sp>
+        <p:nvSpPr>
+          <p:cNvPr id="2" name="标题 1"/>
+          <p:cNvSpPr>
+            <a:spLocks noGrp="1"/>
+          </p:cNvSpPr>
+          <p:nvPr>
+            <p:ph type="title"/>
+          </p:nvPr>
+        </p:nvSpPr>
+        <p:spPr/>
+        <p:txBody>
+          <a:bodyPr/>
+          <a:p>
+            <a:r>
+              <a:rPr lang="zh-CN" altLang="en-US">
+                <a:sym typeface="+mn-ea"/>
+              </a:rPr>
+              <a:t>红黑树</a:t>
+            </a:r>
+            <a:r>
+              <a:rPr lang="en-US" altLang="zh-CN">
+                <a:sym typeface="+mn-ea"/>
+              </a:rPr>
+              <a:t>——节点</a:t>
+            </a:r>
+            <a:r>
+              <a:rPr lang="zh-CN" altLang="en-US">
+                <a:sym typeface="+mn-ea"/>
+              </a:rPr>
+              <a:t>插入</a:t>
+            </a:r>
+            <a:endParaRPr lang="zh-CN" altLang="en-US">
+              <a:sym typeface="+mn-ea"/>
+            </a:endParaRPr>
+          </a:p>
+        </p:txBody>
+      </p:sp>
+      <p:pic>
+        <p:nvPicPr>
+          <p:cNvPr id="4" name="内容占位符 3"/>
+          <p:cNvPicPr>
+            <a:picLocks noChangeAspect="1"/>
+          </p:cNvPicPr>
+          <p:nvPr>
+            <p:ph idx="1"/>
+            <p:custDataLst>
+              <p:tags r:id="rId1"/>
+            </p:custDataLst>
+          </p:nvPr>
+        </p:nvPicPr>
+        <p:blipFill>
+          <a:blip r:embed="rId2"/>
+          <a:stretch>
+            <a:fillRect/>
+          </a:stretch>
+        </p:blipFill>
+        <p:spPr>
+          <a:xfrm>
+            <a:off x="608330" y="1821815"/>
+            <a:ext cx="6483985" cy="4199890"/>
+          </a:xfrm>
+          <a:prstGeom prst="rect">
+            <a:avLst/>
+          </a:prstGeom>
+        </p:spPr>
+      </p:pic>
+    </p:spTree>
+    <p:custDataLst>
+      <p:tags r:id="rId3"/>
+    </p:custDataLst>
+  </p:cSld>
+  <p:clrMapOvr>
+    <a:masterClrMapping/>
+  </p:clrMapOvr>
+</p:sld>
+</file>
+
+<file path=ppt/slides/slide21.xml><?xml version="1.0" encoding="utf-8"?>
+<p:sld xmlns:a="http://schemas.openxmlformats.org/drawingml/2006/main" xmlns:r="http://schemas.openxmlformats.org/officeDocument/2006/relationships" xmlns:p="http://schemas.openxmlformats.org/presentationml/2006/main">
+  <p:cSld>
+    <p:bg>
+      <p:bgPr>
+        <a:noFill/>
+        <a:effectLst/>
+      </p:bgPr>
+    </p:bg>
+    <p:spTree>
+      <p:nvGrpSpPr>
+        <p:cNvPr id="1" name=""/>
+        <p:cNvGrpSpPr/>
+        <p:nvPr/>
+      </p:nvGrpSpPr>
+      <p:grpSpPr/>
+      <p:sp>
+        <p:nvSpPr>
+          <p:cNvPr id="2" name="标题 1"/>
+          <p:cNvSpPr>
+            <a:spLocks noGrp="1"/>
+          </p:cNvSpPr>
+          <p:nvPr>
+            <p:ph type="title"/>
+          </p:nvPr>
+        </p:nvSpPr>
+        <p:spPr/>
+        <p:txBody>
+          <a:bodyPr/>
+          <a:p>
+            <a:r>
+              <a:rPr lang="zh-CN" altLang="en-US">
+                <a:sym typeface="+mn-ea"/>
+              </a:rPr>
+              <a:t>红黑树</a:t>
+            </a:r>
+            <a:r>
+              <a:rPr lang="en-US" altLang="zh-CN">
+                <a:sym typeface="+mn-ea"/>
+              </a:rPr>
+              <a:t>——</a:t>
+            </a:r>
+            <a:r>
+              <a:rPr lang="zh-CN" altLang="en-US">
+                <a:sym typeface="+mn-ea"/>
+              </a:rPr>
+              <a:t>遍历</a:t>
+            </a:r>
+            <a:endParaRPr lang="zh-CN" altLang="en-US">
+              <a:sym typeface="+mn-ea"/>
+            </a:endParaRPr>
+          </a:p>
+        </p:txBody>
+      </p:sp>
+      <p:pic>
+        <p:nvPicPr>
+          <p:cNvPr id="5" name="内容占位符 4"/>
+          <p:cNvPicPr>
+            <a:picLocks noChangeAspect="1"/>
+          </p:cNvPicPr>
+          <p:nvPr>
+            <p:ph idx="1"/>
+            <p:custDataLst>
+              <p:tags r:id="rId1"/>
+            </p:custDataLst>
+          </p:nvPr>
+        </p:nvPicPr>
+        <p:blipFill>
+          <a:blip r:embed="rId2"/>
+          <a:stretch>
+            <a:fillRect/>
+          </a:stretch>
+        </p:blipFill>
+        <p:spPr>
+          <a:xfrm>
+            <a:off x="608330" y="2609850"/>
+            <a:ext cx="6769100" cy="1454150"/>
+          </a:xfrm>
+          <a:prstGeom prst="rect">
+            <a:avLst/>
+          </a:prstGeom>
+        </p:spPr>
+      </p:pic>
+    </p:spTree>
+    <p:custDataLst>
+      <p:tags r:id="rId3"/>
+    </p:custDataLst>
+  </p:cSld>
+  <p:clrMapOvr>
+    <a:masterClrMapping/>
+  </p:clrMapOvr>
+</p:sld>
+</file>
+
+<file path=ppt/slides/slide22.xml><?xml version="1.0" encoding="utf-8"?>
+<p:sld xmlns:a="http://schemas.openxmlformats.org/drawingml/2006/main" xmlns:r="http://schemas.openxmlformats.org/officeDocument/2006/relationships" xmlns:p="http://schemas.openxmlformats.org/presentationml/2006/main">
+  <p:cSld>
+    <p:bg>
+      <p:bgPr>
+        <a:noFill/>
+        <a:effectLst/>
+      </p:bgPr>
+    </p:bg>
+    <p:spTree>
+      <p:nvGrpSpPr>
+        <p:cNvPr id="1" name=""/>
+        <p:cNvGrpSpPr/>
+        <p:nvPr/>
+      </p:nvGrpSpPr>
+      <p:grpSpPr/>
+      <p:sp>
+        <p:nvSpPr>
+          <p:cNvPr id="2" name="标题 1"/>
+          <p:cNvSpPr>
+            <a:spLocks noGrp="1"/>
+          </p:cNvSpPr>
+          <p:nvPr>
+            <p:ph type="title"/>
+          </p:nvPr>
+        </p:nvSpPr>
+        <p:spPr/>
+        <p:txBody>
+          <a:bodyPr/>
+          <a:p>
+            <a:r>
+              <a:rPr lang="zh-CN" altLang="en-US">
+                <a:sym typeface="+mn-ea"/>
+              </a:rPr>
+              <a:t>红黑树</a:t>
+            </a:r>
+            <a:r>
+              <a:rPr lang="en-US" altLang="zh-CN">
+                <a:sym typeface="+mn-ea"/>
+              </a:rPr>
+              <a:t>——内存清理</a:t>
+            </a:r>
+            <a:endParaRPr lang="en-US" altLang="zh-CN">
+              <a:sym typeface="+mn-ea"/>
+            </a:endParaRPr>
+          </a:p>
+        </p:txBody>
+      </p:sp>
+      <p:pic>
+        <p:nvPicPr>
+          <p:cNvPr id="4" name="内容占位符 3"/>
+          <p:cNvPicPr>
+            <a:picLocks noChangeAspect="1"/>
+          </p:cNvPicPr>
+          <p:nvPr>
+            <p:ph idx="1"/>
+            <p:custDataLst>
+              <p:tags r:id="rId1"/>
+            </p:custDataLst>
+          </p:nvPr>
+        </p:nvPicPr>
+        <p:blipFill>
+          <a:blip r:embed="rId2"/>
+          <a:stretch>
+            <a:fillRect/>
+          </a:stretch>
+        </p:blipFill>
+        <p:spPr>
+          <a:xfrm>
+            <a:off x="701675" y="2062480"/>
+            <a:ext cx="6644005" cy="2495550"/>
+          </a:xfrm>
+          <a:prstGeom prst="rect">
+            <a:avLst/>
+          </a:prstGeom>
+        </p:spPr>
+      </p:pic>
+    </p:spTree>
+    <p:custDataLst>
+      <p:tags r:id="rId3"/>
     </p:custDataLst>
   </p:cSld>
   <p:clrMapOvr>
@@ -3240,248 +6675,183 @@
       <p:grpSpPr/>
       <p:sp>
         <p:nvSpPr>
-          <p:cNvPr id="4" name="矩形 3"/>
-          <p:cNvSpPr/>
-          <p:nvPr/>
+          <p:cNvPr id="2" name="标题 1"/>
+          <p:cNvSpPr>
+            <a:spLocks noGrp="1"/>
+          </p:cNvSpPr>
+          <p:nvPr>
+            <p:ph type="title"/>
+          </p:nvPr>
         </p:nvSpPr>
         <p:spPr>
           <a:xfrm>
-            <a:off x="1889125" y="1806575"/>
-            <a:ext cx="977900" cy="1367155"/>
+            <a:off x="678250" y="233750"/>
+            <a:ext cx="10969200" cy="705600"/>
+          </a:xfrm>
+        </p:spPr>
+        <p:txBody>
+          <a:bodyPr/>
+          <a:p>
+            <a:r>
+              <a:rPr lang="zh-CN" altLang="en-US"/>
+              <a:t>双向链表</a:t>
+            </a:r>
+            <a:r>
+              <a:rPr lang="en-US" altLang="zh-CN"/>
+              <a:t>——</a:t>
+            </a:r>
+            <a:r>
+              <a:rPr lang="zh-CN" altLang="en-US"/>
+              <a:t>初始化</a:t>
+            </a:r>
+            <a:endParaRPr lang="zh-CN" altLang="en-US"/>
+          </a:p>
+        </p:txBody>
+      </p:sp>
+      <p:pic>
+        <p:nvPicPr>
+          <p:cNvPr id="4" name="内容占位符 3"/>
+          <p:cNvPicPr>
+            <a:picLocks noChangeAspect="1"/>
+          </p:cNvPicPr>
+          <p:nvPr>
+            <p:ph idx="1"/>
+            <p:custDataLst>
+              <p:tags r:id="rId1"/>
+            </p:custDataLst>
+          </p:nvPr>
+        </p:nvPicPr>
+        <p:blipFill>
+          <a:blip r:embed="rId2"/>
+          <a:stretch>
+            <a:fillRect/>
+          </a:stretch>
+        </p:blipFill>
+        <p:spPr>
+          <a:xfrm>
+            <a:off x="8585835" y="2965450"/>
+            <a:ext cx="1956435" cy="2032000"/>
           </a:xfrm>
           <a:prstGeom prst="rect">
             <a:avLst/>
           </a:prstGeom>
-          <a:ln>
-            <a:solidFill>
-              <a:schemeClr val="tx1"/>
-            </a:solidFill>
-          </a:ln>
         </p:spPr>
-        <p:style>
-          <a:lnRef idx="2">
-            <a:schemeClr val="accent6"/>
-          </a:lnRef>
-          <a:fillRef idx="1">
-            <a:schemeClr val="lt1"/>
-          </a:fillRef>
-          <a:effectRef idx="0">
-            <a:schemeClr val="accent6"/>
-          </a:effectRef>
-          <a:fontRef idx="minor">
-            <a:schemeClr val="dk1"/>
-          </a:fontRef>
-        </p:style>
-        <p:txBody>
-          <a:bodyPr rtlCol="0" anchor="ctr"/>
-          <a:p>
-            <a:pPr algn="ctr"/>
-            <a:endParaRPr lang="zh-CN" altLang="en-US"/>
-          </a:p>
-        </p:txBody>
-      </p:sp>
-      <p:cxnSp>
-        <p:nvCxnSpPr>
-          <p:cNvPr id="5" name="直接连接符 4"/>
-          <p:cNvCxnSpPr>
-            <a:stCxn id="4" idx="1"/>
-            <a:endCxn id="4" idx="3"/>
-          </p:cNvCxnSpPr>
-          <p:nvPr/>
-        </p:nvCxnSpPr>
+      </p:pic>
+      <p:pic>
+        <p:nvPicPr>
+          <p:cNvPr id="6" name="图片 5"/>
+          <p:cNvPicPr>
+            <a:picLocks noChangeAspect="1"/>
+          </p:cNvPicPr>
+          <p:nvPr>
+            <p:custDataLst>
+              <p:tags r:id="rId3"/>
+            </p:custDataLst>
+          </p:nvPr>
+        </p:nvPicPr>
+        <p:blipFill>
+          <a:blip r:embed="rId4"/>
+          <a:stretch>
+            <a:fillRect/>
+          </a:stretch>
+        </p:blipFill>
         <p:spPr>
           <a:xfrm>
-            <a:off x="1889125" y="2490470"/>
-            <a:ext cx="977900" cy="0"/>
-          </a:xfrm>
-          <a:prstGeom prst="line">
-            <a:avLst/>
-          </a:prstGeom>
-        </p:spPr>
-        <p:style>
-          <a:lnRef idx="1">
-            <a:schemeClr val="dk1"/>
-          </a:lnRef>
-          <a:fillRef idx="0">
-            <a:schemeClr val="dk1"/>
-          </a:fillRef>
-          <a:effectRef idx="0">
-            <a:schemeClr val="dk1"/>
-          </a:effectRef>
-          <a:fontRef idx="minor">
-            <a:schemeClr val="tx1"/>
-          </a:fontRef>
-        </p:style>
-      </p:cxnSp>
-      <p:sp>
-        <p:nvSpPr>
-          <p:cNvPr id="6" name="文本框 5"/>
-          <p:cNvSpPr txBox="1"/>
-          <p:nvPr/>
-        </p:nvSpPr>
-        <p:spPr>
-          <a:xfrm>
-            <a:off x="2040255" y="1976755"/>
-            <a:ext cx="650240" cy="368300"/>
+            <a:off x="722630" y="1094105"/>
+            <a:ext cx="4164330" cy="1336040"/>
           </a:xfrm>
           <a:prstGeom prst="rect">
             <a:avLst/>
           </a:prstGeom>
-          <a:noFill/>
         </p:spPr>
-        <p:txBody>
-          <a:bodyPr wrap="square" rtlCol="0">
-            <a:spAutoFit/>
-          </a:bodyPr>
-          <a:p>
-            <a:r>
-              <a:rPr lang="en-US" altLang="zh-CN"/>
-              <a:t>next</a:t>
-            </a:r>
-            <a:endParaRPr lang="en-US" altLang="zh-CN"/>
-          </a:p>
-        </p:txBody>
-      </p:sp>
-      <p:sp>
-        <p:nvSpPr>
-          <p:cNvPr id="7" name="文本框 6"/>
-          <p:cNvSpPr txBox="1"/>
-          <p:nvPr>
-            <p:custDataLst>
-              <p:tags r:id="rId1"/>
-            </p:custDataLst>
-          </p:nvPr>
-        </p:nvSpPr>
+      </p:pic>
+      <p:pic>
+        <p:nvPicPr>
+          <p:cNvPr id="10" name="图片 9"/>
+          <p:cNvPicPr>
+            <a:picLocks noChangeAspect="1"/>
+          </p:cNvPicPr>
+          <p:nvPr>
+            <p:custDataLst>
+              <p:tags r:id="rId5"/>
+            </p:custDataLst>
+          </p:nvPr>
+        </p:nvPicPr>
+        <p:blipFill>
+          <a:blip r:embed="rId6"/>
+          <a:stretch>
+            <a:fillRect/>
+          </a:stretch>
+        </p:blipFill>
         <p:spPr>
           <a:xfrm>
-            <a:off x="2040255" y="2635885"/>
-            <a:ext cx="650240" cy="368300"/>
+            <a:off x="7484110" y="4997450"/>
+            <a:ext cx="4159250" cy="1041400"/>
           </a:xfrm>
           <a:prstGeom prst="rect">
             <a:avLst/>
           </a:prstGeom>
-          <a:noFill/>
         </p:spPr>
-        <p:txBody>
-          <a:bodyPr wrap="square" rtlCol="0">
-            <a:spAutoFit/>
-          </a:bodyPr>
-          <a:p>
-            <a:r>
-              <a:rPr lang="en-US" altLang="zh-CN"/>
-              <a:t>pre</a:t>
-            </a:r>
-            <a:endParaRPr lang="en-US" altLang="zh-CN"/>
-          </a:p>
-        </p:txBody>
-      </p:sp>
-      <p:cxnSp>
-        <p:nvCxnSpPr>
-          <p:cNvPr id="8" name="曲线连接符 7"/>
-          <p:cNvCxnSpPr>
-            <a:stCxn id="7" idx="3"/>
-            <a:endCxn id="4" idx="2"/>
-          </p:cNvCxnSpPr>
-          <p:nvPr/>
-        </p:nvCxnSpPr>
-        <p:spPr>
-          <a:xfrm flipH="1">
-            <a:off x="2378075" y="2820035"/>
-            <a:ext cx="312420" cy="353695"/>
-          </a:xfrm>
-          <a:prstGeom prst="curvedConnector4">
-            <a:avLst>
-              <a:gd name="adj1" fmla="val -177642"/>
-              <a:gd name="adj2" fmla="val 253141"/>
-            </a:avLst>
-          </a:prstGeom>
-          <a:ln>
-            <a:tailEnd type="arrow"/>
-          </a:ln>
-        </p:spPr>
-        <p:style>
-          <a:lnRef idx="1">
-            <a:schemeClr val="accent1"/>
-          </a:lnRef>
-          <a:fillRef idx="0">
-            <a:schemeClr val="accent1"/>
-          </a:fillRef>
-          <a:effectRef idx="0">
-            <a:schemeClr val="accent1"/>
-          </a:effectRef>
-          <a:fontRef idx="minor">
-            <a:schemeClr val="tx1"/>
-          </a:fontRef>
-        </p:style>
-      </p:cxnSp>
-      <p:cxnSp>
-        <p:nvCxnSpPr>
-          <p:cNvPr id="9" name="曲线连接符 8"/>
-          <p:cNvCxnSpPr/>
-          <p:nvPr/>
-        </p:nvCxnSpPr>
-        <p:spPr>
-          <a:xfrm flipH="1" flipV="1">
-            <a:off x="2378075" y="1806575"/>
-            <a:ext cx="312420" cy="354330"/>
-          </a:xfrm>
-          <a:prstGeom prst="curvedConnector4">
-            <a:avLst>
-              <a:gd name="adj1" fmla="val -208536"/>
-              <a:gd name="adj2" fmla="val 240860"/>
-            </a:avLst>
-          </a:prstGeom>
-          <a:ln>
-            <a:tailEnd type="arrow"/>
-          </a:ln>
-        </p:spPr>
-        <p:style>
-          <a:lnRef idx="1">
-            <a:schemeClr val="accent1"/>
-          </a:lnRef>
-          <a:fillRef idx="0">
-            <a:schemeClr val="accent1"/>
-          </a:fillRef>
-          <a:effectRef idx="0">
-            <a:schemeClr val="accent1"/>
-          </a:effectRef>
-          <a:fontRef idx="minor">
-            <a:schemeClr val="tx1"/>
-          </a:fontRef>
-        </p:style>
-      </p:cxnSp>
-      <p:sp>
-        <p:nvSpPr>
-          <p:cNvPr id="10" name="文本框 9"/>
-          <p:cNvSpPr txBox="1"/>
-          <p:nvPr/>
-        </p:nvSpPr>
+      </p:pic>
+      <p:pic>
+        <p:nvPicPr>
+          <p:cNvPr id="5" name="图片 4"/>
+          <p:cNvPicPr>
+            <a:picLocks noChangeAspect="1"/>
+          </p:cNvPicPr>
+          <p:nvPr>
+            <p:custDataLst>
+              <p:tags r:id="rId7"/>
+            </p:custDataLst>
+          </p:nvPr>
+        </p:nvPicPr>
+        <p:blipFill>
+          <a:blip r:embed="rId8"/>
+          <a:stretch>
+            <a:fillRect/>
+          </a:stretch>
+        </p:blipFill>
         <p:spPr>
           <a:xfrm>
-            <a:off x="1578610" y="1083310"/>
-            <a:ext cx="799465" cy="368300"/>
+            <a:off x="678180" y="2514600"/>
+            <a:ext cx="5181600" cy="4197350"/>
           </a:xfrm>
           <a:prstGeom prst="rect">
             <a:avLst/>
           </a:prstGeom>
-          <a:noFill/>
         </p:spPr>
-        <p:txBody>
-          <a:bodyPr wrap="square" rtlCol="0" anchor="t">
-            <a:spAutoFit/>
-          </a:bodyPr>
-          <a:p>
-            <a:r>
-              <a:rPr lang="zh-CN" altLang="en-US"/>
-              <a:t>head</a:t>
-            </a:r>
-            <a:endParaRPr lang="zh-CN" altLang="en-US"/>
-          </a:p>
-        </p:txBody>
-      </p:sp>
+      </p:pic>
+      <p:pic>
+        <p:nvPicPr>
+          <p:cNvPr id="7" name="图片 6"/>
+          <p:cNvPicPr>
+            <a:picLocks noChangeAspect="1"/>
+          </p:cNvPicPr>
+          <p:nvPr>
+            <p:custDataLst>
+              <p:tags r:id="rId9"/>
+            </p:custDataLst>
+          </p:nvPr>
+        </p:nvPicPr>
+        <p:blipFill>
+          <a:blip r:embed="rId10"/>
+          <a:stretch>
+            <a:fillRect/>
+          </a:stretch>
+        </p:blipFill>
+        <p:spPr>
+          <a:xfrm>
+            <a:off x="7026910" y="1094105"/>
+            <a:ext cx="3854450" cy="1225550"/>
+          </a:xfrm>
+          <a:prstGeom prst="rect">
+            <a:avLst/>
+          </a:prstGeom>
+        </p:spPr>
+      </p:pic>
     </p:spTree>
     <p:custDataLst>
-      <p:tags r:id="rId2"/>
+      <p:tags r:id="rId11"/>
     </p:custDataLst>
   </p:cSld>
   <p:clrMapOvr>
@@ -3508,573 +6878,149 @@
       <p:grpSpPr/>
       <p:sp>
         <p:nvSpPr>
-          <p:cNvPr id="4" name="矩形 3"/>
-          <p:cNvSpPr/>
+          <p:cNvPr id="2" name="标题 1"/>
+          <p:cNvSpPr>
+            <a:spLocks noGrp="1"/>
+          </p:cNvSpPr>
+          <p:nvPr>
+            <p:ph type="title"/>
+          </p:nvPr>
+        </p:nvSpPr>
+        <p:spPr/>
+        <p:txBody>
+          <a:bodyPr/>
+          <a:p>
+            <a:r>
+              <a:rPr lang="zh-CN" altLang="en-US"/>
+              <a:t>双向链表</a:t>
+            </a:r>
+            <a:r>
+              <a:rPr lang="en-US" altLang="zh-CN"/>
+              <a:t>——</a:t>
+            </a:r>
+            <a:r>
+              <a:rPr lang="zh-CN" altLang="en-US"/>
+              <a:t>链表头插入节点</a:t>
+            </a:r>
+            <a:endParaRPr lang="zh-CN" altLang="en-US"/>
+          </a:p>
+        </p:txBody>
+      </p:sp>
+      <p:pic>
+        <p:nvPicPr>
+          <p:cNvPr id="5" name="图片 4"/>
+          <p:cNvPicPr>
+            <a:picLocks noChangeAspect="1"/>
+          </p:cNvPicPr>
           <p:nvPr>
             <p:custDataLst>
               <p:tags r:id="rId1"/>
             </p:custDataLst>
           </p:nvPr>
-        </p:nvSpPr>
+        </p:nvPicPr>
+        <p:blipFill>
+          <a:blip r:embed="rId2"/>
+          <a:stretch>
+            <a:fillRect/>
+          </a:stretch>
+        </p:blipFill>
         <p:spPr>
           <a:xfrm>
-            <a:off x="1712595" y="2249805"/>
-            <a:ext cx="977900" cy="1367155"/>
+            <a:off x="608330" y="1590675"/>
+            <a:ext cx="3854450" cy="1225550"/>
           </a:xfrm>
           <a:prstGeom prst="rect">
             <a:avLst/>
           </a:prstGeom>
-          <a:ln>
-            <a:solidFill>
-              <a:schemeClr val="tx1"/>
-            </a:solidFill>
-          </a:ln>
         </p:spPr>
-        <p:style>
-          <a:lnRef idx="2">
-            <a:schemeClr val="accent6"/>
-          </a:lnRef>
-          <a:fillRef idx="1">
-            <a:schemeClr val="lt1"/>
-          </a:fillRef>
-          <a:effectRef idx="0">
-            <a:schemeClr val="accent6"/>
-          </a:effectRef>
-          <a:fontRef idx="minor">
-            <a:schemeClr val="dk1"/>
-          </a:fontRef>
-        </p:style>
-        <p:txBody>
-          <a:bodyPr rtlCol="0" anchor="ctr"/>
-          <a:p>
-            <a:pPr algn="ctr"/>
-            <a:endParaRPr lang="zh-CN" altLang="en-US"/>
-          </a:p>
-        </p:txBody>
-      </p:sp>
-      <p:cxnSp>
-        <p:nvCxnSpPr>
-          <p:cNvPr id="5" name="直接连接符 4"/>
-          <p:cNvCxnSpPr>
-            <a:stCxn id="4" idx="1"/>
-            <a:endCxn id="4" idx="3"/>
-          </p:cNvCxnSpPr>
-          <p:nvPr>
-            <p:custDataLst>
-              <p:tags r:id="rId2"/>
-            </p:custDataLst>
-          </p:nvPr>
-        </p:nvCxnSpPr>
+      </p:pic>
+      <p:pic>
+        <p:nvPicPr>
+          <p:cNvPr id="7" name="图片 6"/>
+          <p:cNvPicPr>
+            <a:picLocks noChangeAspect="1"/>
+          </p:cNvPicPr>
+          <p:nvPr>
+            <p:custDataLst>
+              <p:tags r:id="rId3"/>
+            </p:custDataLst>
+          </p:nvPr>
+        </p:nvPicPr>
+        <p:blipFill>
+          <a:blip r:embed="rId4"/>
+          <a:stretch>
+            <a:fillRect/>
+          </a:stretch>
+        </p:blipFill>
         <p:spPr>
           <a:xfrm>
-            <a:off x="1712595" y="2933700"/>
-            <a:ext cx="977900" cy="0"/>
-          </a:xfrm>
-          <a:prstGeom prst="line">
-            <a:avLst/>
-          </a:prstGeom>
-        </p:spPr>
-        <p:style>
-          <a:lnRef idx="1">
-            <a:schemeClr val="dk1"/>
-          </a:lnRef>
-          <a:fillRef idx="0">
-            <a:schemeClr val="dk1"/>
-          </a:fillRef>
-          <a:effectRef idx="0">
-            <a:schemeClr val="dk1"/>
-          </a:effectRef>
-          <a:fontRef idx="minor">
-            <a:schemeClr val="tx1"/>
-          </a:fontRef>
-        </p:style>
-      </p:cxnSp>
-      <p:sp>
-        <p:nvSpPr>
-          <p:cNvPr id="6" name="文本框 5"/>
-          <p:cNvSpPr txBox="1"/>
-          <p:nvPr>
-            <p:custDataLst>
-              <p:tags r:id="rId3"/>
-            </p:custDataLst>
-          </p:nvPr>
-        </p:nvSpPr>
-        <p:spPr>
-          <a:xfrm>
-            <a:off x="1863725" y="2419985"/>
-            <a:ext cx="650240" cy="368300"/>
+            <a:off x="608330" y="3093085"/>
+            <a:ext cx="4445000" cy="1454150"/>
           </a:xfrm>
           <a:prstGeom prst="rect">
             <a:avLst/>
           </a:prstGeom>
-          <a:noFill/>
         </p:spPr>
-        <p:txBody>
-          <a:bodyPr wrap="square" rtlCol="0">
-            <a:spAutoFit/>
-          </a:bodyPr>
-          <a:p>
-            <a:r>
-              <a:rPr lang="en-US" altLang="zh-CN"/>
-              <a:t>next</a:t>
-            </a:r>
-            <a:endParaRPr lang="en-US" altLang="zh-CN"/>
-          </a:p>
-        </p:txBody>
-      </p:sp>
-      <p:sp>
-        <p:nvSpPr>
-          <p:cNvPr id="7" name="文本框 6"/>
-          <p:cNvSpPr txBox="1"/>
-          <p:nvPr>
-            <p:custDataLst>
-              <p:tags r:id="rId4"/>
-            </p:custDataLst>
-          </p:nvPr>
-        </p:nvSpPr>
+      </p:pic>
+      <p:pic>
+        <p:nvPicPr>
+          <p:cNvPr id="8" name="图片 7"/>
+          <p:cNvPicPr>
+            <a:picLocks noChangeAspect="1"/>
+          </p:cNvPicPr>
+          <p:nvPr>
+            <p:custDataLst>
+              <p:tags r:id="rId5"/>
+            </p:custDataLst>
+          </p:nvPr>
+        </p:nvPicPr>
+        <p:blipFill>
+          <a:blip r:embed="rId6"/>
+          <a:stretch>
+            <a:fillRect/>
+          </a:stretch>
+        </p:blipFill>
         <p:spPr>
           <a:xfrm>
-            <a:off x="1863725" y="3079115"/>
-            <a:ext cx="650240" cy="368300"/>
+            <a:off x="608330" y="4944745"/>
+            <a:ext cx="3543300" cy="1339850"/>
           </a:xfrm>
           <a:prstGeom prst="rect">
             <a:avLst/>
           </a:prstGeom>
-          <a:noFill/>
         </p:spPr>
-        <p:txBody>
-          <a:bodyPr wrap="square" rtlCol="0">
-            <a:spAutoFit/>
-          </a:bodyPr>
-          <a:p>
-            <a:r>
-              <a:rPr lang="en-US" altLang="zh-CN"/>
-              <a:t>pre</a:t>
-            </a:r>
-            <a:endParaRPr lang="en-US" altLang="zh-CN"/>
-          </a:p>
-        </p:txBody>
-      </p:sp>
-      <p:sp>
-        <p:nvSpPr>
-          <p:cNvPr id="10" name="文本框 9"/>
-          <p:cNvSpPr txBox="1"/>
-          <p:nvPr>
-            <p:custDataLst>
-              <p:tags r:id="rId5"/>
-            </p:custDataLst>
-          </p:nvPr>
-        </p:nvSpPr>
+      </p:pic>
+      <p:pic>
+        <p:nvPicPr>
+          <p:cNvPr id="11" name="图片 10"/>
+          <p:cNvPicPr>
+            <a:picLocks noChangeAspect="1"/>
+          </p:cNvPicPr>
+          <p:nvPr>
+            <p:custDataLst>
+              <p:tags r:id="rId7"/>
+            </p:custDataLst>
+          </p:nvPr>
+        </p:nvPicPr>
+        <p:blipFill>
+          <a:blip r:embed="rId8"/>
+          <a:stretch>
+            <a:fillRect/>
+          </a:stretch>
+        </p:blipFill>
         <p:spPr>
           <a:xfrm>
-            <a:off x="1802130" y="741680"/>
-            <a:ext cx="799465" cy="368300"/>
+            <a:off x="6137275" y="1590675"/>
+            <a:ext cx="5203190" cy="3794125"/>
           </a:xfrm>
           <a:prstGeom prst="rect">
             <a:avLst/>
           </a:prstGeom>
-          <a:noFill/>
         </p:spPr>
-        <p:txBody>
-          <a:bodyPr wrap="square" rtlCol="0" anchor="t">
-            <a:spAutoFit/>
-          </a:bodyPr>
-          <a:p>
-            <a:r>
-              <a:rPr lang="zh-CN" altLang="en-US"/>
-              <a:t>head</a:t>
-            </a:r>
-            <a:endParaRPr lang="zh-CN" altLang="en-US"/>
-          </a:p>
-        </p:txBody>
-      </p:sp>
-      <p:sp>
-        <p:nvSpPr>
-          <p:cNvPr id="11" name="矩形 10"/>
-          <p:cNvSpPr/>
-          <p:nvPr>
-            <p:custDataLst>
-              <p:tags r:id="rId6"/>
-            </p:custDataLst>
-          </p:nvPr>
-        </p:nvSpPr>
-        <p:spPr>
-          <a:xfrm>
-            <a:off x="4536440" y="1602105"/>
-            <a:ext cx="977900" cy="2014220"/>
-          </a:xfrm>
-          <a:prstGeom prst="rect">
-            <a:avLst/>
-          </a:prstGeom>
-          <a:ln>
-            <a:solidFill>
-              <a:schemeClr val="tx1"/>
-            </a:solidFill>
-          </a:ln>
-        </p:spPr>
-        <p:style>
-          <a:lnRef idx="2">
-            <a:schemeClr val="accent6"/>
-          </a:lnRef>
-          <a:fillRef idx="1">
-            <a:schemeClr val="lt1"/>
-          </a:fillRef>
-          <a:effectRef idx="0">
-            <a:schemeClr val="accent6"/>
-          </a:effectRef>
-          <a:fontRef idx="minor">
-            <a:schemeClr val="dk1"/>
-          </a:fontRef>
-        </p:style>
-        <p:txBody>
-          <a:bodyPr rtlCol="0" anchor="ctr"/>
-          <a:p>
-            <a:pPr algn="ctr"/>
-            <a:endParaRPr lang="zh-CN" altLang="en-US"/>
-          </a:p>
-        </p:txBody>
-      </p:sp>
-      <p:cxnSp>
-        <p:nvCxnSpPr>
-          <p:cNvPr id="12" name="直接连接符 11"/>
-          <p:cNvCxnSpPr/>
-          <p:nvPr>
-            <p:custDataLst>
-              <p:tags r:id="rId7"/>
-            </p:custDataLst>
-          </p:nvPr>
-        </p:nvCxnSpPr>
-        <p:spPr>
-          <a:xfrm>
-            <a:off x="4536440" y="2861945"/>
-            <a:ext cx="977900" cy="0"/>
-          </a:xfrm>
-          <a:prstGeom prst="line">
-            <a:avLst/>
-          </a:prstGeom>
-        </p:spPr>
-        <p:style>
-          <a:lnRef idx="1">
-            <a:schemeClr val="dk1"/>
-          </a:lnRef>
-          <a:fillRef idx="0">
-            <a:schemeClr val="dk1"/>
-          </a:fillRef>
-          <a:effectRef idx="0">
-            <a:schemeClr val="dk1"/>
-          </a:effectRef>
-          <a:fontRef idx="minor">
-            <a:schemeClr val="tx1"/>
-          </a:fontRef>
-        </p:style>
-      </p:cxnSp>
-      <p:sp>
-        <p:nvSpPr>
-          <p:cNvPr id="13" name="文本框 12"/>
-          <p:cNvSpPr txBox="1"/>
-          <p:nvPr>
-            <p:custDataLst>
-              <p:tags r:id="rId8"/>
-            </p:custDataLst>
-          </p:nvPr>
-        </p:nvSpPr>
-        <p:spPr>
-          <a:xfrm>
-            <a:off x="4700270" y="2416810"/>
-            <a:ext cx="650240" cy="368300"/>
-          </a:xfrm>
-          <a:prstGeom prst="rect">
-            <a:avLst/>
-          </a:prstGeom>
-          <a:noFill/>
-        </p:spPr>
-        <p:txBody>
-          <a:bodyPr wrap="square" rtlCol="0">
-            <a:spAutoFit/>
-          </a:bodyPr>
-          <a:p>
-            <a:r>
-              <a:rPr lang="en-US" altLang="zh-CN"/>
-              <a:t>next</a:t>
-            </a:r>
-            <a:endParaRPr lang="en-US" altLang="zh-CN"/>
-          </a:p>
-        </p:txBody>
-      </p:sp>
-      <p:sp>
-        <p:nvSpPr>
-          <p:cNvPr id="14" name="文本框 13"/>
-          <p:cNvSpPr txBox="1"/>
-          <p:nvPr>
-            <p:custDataLst>
-              <p:tags r:id="rId9"/>
-            </p:custDataLst>
-          </p:nvPr>
-        </p:nvSpPr>
-        <p:spPr>
-          <a:xfrm>
-            <a:off x="4700270" y="3007360"/>
-            <a:ext cx="650240" cy="368300"/>
-          </a:xfrm>
-          <a:prstGeom prst="rect">
-            <a:avLst/>
-          </a:prstGeom>
-          <a:noFill/>
-        </p:spPr>
-        <p:txBody>
-          <a:bodyPr wrap="square" rtlCol="0">
-            <a:spAutoFit/>
-          </a:bodyPr>
-          <a:p>
-            <a:r>
-              <a:rPr lang="en-US" altLang="zh-CN"/>
-              <a:t>pre</a:t>
-            </a:r>
-            <a:endParaRPr lang="en-US" altLang="zh-CN"/>
-          </a:p>
-        </p:txBody>
-      </p:sp>
-      <p:cxnSp>
-        <p:nvCxnSpPr>
-          <p:cNvPr id="15" name="直接连接符 14"/>
-          <p:cNvCxnSpPr/>
-          <p:nvPr>
-            <p:custDataLst>
-              <p:tags r:id="rId10"/>
-            </p:custDataLst>
-          </p:nvPr>
-        </p:nvCxnSpPr>
-        <p:spPr>
-          <a:xfrm>
-            <a:off x="4536440" y="2266315"/>
-            <a:ext cx="977900" cy="0"/>
-          </a:xfrm>
-          <a:prstGeom prst="line">
-            <a:avLst/>
-          </a:prstGeom>
-        </p:spPr>
-        <p:style>
-          <a:lnRef idx="1">
-            <a:schemeClr val="dk1"/>
-          </a:lnRef>
-          <a:fillRef idx="0">
-            <a:schemeClr val="dk1"/>
-          </a:fillRef>
-          <a:effectRef idx="0">
-            <a:schemeClr val="dk1"/>
-          </a:effectRef>
-          <a:fontRef idx="minor">
-            <a:schemeClr val="tx1"/>
-          </a:fontRef>
-        </p:style>
-      </p:cxnSp>
-      <p:sp>
-        <p:nvSpPr>
-          <p:cNvPr id="16" name="文本框 15"/>
-          <p:cNvSpPr txBox="1"/>
-          <p:nvPr/>
-        </p:nvSpPr>
-        <p:spPr>
-          <a:xfrm>
-            <a:off x="4700270" y="1747520"/>
-            <a:ext cx="855345" cy="368300"/>
-          </a:xfrm>
-          <a:prstGeom prst="rect">
-            <a:avLst/>
-          </a:prstGeom>
-          <a:noFill/>
-        </p:spPr>
-        <p:txBody>
-          <a:bodyPr wrap="square" rtlCol="0">
-            <a:spAutoFit/>
-          </a:bodyPr>
-          <a:p>
-            <a:r>
-              <a:rPr lang="en-US" altLang="zh-CN"/>
-              <a:t>val:1</a:t>
-            </a:r>
-            <a:endParaRPr lang="en-US" altLang="zh-CN"/>
-          </a:p>
-        </p:txBody>
-      </p:sp>
-      <p:cxnSp>
-        <p:nvCxnSpPr>
-          <p:cNvPr id="17" name="直接箭头连接符 16"/>
-          <p:cNvCxnSpPr>
-            <a:stCxn id="6" idx="3"/>
-            <a:endCxn id="11" idx="1"/>
-          </p:cNvCxnSpPr>
-          <p:nvPr/>
-        </p:nvCxnSpPr>
-        <p:spPr>
-          <a:xfrm>
-            <a:off x="2513965" y="2604135"/>
-            <a:ext cx="2022475" cy="5080"/>
-          </a:xfrm>
-          <a:prstGeom prst="straightConnector1">
-            <a:avLst/>
-          </a:prstGeom>
-          <a:ln>
-            <a:tailEnd type="arrow"/>
-          </a:ln>
-        </p:spPr>
-        <p:style>
-          <a:lnRef idx="1">
-            <a:schemeClr val="accent1"/>
-          </a:lnRef>
-          <a:fillRef idx="0">
-            <a:schemeClr val="accent1"/>
-          </a:fillRef>
-          <a:effectRef idx="0">
-            <a:schemeClr val="accent1"/>
-          </a:effectRef>
-          <a:fontRef idx="minor">
-            <a:schemeClr val="tx1"/>
-          </a:fontRef>
-        </p:style>
-      </p:cxnSp>
-      <p:cxnSp>
-        <p:nvCxnSpPr>
-          <p:cNvPr id="18" name="直接箭头连接符 17"/>
-          <p:cNvCxnSpPr>
-            <a:stCxn id="14" idx="1"/>
-          </p:cNvCxnSpPr>
-          <p:nvPr/>
-        </p:nvCxnSpPr>
-        <p:spPr>
-          <a:xfrm flipH="1" flipV="1">
-            <a:off x="2702560" y="3185795"/>
-            <a:ext cx="1997710" cy="5715"/>
-          </a:xfrm>
-          <a:prstGeom prst="straightConnector1">
-            <a:avLst/>
-          </a:prstGeom>
-          <a:ln>
-            <a:tailEnd type="arrow"/>
-          </a:ln>
-        </p:spPr>
-        <p:style>
-          <a:lnRef idx="1">
-            <a:schemeClr val="accent1"/>
-          </a:lnRef>
-          <a:fillRef idx="0">
-            <a:schemeClr val="accent1"/>
-          </a:fillRef>
-          <a:effectRef idx="0">
-            <a:schemeClr val="accent1"/>
-          </a:effectRef>
-          <a:fontRef idx="minor">
-            <a:schemeClr val="tx1"/>
-          </a:fontRef>
-        </p:style>
-      </p:cxnSp>
-      <p:sp>
-        <p:nvSpPr>
-          <p:cNvPr id="19" name="文本框 18"/>
-          <p:cNvSpPr txBox="1"/>
-          <p:nvPr/>
-        </p:nvSpPr>
-        <p:spPr>
-          <a:xfrm>
-            <a:off x="4452620" y="741680"/>
-            <a:ext cx="1145540" cy="368300"/>
-          </a:xfrm>
-          <a:prstGeom prst="rect">
-            <a:avLst/>
-          </a:prstGeom>
-          <a:noFill/>
-        </p:spPr>
-        <p:txBody>
-          <a:bodyPr wrap="square" rtlCol="0" anchor="t">
-            <a:spAutoFit/>
-          </a:bodyPr>
-          <a:p>
-            <a:r>
-              <a:rPr lang="zh-CN" altLang="en-US"/>
-              <a:t>first_task</a:t>
-            </a:r>
-            <a:endParaRPr lang="zh-CN" altLang="en-US"/>
-          </a:p>
-        </p:txBody>
-      </p:sp>
-      <p:cxnSp>
-        <p:nvCxnSpPr>
-          <p:cNvPr id="21" name="曲线连接符 20"/>
-          <p:cNvCxnSpPr>
-            <a:stCxn id="13" idx="3"/>
-            <a:endCxn id="4" idx="2"/>
-          </p:cNvCxnSpPr>
-          <p:nvPr/>
-        </p:nvCxnSpPr>
-        <p:spPr>
-          <a:xfrm flipH="1">
-            <a:off x="2201545" y="2600960"/>
-            <a:ext cx="3148965" cy="1016000"/>
-          </a:xfrm>
-          <a:prstGeom prst="curvedConnector4">
-            <a:avLst>
-              <a:gd name="adj1" fmla="val -33212"/>
-              <a:gd name="adj2" fmla="val 201750"/>
-            </a:avLst>
-          </a:prstGeom>
-          <a:ln>
-            <a:tailEnd type="arrow"/>
-          </a:ln>
-        </p:spPr>
-        <p:style>
-          <a:lnRef idx="1">
-            <a:schemeClr val="accent1"/>
-          </a:lnRef>
-          <a:fillRef idx="0">
-            <a:schemeClr val="accent1"/>
-          </a:fillRef>
-          <a:effectRef idx="0">
-            <a:schemeClr val="accent1"/>
-          </a:effectRef>
-          <a:fontRef idx="minor">
-            <a:schemeClr val="tx1"/>
-          </a:fontRef>
-        </p:style>
-      </p:cxnSp>
-      <p:cxnSp>
-        <p:nvCxnSpPr>
-          <p:cNvPr id="24" name="曲线连接符 23"/>
-          <p:cNvCxnSpPr/>
-          <p:nvPr/>
-        </p:nvCxnSpPr>
-        <p:spPr>
-          <a:xfrm rot="10800000" flipH="1">
-            <a:off x="1863090" y="1602105"/>
-            <a:ext cx="3161665" cy="1661160"/>
-          </a:xfrm>
-          <a:prstGeom prst="curvedConnector4">
-            <a:avLst>
-              <a:gd name="adj1" fmla="val -15404"/>
-              <a:gd name="adj2" fmla="val 122744"/>
-            </a:avLst>
-          </a:prstGeom>
-          <a:ln>
-            <a:tailEnd type="arrow"/>
-          </a:ln>
-        </p:spPr>
-        <p:style>
-          <a:lnRef idx="1">
-            <a:schemeClr val="accent1"/>
-          </a:lnRef>
-          <a:fillRef idx="0">
-            <a:schemeClr val="accent1"/>
-          </a:fillRef>
-          <a:effectRef idx="0">
-            <a:schemeClr val="accent1"/>
-          </a:effectRef>
-          <a:fontRef idx="minor">
-            <a:schemeClr val="tx1"/>
-          </a:fontRef>
-        </p:style>
-      </p:cxnSp>
+      </p:pic>
     </p:spTree>
     <p:custDataLst>
-      <p:tags r:id="rId11"/>
+      <p:tags r:id="rId9"/>
     </p:custDataLst>
   </p:cSld>
   <p:clrMapOvr>
@@ -4101,101 +7047,318 @@
       <p:grpSpPr/>
       <p:sp>
         <p:nvSpPr>
-          <p:cNvPr id="4" name="矩形 3"/>
-          <p:cNvSpPr/>
+          <p:cNvPr id="2" name="标题 1"/>
+          <p:cNvSpPr>
+            <a:spLocks noGrp="1"/>
+          </p:cNvSpPr>
+          <p:nvPr>
+            <p:ph type="title"/>
+          </p:nvPr>
+        </p:nvSpPr>
+        <p:spPr/>
+        <p:txBody>
+          <a:bodyPr/>
+          <a:p>
+            <a:r>
+              <a:rPr lang="zh-CN" altLang="en-US"/>
+              <a:t>双向链表</a:t>
+            </a:r>
+            <a:r>
+              <a:rPr lang="en-US" altLang="zh-CN"/>
+              <a:t>——</a:t>
+            </a:r>
+            <a:r>
+              <a:rPr lang="zh-CN" altLang="en-US"/>
+              <a:t>链表头插入节点</a:t>
+            </a:r>
+            <a:endParaRPr lang="zh-CN" altLang="en-US"/>
+          </a:p>
+        </p:txBody>
+      </p:sp>
+      <p:pic>
+        <p:nvPicPr>
+          <p:cNvPr id="3" name="图片 2"/>
+          <p:cNvPicPr>
+            <a:picLocks noChangeAspect="1"/>
+          </p:cNvPicPr>
           <p:nvPr>
             <p:custDataLst>
               <p:tags r:id="rId1"/>
             </p:custDataLst>
           </p:nvPr>
-        </p:nvSpPr>
+        </p:nvPicPr>
+        <p:blipFill>
+          <a:blip r:embed="rId2"/>
+          <a:stretch>
+            <a:fillRect/>
+          </a:stretch>
+        </p:blipFill>
         <p:spPr>
           <a:xfrm>
-            <a:off x="1712595" y="2249805"/>
-            <a:ext cx="977900" cy="1367155"/>
+            <a:off x="544830" y="1644650"/>
+            <a:ext cx="4464050" cy="2216150"/>
           </a:xfrm>
           <a:prstGeom prst="rect">
             <a:avLst/>
           </a:prstGeom>
-          <a:ln>
-            <a:solidFill>
-              <a:schemeClr val="tx1"/>
-            </a:solidFill>
-          </a:ln>
         </p:spPr>
-        <p:style>
-          <a:lnRef idx="2">
-            <a:schemeClr val="accent6"/>
-          </a:lnRef>
-          <a:fillRef idx="1">
-            <a:schemeClr val="lt1"/>
-          </a:fillRef>
-          <a:effectRef idx="0">
-            <a:schemeClr val="accent6"/>
-          </a:effectRef>
-          <a:fontRef idx="minor">
-            <a:schemeClr val="dk1"/>
-          </a:fontRef>
-        </p:style>
-        <p:txBody>
-          <a:bodyPr rtlCol="0" anchor="ctr"/>
-          <a:p>
-            <a:pPr algn="ctr"/>
-            <a:endParaRPr lang="zh-CN" altLang="en-US"/>
-          </a:p>
-        </p:txBody>
-      </p:sp>
-      <p:cxnSp>
-        <p:nvCxnSpPr>
-          <p:cNvPr id="5" name="直接连接符 4"/>
-          <p:cNvCxnSpPr>
-            <a:stCxn id="4" idx="1"/>
-            <a:endCxn id="4" idx="3"/>
-          </p:cNvCxnSpPr>
-          <p:nvPr>
-            <p:custDataLst>
-              <p:tags r:id="rId2"/>
-            </p:custDataLst>
-          </p:nvPr>
-        </p:nvCxnSpPr>
+      </p:pic>
+      <p:pic>
+        <p:nvPicPr>
+          <p:cNvPr id="4" name="图片 3"/>
+          <p:cNvPicPr>
+            <a:picLocks noChangeAspect="1"/>
+          </p:cNvPicPr>
+          <p:nvPr>
+            <p:custDataLst>
+              <p:tags r:id="rId3"/>
+            </p:custDataLst>
+          </p:nvPr>
+        </p:nvPicPr>
+        <p:blipFill>
+          <a:blip r:embed="rId4"/>
+          <a:stretch>
+            <a:fillRect/>
+          </a:stretch>
+        </p:blipFill>
         <p:spPr>
           <a:xfrm>
-            <a:off x="1712595" y="2933700"/>
-            <a:ext cx="977900" cy="0"/>
+            <a:off x="5653405" y="1223010"/>
+            <a:ext cx="6965950" cy="3219450"/>
           </a:xfrm>
-          <a:prstGeom prst="line">
+          <a:prstGeom prst="rect">
             <a:avLst/>
           </a:prstGeom>
         </p:spPr>
-        <p:style>
-          <a:lnRef idx="1">
-            <a:schemeClr val="dk1"/>
-          </a:lnRef>
-          <a:fillRef idx="0">
-            <a:schemeClr val="dk1"/>
-          </a:fillRef>
-          <a:effectRef idx="0">
-            <a:schemeClr val="dk1"/>
-          </a:effectRef>
-          <a:fontRef idx="minor">
-            <a:schemeClr val="tx1"/>
-          </a:fontRef>
-        </p:style>
-      </p:cxnSp>
+      </p:pic>
+    </p:spTree>
+    <p:custDataLst>
+      <p:tags r:id="rId5"/>
+    </p:custDataLst>
+  </p:cSld>
+  <p:clrMapOvr>
+    <a:masterClrMapping/>
+  </p:clrMapOvr>
+</p:sld>
+</file>
+
+<file path=ppt/slides/slide6.xml><?xml version="1.0" encoding="utf-8"?>
+<p:sld xmlns:a="http://schemas.openxmlformats.org/drawingml/2006/main" xmlns:r="http://schemas.openxmlformats.org/officeDocument/2006/relationships" xmlns:p="http://schemas.openxmlformats.org/presentationml/2006/main">
+  <p:cSld>
+    <p:bg>
+      <p:bgPr>
+        <a:noFill/>
+        <a:effectLst/>
+      </p:bgPr>
+    </p:bg>
+    <p:spTree>
+      <p:nvGrpSpPr>
+        <p:cNvPr id="1" name=""/>
+        <p:cNvGrpSpPr/>
+        <p:nvPr/>
+      </p:nvGrpSpPr>
+      <p:grpSpPr/>
       <p:sp>
         <p:nvSpPr>
-          <p:cNvPr id="6" name="文本框 5"/>
+          <p:cNvPr id="2" name="标题 1"/>
+          <p:cNvSpPr>
+            <a:spLocks noGrp="1"/>
+          </p:cNvSpPr>
+          <p:nvPr>
+            <p:ph type="title"/>
+          </p:nvPr>
+        </p:nvSpPr>
+        <p:spPr/>
+        <p:txBody>
+          <a:bodyPr/>
+          <a:p>
+            <a:r>
+              <a:rPr lang="zh-CN" altLang="en-US"/>
+              <a:t>双向链表</a:t>
+            </a:r>
+            <a:r>
+              <a:rPr lang="en-US" altLang="zh-CN"/>
+              <a:t>——</a:t>
+            </a:r>
+            <a:r>
+              <a:rPr lang="zh-CN" altLang="en-US"/>
+              <a:t>链表尾插入节点</a:t>
+            </a:r>
+            <a:endParaRPr lang="zh-CN" altLang="en-US"/>
+          </a:p>
+        </p:txBody>
+      </p:sp>
+      <p:pic>
+        <p:nvPicPr>
+          <p:cNvPr id="5" name="图片 4"/>
+          <p:cNvPicPr>
+            <a:picLocks noChangeAspect="1"/>
+          </p:cNvPicPr>
+          <p:nvPr>
+            <p:custDataLst>
+              <p:tags r:id="rId1"/>
+            </p:custDataLst>
+          </p:nvPr>
+        </p:nvPicPr>
+        <p:blipFill>
+          <a:blip r:embed="rId2"/>
+          <a:stretch>
+            <a:fillRect/>
+          </a:stretch>
+        </p:blipFill>
+        <p:spPr>
+          <a:xfrm>
+            <a:off x="648970" y="1762760"/>
+            <a:ext cx="4540250" cy="1974850"/>
+          </a:xfrm>
+          <a:prstGeom prst="rect">
+            <a:avLst/>
+          </a:prstGeom>
+        </p:spPr>
+      </p:pic>
+    </p:spTree>
+    <p:custDataLst>
+      <p:tags r:id="rId3"/>
+    </p:custDataLst>
+  </p:cSld>
+  <p:clrMapOvr>
+    <a:masterClrMapping/>
+  </p:clrMapOvr>
+</p:sld>
+</file>
+
+<file path=ppt/slides/slide7.xml><?xml version="1.0" encoding="utf-8"?>
+<p:sld xmlns:a="http://schemas.openxmlformats.org/drawingml/2006/main" xmlns:r="http://schemas.openxmlformats.org/officeDocument/2006/relationships" xmlns:p="http://schemas.openxmlformats.org/presentationml/2006/main">
+  <p:cSld>
+    <p:bg>
+      <p:bgPr>
+        <a:noFill/>
+        <a:effectLst/>
+      </p:bgPr>
+    </p:bg>
+    <p:spTree>
+      <p:nvGrpSpPr>
+        <p:cNvPr id="1" name=""/>
+        <p:cNvGrpSpPr/>
+        <p:nvPr/>
+      </p:nvGrpSpPr>
+      <p:grpSpPr/>
+      <p:sp>
+        <p:nvSpPr>
+          <p:cNvPr id="2" name="标题 1"/>
+          <p:cNvSpPr>
+            <a:spLocks noGrp="1"/>
+          </p:cNvSpPr>
+          <p:nvPr>
+            <p:ph type="title"/>
+          </p:nvPr>
+        </p:nvSpPr>
+        <p:spPr/>
+        <p:txBody>
+          <a:bodyPr/>
+          <a:p>
+            <a:r>
+              <a:rPr lang="zh-CN" altLang="en-US"/>
+              <a:t>获取宿主结构</a:t>
+            </a:r>
+            <a:endParaRPr lang="zh-CN" altLang="en-US"/>
+          </a:p>
+        </p:txBody>
+      </p:sp>
+      <p:pic>
+        <p:nvPicPr>
+          <p:cNvPr id="4" name="图片 3"/>
+          <p:cNvPicPr>
+            <a:picLocks noChangeAspect="1"/>
+          </p:cNvPicPr>
+          <p:nvPr>
+            <p:custDataLst>
+              <p:tags r:id="rId1"/>
+            </p:custDataLst>
+          </p:nvPr>
+        </p:nvPicPr>
+        <p:blipFill>
+          <a:blip r:embed="rId2"/>
+          <a:stretch>
+            <a:fillRect/>
+          </a:stretch>
+        </p:blipFill>
+        <p:spPr>
+          <a:xfrm>
+            <a:off x="660400" y="1747520"/>
+            <a:ext cx="3517900" cy="952500"/>
+          </a:xfrm>
+          <a:prstGeom prst="rect">
+            <a:avLst/>
+          </a:prstGeom>
+        </p:spPr>
+      </p:pic>
+      <p:pic>
+        <p:nvPicPr>
+          <p:cNvPr id="5" name="图片 4"/>
+          <p:cNvPicPr>
+            <a:picLocks noChangeAspect="1"/>
+          </p:cNvPicPr>
+          <p:nvPr>
+            <p:custDataLst>
+              <p:tags r:id="rId3"/>
+            </p:custDataLst>
+          </p:nvPr>
+        </p:nvPicPr>
+        <p:blipFill>
+          <a:blip r:embed="rId4"/>
+          <a:stretch>
+            <a:fillRect/>
+          </a:stretch>
+        </p:blipFill>
+        <p:spPr>
+          <a:xfrm>
+            <a:off x="5340985" y="1511935"/>
+            <a:ext cx="2762250" cy="1263650"/>
+          </a:xfrm>
+          <a:prstGeom prst="rect">
+            <a:avLst/>
+          </a:prstGeom>
+        </p:spPr>
+      </p:pic>
+      <p:pic>
+        <p:nvPicPr>
+          <p:cNvPr id="6" name="图片 5"/>
+          <p:cNvPicPr>
+            <a:picLocks noChangeAspect="1"/>
+          </p:cNvPicPr>
+          <p:nvPr>
+            <p:custDataLst>
+              <p:tags r:id="rId5"/>
+            </p:custDataLst>
+          </p:nvPr>
+        </p:nvPicPr>
+        <p:blipFill>
+          <a:blip r:embed="rId6"/>
+          <a:stretch>
+            <a:fillRect/>
+          </a:stretch>
+        </p:blipFill>
+        <p:spPr>
+          <a:xfrm>
+            <a:off x="608330" y="3653790"/>
+            <a:ext cx="7600950" cy="819150"/>
+          </a:xfrm>
+          <a:prstGeom prst="rect">
+            <a:avLst/>
+          </a:prstGeom>
+        </p:spPr>
+      </p:pic>
+      <p:sp>
+        <p:nvSpPr>
+          <p:cNvPr id="3" name="文本框 2"/>
           <p:cNvSpPr txBox="1"/>
-          <p:nvPr>
-            <p:custDataLst>
-              <p:tags r:id="rId3"/>
-            </p:custDataLst>
-          </p:nvPr>
+          <p:nvPr/>
         </p:nvSpPr>
         <p:spPr>
           <a:xfrm>
-            <a:off x="1863725" y="2419985"/>
-            <a:ext cx="650240" cy="368300"/>
+            <a:off x="5398135" y="5140325"/>
+            <a:ext cx="1823085" cy="368300"/>
           </a:xfrm>
           <a:prstGeom prst="rect">
             <a:avLst/>
@@ -4209,59 +7372,436 @@
           <a:p>
             <a:r>
               <a:rPr lang="en-US" altLang="zh-CN"/>
-              <a:t>next</a:t>
+              <a:t>container_of</a:t>
             </a:r>
             <a:endParaRPr lang="en-US" altLang="zh-CN"/>
           </a:p>
         </p:txBody>
       </p:sp>
+      <mc:AlternateContent xmlns:mc="http://schemas.openxmlformats.org/markup-compatibility/2006" xmlns:p14="http://schemas.microsoft.com/office/powerpoint/2010/main">
+        <mc:Choice Requires="p14">
+          <p:contentPart r:id="rId7" p14:bwMode="auto">
+            <p14:nvContentPartPr>
+              <p14:cNvPr id="11" name="墨迹 10"/>
+              <p14:cNvContentPartPr/>
+              <p14:nvPr/>
+            </p14:nvContentPartPr>
+            <p14:xfrm>
+              <a:off x="3644900" y="1870075"/>
+              <a:ext cx="6985" cy="635"/>
+            </p14:xfrm>
+          </p:contentPart>
+        </mc:Choice>
+        <mc:Fallback xmlns="">
+          <p:pic>
+            <p:nvPicPr>
+              <p:cNvPr id="11" name="墨迹 10"/>
+            </p:nvPicPr>
+            <p:blipFill>
+              <a:blip r:embed="rId8"/>
+            </p:blipFill>
+            <p:spPr>
+              <a:xfrm>
+                <a:off x="3644900" y="1870075"/>
+                <a:ext cx="6985" cy="635"/>
+              </a:xfrm>
+              <a:prstGeom prst="rect"/>
+            </p:spPr>
+          </p:pic>
+        </mc:Fallback>
+      </mc:AlternateContent>
+      <mc:AlternateContent xmlns:mc="http://schemas.openxmlformats.org/markup-compatibility/2006" xmlns:p14="http://schemas.microsoft.com/office/powerpoint/2010/main">
+        <mc:Choice Requires="p14">
+          <p:contentPart r:id="rId9" p14:bwMode="auto">
+            <p14:nvContentPartPr>
+              <p14:cNvPr id="14" name="墨迹 13"/>
+              <p14:cNvContentPartPr/>
+              <p14:nvPr/>
+            </p14:nvContentPartPr>
+            <p14:xfrm>
+              <a:off x="3771900" y="4264025"/>
+              <a:ext cx="19685" cy="635"/>
+            </p14:xfrm>
+          </p:contentPart>
+        </mc:Choice>
+        <mc:Fallback xmlns="">
+          <p:pic>
+            <p:nvPicPr>
+              <p:cNvPr id="14" name="墨迹 13"/>
+            </p:nvPicPr>
+            <p:blipFill>
+              <a:blip r:embed="rId10"/>
+            </p:blipFill>
+            <p:spPr>
+              <a:xfrm>
+                <a:off x="3771900" y="4264025"/>
+                <a:ext cx="19685" cy="635"/>
+              </a:xfrm>
+              <a:prstGeom prst="rect"/>
+            </p:spPr>
+          </p:pic>
+        </mc:Fallback>
+      </mc:AlternateContent>
+      <mc:AlternateContent xmlns:mc="http://schemas.openxmlformats.org/markup-compatibility/2006" xmlns:p14="http://schemas.microsoft.com/office/powerpoint/2010/main">
+        <mc:Choice Requires="p14">
+          <p:contentPart r:id="rId11" p14:bwMode="auto">
+            <p14:nvContentPartPr>
+              <p14:cNvPr id="15" name="墨迹 14"/>
+              <p14:cNvContentPartPr/>
+              <p14:nvPr/>
+            </p14:nvContentPartPr>
+            <p14:xfrm>
+              <a:off x="3740150" y="4257675"/>
+              <a:ext cx="51435" cy="13335"/>
+            </p14:xfrm>
+          </p:contentPart>
+        </mc:Choice>
+        <mc:Fallback xmlns="">
+          <p:pic>
+            <p:nvPicPr>
+              <p:cNvPr id="15" name="墨迹 14"/>
+            </p:nvPicPr>
+            <p:blipFill>
+              <a:blip r:embed="rId12"/>
+            </p:blipFill>
+            <p:spPr>
+              <a:xfrm>
+                <a:off x="3740150" y="4257675"/>
+                <a:ext cx="51435" cy="13335"/>
+              </a:xfrm>
+              <a:prstGeom prst="rect"/>
+            </p:spPr>
+          </p:pic>
+        </mc:Fallback>
+      </mc:AlternateContent>
+      <mc:AlternateContent xmlns:mc="http://schemas.openxmlformats.org/markup-compatibility/2006" xmlns:p14="http://schemas.microsoft.com/office/powerpoint/2010/main">
+        <mc:Choice Requires="p14">
+          <p:contentPart r:id="rId13" p14:bwMode="auto">
+            <p14:nvContentPartPr>
+              <p14:cNvPr id="16" name="墨迹 15"/>
+              <p14:cNvContentPartPr/>
+              <p14:nvPr/>
+            </p14:nvContentPartPr>
+            <p14:xfrm>
+              <a:off x="2774950" y="4251325"/>
+              <a:ext cx="1042035" cy="57785"/>
+            </p14:xfrm>
+          </p:contentPart>
+        </mc:Choice>
+        <mc:Fallback xmlns="">
+          <p:pic>
+            <p:nvPicPr>
+              <p:cNvPr id="16" name="墨迹 15"/>
+            </p:nvPicPr>
+            <p:blipFill>
+              <a:blip r:embed="rId14"/>
+            </p:blipFill>
+            <p:spPr>
+              <a:xfrm>
+                <a:off x="2774950" y="4251325"/>
+                <a:ext cx="1042035" cy="57785"/>
+              </a:xfrm>
+              <a:prstGeom prst="rect"/>
+            </p:spPr>
+          </p:pic>
+        </mc:Fallback>
+      </mc:AlternateContent>
+      <mc:AlternateContent xmlns:mc="http://schemas.openxmlformats.org/markup-compatibility/2006" xmlns:p14="http://schemas.microsoft.com/office/powerpoint/2010/main">
+        <mc:Choice Requires="p14">
+          <p:contentPart r:id="rId15" p14:bwMode="auto">
+            <p14:nvContentPartPr>
+              <p14:cNvPr id="17" name="墨迹 16"/>
+              <p14:cNvContentPartPr/>
+              <p14:nvPr/>
+            </p14:nvContentPartPr>
+            <p14:xfrm>
+              <a:off x="7296150" y="2352675"/>
+              <a:ext cx="438785" cy="38735"/>
+            </p14:xfrm>
+          </p:contentPart>
+        </mc:Choice>
+        <mc:Fallback xmlns="">
+          <p:pic>
+            <p:nvPicPr>
+              <p:cNvPr id="17" name="墨迹 16"/>
+            </p:nvPicPr>
+            <p:blipFill>
+              <a:blip r:embed="rId16"/>
+            </p:blipFill>
+            <p:spPr>
+              <a:xfrm>
+                <a:off x="7296150" y="2352675"/>
+                <a:ext cx="438785" cy="38735"/>
+              </a:xfrm>
+              <a:prstGeom prst="rect"/>
+            </p:spPr>
+          </p:pic>
+        </mc:Fallback>
+      </mc:AlternateContent>
+      <mc:AlternateContent xmlns:mc="http://schemas.openxmlformats.org/markup-compatibility/2006" xmlns:p14="http://schemas.microsoft.com/office/powerpoint/2010/main">
+        <mc:Choice Requires="p14">
+          <p:contentPart r:id="rId17" p14:bwMode="auto">
+            <p14:nvContentPartPr>
+              <p14:cNvPr id="18" name="墨迹 17"/>
+              <p14:cNvContentPartPr/>
+              <p14:nvPr/>
+            </p14:nvContentPartPr>
+            <p14:xfrm>
+              <a:off x="7461250" y="2435225"/>
+              <a:ext cx="140335" cy="1537335"/>
+            </p14:xfrm>
+          </p:contentPart>
+        </mc:Choice>
+        <mc:Fallback xmlns="">
+          <p:pic>
+            <p:nvPicPr>
+              <p:cNvPr id="18" name="墨迹 17"/>
+            </p:nvPicPr>
+            <p:blipFill>
+              <a:blip r:embed="rId18"/>
+            </p:blipFill>
+            <p:spPr>
+              <a:xfrm>
+                <a:off x="7461250" y="2435225"/>
+                <a:ext cx="140335" cy="1537335"/>
+              </a:xfrm>
+              <a:prstGeom prst="rect"/>
+            </p:spPr>
+          </p:pic>
+        </mc:Fallback>
+      </mc:AlternateContent>
+      <mc:AlternateContent xmlns:mc="http://schemas.openxmlformats.org/markup-compatibility/2006" xmlns:p14="http://schemas.microsoft.com/office/powerpoint/2010/main">
+        <mc:Choice Requires="p14">
+          <p:contentPart r:id="rId19" p14:bwMode="auto">
+            <p14:nvContentPartPr>
+              <p14:cNvPr id="19" name="墨迹 18"/>
+              <p14:cNvContentPartPr/>
+              <p14:nvPr/>
+            </p14:nvContentPartPr>
+            <p14:xfrm>
+              <a:off x="7385050" y="3857625"/>
+              <a:ext cx="241935" cy="203835"/>
+            </p14:xfrm>
+          </p:contentPart>
+        </mc:Choice>
+        <mc:Fallback xmlns="">
+          <p:pic>
+            <p:nvPicPr>
+              <p:cNvPr id="19" name="墨迹 18"/>
+            </p:nvPicPr>
+            <p:blipFill>
+              <a:blip r:embed="rId20"/>
+            </p:blipFill>
+            <p:spPr>
+              <a:xfrm>
+                <a:off x="7385050" y="3857625"/>
+                <a:ext cx="241935" cy="203835"/>
+              </a:xfrm>
+              <a:prstGeom prst="rect"/>
+            </p:spPr>
+          </p:pic>
+        </mc:Fallback>
+      </mc:AlternateContent>
+      <mc:AlternateContent xmlns:mc="http://schemas.openxmlformats.org/markup-compatibility/2006" xmlns:p14="http://schemas.microsoft.com/office/powerpoint/2010/main">
+        <mc:Choice Requires="p14">
+          <p:contentPart r:id="rId21" p14:bwMode="auto">
+            <p14:nvContentPartPr>
+              <p14:cNvPr id="20" name="墨迹 19"/>
+              <p14:cNvContentPartPr/>
+              <p14:nvPr/>
+            </p14:nvContentPartPr>
+            <p14:xfrm>
+              <a:off x="3625850" y="4321175"/>
+              <a:ext cx="1708785" cy="870585"/>
+            </p14:xfrm>
+          </p:contentPart>
+        </mc:Choice>
+        <mc:Fallback xmlns="">
+          <p:pic>
+            <p:nvPicPr>
+              <p:cNvPr id="20" name="墨迹 19"/>
+            </p:nvPicPr>
+            <p:blipFill>
+              <a:blip r:embed="rId22"/>
+            </p:blipFill>
+            <p:spPr>
+              <a:xfrm>
+                <a:off x="3625850" y="4321175"/>
+                <a:ext cx="1708785" cy="870585"/>
+              </a:xfrm>
+              <a:prstGeom prst="rect"/>
+            </p:spPr>
+          </p:pic>
+        </mc:Fallback>
+      </mc:AlternateContent>
+      <mc:AlternateContent xmlns:mc="http://schemas.openxmlformats.org/markup-compatibility/2006" xmlns:p14="http://schemas.microsoft.com/office/powerpoint/2010/main">
+        <mc:Choice Requires="p14">
+          <p:contentPart r:id="rId23" p14:bwMode="auto">
+            <p14:nvContentPartPr>
+              <p14:cNvPr id="21" name="墨迹 20"/>
+              <p14:cNvContentPartPr/>
+              <p14:nvPr/>
+            </p14:nvContentPartPr>
+            <p14:xfrm>
+              <a:off x="5067300" y="5083175"/>
+              <a:ext cx="311785" cy="286385"/>
+            </p14:xfrm>
+          </p:contentPart>
+        </mc:Choice>
+        <mc:Fallback xmlns="">
+          <p:pic>
+            <p:nvPicPr>
+              <p:cNvPr id="21" name="墨迹 20"/>
+            </p:nvPicPr>
+            <p:blipFill>
+              <a:blip r:embed="rId24"/>
+            </p:blipFill>
+            <p:spPr>
+              <a:xfrm>
+                <a:off x="5067300" y="5083175"/>
+                <a:ext cx="311785" cy="286385"/>
+              </a:xfrm>
+              <a:prstGeom prst="rect"/>
+            </p:spPr>
+          </p:pic>
+        </mc:Fallback>
+      </mc:AlternateContent>
+      <mc:AlternateContent xmlns:mc="http://schemas.openxmlformats.org/markup-compatibility/2006" xmlns:p14="http://schemas.microsoft.com/office/powerpoint/2010/main">
+        <mc:Choice Requires="p14">
+          <p:contentPart r:id="rId25" p14:bwMode="auto">
+            <p14:nvContentPartPr>
+              <p14:cNvPr id="22" name="墨迹 21"/>
+              <p14:cNvContentPartPr/>
+              <p14:nvPr/>
+            </p14:nvContentPartPr>
+            <p14:xfrm>
+              <a:off x="5492750" y="5445125"/>
+              <a:ext cx="1403985" cy="83185"/>
+            </p14:xfrm>
+          </p:contentPart>
+        </mc:Choice>
+        <mc:Fallback xmlns="">
+          <p:pic>
+            <p:nvPicPr>
+              <p:cNvPr id="22" name="墨迹 21"/>
+            </p:nvPicPr>
+            <p:blipFill>
+              <a:blip r:embed="rId26"/>
+            </p:blipFill>
+            <p:spPr>
+              <a:xfrm>
+                <a:off x="5492750" y="5445125"/>
+                <a:ext cx="1403985" cy="83185"/>
+              </a:xfrm>
+              <a:prstGeom prst="rect"/>
+            </p:spPr>
+          </p:pic>
+        </mc:Fallback>
+      </mc:AlternateContent>
+    </p:spTree>
+    <p:custDataLst>
+      <p:tags r:id="rId27"/>
+    </p:custDataLst>
+  </p:cSld>
+  <p:clrMapOvr>
+    <a:masterClrMapping/>
+  </p:clrMapOvr>
+</p:sld>
+</file>
+
+<file path=ppt/slides/slide8.xml><?xml version="1.0" encoding="utf-8"?>
+<p:sld xmlns:a="http://schemas.openxmlformats.org/drawingml/2006/main" xmlns:r="http://schemas.openxmlformats.org/officeDocument/2006/relationships" xmlns:p="http://schemas.openxmlformats.org/presentationml/2006/main">
+  <p:cSld>
+    <p:bg>
+      <p:bgPr>
+        <a:noFill/>
+        <a:effectLst/>
+      </p:bgPr>
+    </p:bg>
+    <p:spTree>
+      <p:nvGrpSpPr>
+        <p:cNvPr id="1" name=""/>
+        <p:cNvGrpSpPr/>
+        <p:nvPr/>
+      </p:nvGrpSpPr>
+      <p:grpSpPr/>
       <p:sp>
         <p:nvSpPr>
-          <p:cNvPr id="7" name="文本框 6"/>
-          <p:cNvSpPr txBox="1"/>
-          <p:nvPr>
-            <p:custDataLst>
-              <p:tags r:id="rId4"/>
-            </p:custDataLst>
+          <p:cNvPr id="2" name="标题 1"/>
+          <p:cNvSpPr>
+            <a:spLocks noGrp="1"/>
+          </p:cNvSpPr>
+          <p:nvPr>
+            <p:ph type="title"/>
           </p:nvPr>
         </p:nvSpPr>
+        <p:spPr/>
+        <p:txBody>
+          <a:bodyPr/>
+          <a:p>
+            <a:r>
+              <a:rPr lang="zh-CN" altLang="en-US">
+                <a:sym typeface="+mn-ea"/>
+              </a:rPr>
+              <a:t>双向链表</a:t>
+            </a:r>
+            <a:r>
+              <a:rPr lang="en-US" altLang="zh-CN">
+                <a:sym typeface="+mn-ea"/>
+              </a:rPr>
+              <a:t>——</a:t>
+            </a:r>
+            <a:r>
+              <a:rPr lang="zh-CN" altLang="en-US">
+                <a:sym typeface="+mn-ea"/>
+              </a:rPr>
+              <a:t>删除节点</a:t>
+            </a:r>
+            <a:endParaRPr lang="zh-CN" altLang="en-US">
+              <a:sym typeface="+mn-ea"/>
+            </a:endParaRPr>
+          </a:p>
+        </p:txBody>
+      </p:sp>
+      <p:pic>
+        <p:nvPicPr>
+          <p:cNvPr id="4" name="内容占位符 3"/>
+          <p:cNvPicPr>
+            <a:picLocks noChangeAspect="1"/>
+          </p:cNvPicPr>
+          <p:nvPr>
+            <p:ph idx="1"/>
+            <p:custDataLst>
+              <p:tags r:id="rId1"/>
+            </p:custDataLst>
+          </p:nvPr>
+        </p:nvPicPr>
+        <p:blipFill>
+          <a:blip r:embed="rId2"/>
+          <a:stretch>
+            <a:fillRect/>
+          </a:stretch>
+        </p:blipFill>
         <p:spPr>
           <a:xfrm>
-            <a:off x="1863725" y="3079115"/>
-            <a:ext cx="650240" cy="368300"/>
+            <a:off x="857885" y="1925955"/>
+            <a:ext cx="2724150" cy="800100"/>
           </a:xfrm>
           <a:prstGeom prst="rect">
             <a:avLst/>
           </a:prstGeom>
-          <a:noFill/>
         </p:spPr>
-        <p:txBody>
-          <a:bodyPr wrap="square" rtlCol="0">
-            <a:spAutoFit/>
-          </a:bodyPr>
-          <a:p>
-            <a:r>
-              <a:rPr lang="en-US" altLang="zh-CN"/>
-              <a:t>pre</a:t>
-            </a:r>
-            <a:endParaRPr lang="en-US" altLang="zh-CN"/>
-          </a:p>
-        </p:txBody>
-      </p:sp>
+      </p:pic>
       <p:sp>
         <p:nvSpPr>
-          <p:cNvPr id="10" name="文本框 9"/>
+          <p:cNvPr id="3" name="文本框 2"/>
           <p:cNvSpPr txBox="1"/>
-          <p:nvPr>
-            <p:custDataLst>
-              <p:tags r:id="rId5"/>
-            </p:custDataLst>
-          </p:nvPr>
+          <p:nvPr/>
         </p:nvSpPr>
         <p:spPr>
           <a:xfrm>
-            <a:off x="1802130" y="741680"/>
-            <a:ext cx="799465" cy="368300"/>
+            <a:off x="857885" y="3208655"/>
+            <a:ext cx="6096000" cy="922020"/>
           </a:xfrm>
           <a:prstGeom prst="rect">
             <a:avLst/>
@@ -4275,720 +7815,426 @@
           <a:p>
             <a:r>
               <a:rPr lang="zh-CN" altLang="en-US"/>
-              <a:t>head</a:t>
+              <a:t>list_del(struct list_head *entry) 接口可以删除链表中的任意节点，但需注意，前提条件是这个节点是已知的，既在链表中真实存在，prev，next 指针都不为 NULL。</a:t>
             </a:r>
             <a:endParaRPr lang="zh-CN" altLang="en-US"/>
           </a:p>
         </p:txBody>
       </p:sp>
+      <mc:AlternateContent xmlns:mc="http://schemas.openxmlformats.org/markup-compatibility/2006" xmlns:p14="http://schemas.microsoft.com/office/powerpoint/2010/main">
+        <mc:Choice Requires="p14">
+          <p:contentPart r:id="rId3" p14:bwMode="auto">
+            <p14:nvContentPartPr>
+              <p14:cNvPr id="5" name="墨迹 4"/>
+              <p14:cNvContentPartPr/>
+              <p14:nvPr/>
+            </p14:nvContentPartPr>
+            <p14:xfrm>
+              <a:off x="3822700" y="1317625"/>
+              <a:ext cx="2140585" cy="108585"/>
+            </p14:xfrm>
+          </p:contentPart>
+        </mc:Choice>
+        <mc:Fallback xmlns="">
+          <p:pic>
+            <p:nvPicPr>
+              <p:cNvPr id="5" name="墨迹 4"/>
+            </p:nvPicPr>
+            <p:blipFill>
+              <a:blip r:embed="rId4"/>
+            </p:blipFill>
+            <p:spPr>
+              <a:xfrm>
+                <a:off x="3822700" y="1317625"/>
+                <a:ext cx="2140585" cy="108585"/>
+              </a:xfrm>
+              <a:prstGeom prst="rect"/>
+            </p:spPr>
+          </p:pic>
+        </mc:Fallback>
+      </mc:AlternateContent>
+      <mc:AlternateContent xmlns:mc="http://schemas.openxmlformats.org/markup-compatibility/2006" xmlns:p14="http://schemas.microsoft.com/office/powerpoint/2010/main">
+        <mc:Choice Requires="p14">
+          <p:contentPart r:id="rId5" p14:bwMode="auto">
+            <p14:nvContentPartPr>
+              <p14:cNvPr id="6" name="墨迹 5"/>
+              <p14:cNvContentPartPr/>
+              <p14:nvPr/>
+            </p14:nvContentPartPr>
+            <p14:xfrm>
+              <a:off x="1060450" y="2619375"/>
+              <a:ext cx="2356485" cy="83185"/>
+            </p14:xfrm>
+          </p:contentPart>
+        </mc:Choice>
+        <mc:Fallback xmlns="">
+          <p:pic>
+            <p:nvPicPr>
+              <p:cNvPr id="6" name="墨迹 5"/>
+            </p:nvPicPr>
+            <p:blipFill>
+              <a:blip r:embed="rId6"/>
+            </p:blipFill>
+            <p:spPr>
+              <a:xfrm>
+                <a:off x="1060450" y="2619375"/>
+                <a:ext cx="2356485" cy="83185"/>
+              </a:xfrm>
+              <a:prstGeom prst="rect"/>
+            </p:spPr>
+          </p:pic>
+        </mc:Fallback>
+      </mc:AlternateContent>
+    </p:spTree>
+    <p:custDataLst>
+      <p:tags r:id="rId7"/>
+    </p:custDataLst>
+  </p:cSld>
+  <p:clrMapOvr>
+    <a:masterClrMapping/>
+  </p:clrMapOvr>
+</p:sld>
+</file>
+
+<file path=ppt/slides/slide9.xml><?xml version="1.0" encoding="utf-8"?>
+<p:sld xmlns:a="http://schemas.openxmlformats.org/drawingml/2006/main" xmlns:r="http://schemas.openxmlformats.org/officeDocument/2006/relationships" xmlns:p="http://schemas.openxmlformats.org/presentationml/2006/main">
+  <p:cSld>
+    <p:bg>
+      <p:bgPr>
+        <a:noFill/>
+        <a:effectLst/>
+      </p:bgPr>
+    </p:bg>
+    <p:spTree>
+      <p:nvGrpSpPr>
+        <p:cNvPr id="1" name=""/>
+        <p:cNvGrpSpPr/>
+        <p:nvPr/>
+      </p:nvGrpSpPr>
+      <p:grpSpPr/>
       <p:sp>
         <p:nvSpPr>
-          <p:cNvPr id="11" name="矩形 10"/>
-          <p:cNvSpPr/>
-          <p:nvPr>
-            <p:custDataLst>
-              <p:tags r:id="rId6"/>
-            </p:custDataLst>
+          <p:cNvPr id="2" name="标题 1"/>
+          <p:cNvSpPr>
+            <a:spLocks noGrp="1"/>
+          </p:cNvSpPr>
+          <p:nvPr>
+            <p:ph type="title"/>
           </p:nvPr>
         </p:nvSpPr>
+        <p:spPr/>
+        <p:txBody>
+          <a:bodyPr/>
+          <a:p>
+            <a:r>
+              <a:rPr lang="zh-CN" altLang="en-US">
+                <a:sym typeface="+mn-ea"/>
+              </a:rPr>
+              <a:t>双向链表</a:t>
+            </a:r>
+            <a:r>
+              <a:rPr lang="en-US" altLang="zh-CN">
+                <a:sym typeface="+mn-ea"/>
+              </a:rPr>
+              <a:t>——</a:t>
+            </a:r>
+            <a:r>
+              <a:rPr lang="zh-CN" altLang="en-US">
+                <a:sym typeface="+mn-ea"/>
+              </a:rPr>
+              <a:t>链表</a:t>
+            </a:r>
+            <a:r>
+              <a:rPr lang="zh-CN" altLang="en-US">
+                <a:sym typeface="+mn-ea"/>
+              </a:rPr>
+              <a:t>遍历</a:t>
+            </a:r>
+            <a:endParaRPr lang="zh-CN" altLang="en-US">
+              <a:sym typeface="+mn-ea"/>
+            </a:endParaRPr>
+          </a:p>
+        </p:txBody>
+      </p:sp>
+      <p:pic>
+        <p:nvPicPr>
+          <p:cNvPr id="5" name="图片 4"/>
+          <p:cNvPicPr>
+            <a:picLocks noChangeAspect="1"/>
+          </p:cNvPicPr>
+          <p:nvPr>
+            <p:custDataLst>
+              <p:tags r:id="rId1"/>
+            </p:custDataLst>
+          </p:nvPr>
+        </p:nvPicPr>
+        <p:blipFill>
+          <a:blip r:embed="rId2"/>
+          <a:stretch>
+            <a:fillRect/>
+          </a:stretch>
+        </p:blipFill>
         <p:spPr>
           <a:xfrm>
-            <a:off x="4536440" y="1602105"/>
-            <a:ext cx="977900" cy="2014220"/>
+            <a:off x="608330" y="1706880"/>
+            <a:ext cx="2825750" cy="1511300"/>
           </a:xfrm>
           <a:prstGeom prst="rect">
             <a:avLst/>
           </a:prstGeom>
-          <a:ln>
-            <a:solidFill>
-              <a:schemeClr val="tx1"/>
-            </a:solidFill>
-          </a:ln>
         </p:spPr>
-        <p:style>
-          <a:lnRef idx="2">
-            <a:schemeClr val="accent6"/>
-          </a:lnRef>
-          <a:fillRef idx="1">
-            <a:schemeClr val="lt1"/>
-          </a:fillRef>
-          <a:effectRef idx="0">
-            <a:schemeClr val="accent6"/>
-          </a:effectRef>
-          <a:fontRef idx="minor">
-            <a:schemeClr val="dk1"/>
-          </a:fontRef>
-        </p:style>
-        <p:txBody>
-          <a:bodyPr rtlCol="0" anchor="ctr"/>
-          <a:p>
-            <a:pPr algn="ctr"/>
-            <a:endParaRPr lang="zh-CN" altLang="en-US"/>
-          </a:p>
-        </p:txBody>
-      </p:sp>
-      <p:cxnSp>
-        <p:nvCxnSpPr>
-          <p:cNvPr id="12" name="直接连接符 11"/>
-          <p:cNvCxnSpPr/>
-          <p:nvPr>
-            <p:custDataLst>
-              <p:tags r:id="rId7"/>
-            </p:custDataLst>
-          </p:nvPr>
-        </p:nvCxnSpPr>
+      </p:pic>
+      <p:pic>
+        <p:nvPicPr>
+          <p:cNvPr id="6" name="图片 5"/>
+          <p:cNvPicPr>
+            <a:picLocks noChangeAspect="1"/>
+          </p:cNvPicPr>
+          <p:nvPr>
+            <p:custDataLst>
+              <p:tags r:id="rId3"/>
+            </p:custDataLst>
+          </p:nvPr>
+        </p:nvPicPr>
+        <p:blipFill>
+          <a:blip r:embed="rId4"/>
+          <a:stretch>
+            <a:fillRect/>
+          </a:stretch>
+        </p:blipFill>
         <p:spPr>
           <a:xfrm>
-            <a:off x="4536440" y="2861945"/>
-            <a:ext cx="977900" cy="0"/>
-          </a:xfrm>
-          <a:prstGeom prst="line">
-            <a:avLst/>
-          </a:prstGeom>
-        </p:spPr>
-        <p:style>
-          <a:lnRef idx="1">
-            <a:schemeClr val="dk1"/>
-          </a:lnRef>
-          <a:fillRef idx="0">
-            <a:schemeClr val="dk1"/>
-          </a:fillRef>
-          <a:effectRef idx="0">
-            <a:schemeClr val="dk1"/>
-          </a:effectRef>
-          <a:fontRef idx="minor">
-            <a:schemeClr val="tx1"/>
-          </a:fontRef>
-        </p:style>
-      </p:cxnSp>
-      <p:sp>
-        <p:nvSpPr>
-          <p:cNvPr id="13" name="文本框 12"/>
-          <p:cNvSpPr txBox="1"/>
-          <p:nvPr>
-            <p:custDataLst>
-              <p:tags r:id="rId8"/>
-            </p:custDataLst>
-          </p:nvPr>
-        </p:nvSpPr>
-        <p:spPr>
-          <a:xfrm>
-            <a:off x="4700270" y="2416810"/>
-            <a:ext cx="650240" cy="368300"/>
+            <a:off x="608330" y="4112895"/>
+            <a:ext cx="3346450" cy="1276350"/>
           </a:xfrm>
           <a:prstGeom prst="rect">
             <a:avLst/>
           </a:prstGeom>
-          <a:noFill/>
         </p:spPr>
-        <p:txBody>
-          <a:bodyPr wrap="square" rtlCol="0">
-            <a:spAutoFit/>
-          </a:bodyPr>
-          <a:p>
-            <a:r>
-              <a:rPr lang="en-US" altLang="zh-CN"/>
-              <a:t>next</a:t>
-            </a:r>
-            <a:endParaRPr lang="en-US" altLang="zh-CN"/>
-          </a:p>
-        </p:txBody>
-      </p:sp>
-      <p:sp>
-        <p:nvSpPr>
-          <p:cNvPr id="14" name="文本框 13"/>
-          <p:cNvSpPr txBox="1"/>
-          <p:nvPr>
-            <p:custDataLst>
-              <p:tags r:id="rId9"/>
-            </p:custDataLst>
-          </p:nvPr>
-        </p:nvSpPr>
+      </p:pic>
+      <p:pic>
+        <p:nvPicPr>
+          <p:cNvPr id="7" name="图片 6"/>
+          <p:cNvPicPr>
+            <a:picLocks noChangeAspect="1"/>
+          </p:cNvPicPr>
+          <p:nvPr>
+            <p:custDataLst>
+              <p:tags r:id="rId5"/>
+            </p:custDataLst>
+          </p:nvPr>
+        </p:nvPicPr>
+        <p:blipFill>
+          <a:blip r:embed="rId6"/>
+          <a:stretch>
+            <a:fillRect/>
+          </a:stretch>
+        </p:blipFill>
         <p:spPr>
           <a:xfrm>
-            <a:off x="4700270" y="3007360"/>
-            <a:ext cx="650240" cy="368300"/>
+            <a:off x="5854065" y="1706880"/>
+            <a:ext cx="3943350" cy="1708150"/>
           </a:xfrm>
           <a:prstGeom prst="rect">
             <a:avLst/>
           </a:prstGeom>
-          <a:noFill/>
         </p:spPr>
-        <p:txBody>
-          <a:bodyPr wrap="square" rtlCol="0">
-            <a:spAutoFit/>
-          </a:bodyPr>
-          <a:p>
-            <a:r>
-              <a:rPr lang="en-US" altLang="zh-CN"/>
-              <a:t>pre</a:t>
-            </a:r>
-            <a:endParaRPr lang="en-US" altLang="zh-CN"/>
-          </a:p>
-        </p:txBody>
-      </p:sp>
-      <p:cxnSp>
-        <p:nvCxnSpPr>
-          <p:cNvPr id="15" name="直接连接符 14"/>
-          <p:cNvCxnSpPr/>
-          <p:nvPr>
-            <p:custDataLst>
-              <p:tags r:id="rId10"/>
-            </p:custDataLst>
-          </p:nvPr>
-        </p:nvCxnSpPr>
-        <p:spPr>
-          <a:xfrm>
-            <a:off x="4536440" y="2266315"/>
-            <a:ext cx="977900" cy="0"/>
-          </a:xfrm>
-          <a:prstGeom prst="line">
-            <a:avLst/>
-          </a:prstGeom>
-        </p:spPr>
-        <p:style>
-          <a:lnRef idx="1">
-            <a:schemeClr val="dk1"/>
-          </a:lnRef>
-          <a:fillRef idx="0">
-            <a:schemeClr val="dk1"/>
-          </a:fillRef>
-          <a:effectRef idx="0">
-            <a:schemeClr val="dk1"/>
-          </a:effectRef>
-          <a:fontRef idx="minor">
-            <a:schemeClr val="tx1"/>
-          </a:fontRef>
-        </p:style>
-      </p:cxnSp>
-      <p:sp>
-        <p:nvSpPr>
-          <p:cNvPr id="16" name="文本框 15"/>
-          <p:cNvSpPr txBox="1"/>
-          <p:nvPr/>
-        </p:nvSpPr>
-        <p:spPr>
-          <a:xfrm>
-            <a:off x="4700270" y="1747520"/>
-            <a:ext cx="855345" cy="368300"/>
-          </a:xfrm>
-          <a:prstGeom prst="rect">
-            <a:avLst/>
-          </a:prstGeom>
-          <a:noFill/>
-        </p:spPr>
-        <p:txBody>
-          <a:bodyPr wrap="square" rtlCol="0">
-            <a:spAutoFit/>
-          </a:bodyPr>
-          <a:p>
-            <a:r>
-              <a:rPr lang="en-US" altLang="zh-CN"/>
-              <a:t>val:2</a:t>
-            </a:r>
-            <a:endParaRPr lang="en-US" altLang="zh-CN"/>
-          </a:p>
-        </p:txBody>
-      </p:sp>
-      <p:cxnSp>
-        <p:nvCxnSpPr>
-          <p:cNvPr id="17" name="直接箭头连接符 16"/>
-          <p:cNvCxnSpPr>
-            <a:stCxn id="6" idx="3"/>
-            <a:endCxn id="11" idx="1"/>
-          </p:cNvCxnSpPr>
-          <p:nvPr/>
-        </p:nvCxnSpPr>
-        <p:spPr>
-          <a:xfrm>
-            <a:off x="2513965" y="2604135"/>
-            <a:ext cx="2022475" cy="5080"/>
-          </a:xfrm>
-          <a:prstGeom prst="straightConnector1">
-            <a:avLst/>
-          </a:prstGeom>
-          <a:ln>
-            <a:tailEnd type="arrow"/>
-          </a:ln>
-        </p:spPr>
-        <p:style>
-          <a:lnRef idx="1">
-            <a:schemeClr val="accent1"/>
-          </a:lnRef>
-          <a:fillRef idx="0">
-            <a:schemeClr val="accent1"/>
-          </a:fillRef>
-          <a:effectRef idx="0">
-            <a:schemeClr val="accent1"/>
-          </a:effectRef>
-          <a:fontRef idx="minor">
-            <a:schemeClr val="tx1"/>
-          </a:fontRef>
-        </p:style>
-      </p:cxnSp>
-      <p:cxnSp>
-        <p:nvCxnSpPr>
-          <p:cNvPr id="18" name="直接箭头连接符 17"/>
-          <p:cNvCxnSpPr>
-            <a:stCxn id="14" idx="1"/>
-          </p:cNvCxnSpPr>
-          <p:nvPr/>
-        </p:nvCxnSpPr>
-        <p:spPr>
-          <a:xfrm flipH="1" flipV="1">
-            <a:off x="2702560" y="3185795"/>
-            <a:ext cx="1997710" cy="5715"/>
-          </a:xfrm>
-          <a:prstGeom prst="straightConnector1">
-            <a:avLst/>
-          </a:prstGeom>
-          <a:ln>
-            <a:tailEnd type="arrow"/>
-          </a:ln>
-        </p:spPr>
-        <p:style>
-          <a:lnRef idx="1">
-            <a:schemeClr val="accent1"/>
-          </a:lnRef>
-          <a:fillRef idx="0">
-            <a:schemeClr val="accent1"/>
-          </a:fillRef>
-          <a:effectRef idx="0">
-            <a:schemeClr val="accent1"/>
-          </a:effectRef>
-          <a:fontRef idx="minor">
-            <a:schemeClr val="tx1"/>
-          </a:fontRef>
-        </p:style>
-      </p:cxnSp>
-      <p:sp>
-        <p:nvSpPr>
-          <p:cNvPr id="19" name="文本框 18"/>
-          <p:cNvSpPr txBox="1"/>
-          <p:nvPr/>
-        </p:nvSpPr>
-        <p:spPr>
-          <a:xfrm>
-            <a:off x="4267835" y="741680"/>
-            <a:ext cx="1515110" cy="368300"/>
-          </a:xfrm>
-          <a:prstGeom prst="rect">
-            <a:avLst/>
-          </a:prstGeom>
-          <a:noFill/>
-        </p:spPr>
-        <p:txBody>
-          <a:bodyPr wrap="square" rtlCol="0" anchor="t">
-            <a:spAutoFit/>
-          </a:bodyPr>
-          <a:p>
-            <a:r>
-              <a:rPr lang="en-US" altLang="zh-CN"/>
-              <a:t>second</a:t>
-            </a:r>
-            <a:r>
-              <a:rPr lang="zh-CN" altLang="en-US"/>
-              <a:t>_task</a:t>
-            </a:r>
-            <a:endParaRPr lang="zh-CN" altLang="en-US"/>
-          </a:p>
-        </p:txBody>
-      </p:sp>
-      <p:sp>
-        <p:nvSpPr>
-          <p:cNvPr id="2" name="矩形 1"/>
-          <p:cNvSpPr/>
-          <p:nvPr>
-            <p:custDataLst>
-              <p:tags r:id="rId11"/>
-            </p:custDataLst>
-          </p:nvPr>
-        </p:nvSpPr>
-        <p:spPr>
-          <a:xfrm>
-            <a:off x="7664450" y="1602105"/>
-            <a:ext cx="977900" cy="2014220"/>
-          </a:xfrm>
-          <a:prstGeom prst="rect">
-            <a:avLst/>
-          </a:prstGeom>
-          <a:ln>
-            <a:solidFill>
-              <a:schemeClr val="tx1"/>
-            </a:solidFill>
-          </a:ln>
-        </p:spPr>
-        <p:style>
-          <a:lnRef idx="2">
-            <a:schemeClr val="accent6"/>
-          </a:lnRef>
-          <a:fillRef idx="1">
-            <a:schemeClr val="lt1"/>
-          </a:fillRef>
-          <a:effectRef idx="0">
-            <a:schemeClr val="accent6"/>
-          </a:effectRef>
-          <a:fontRef idx="minor">
-            <a:schemeClr val="dk1"/>
-          </a:fontRef>
-        </p:style>
-        <p:txBody>
-          <a:bodyPr rtlCol="0" anchor="ctr"/>
-          <a:p>
-            <a:pPr algn="ctr"/>
-            <a:endParaRPr lang="zh-CN" altLang="en-US"/>
-          </a:p>
-        </p:txBody>
-      </p:sp>
-      <p:cxnSp>
-        <p:nvCxnSpPr>
-          <p:cNvPr id="3" name="直接连接符 2"/>
-          <p:cNvCxnSpPr/>
-          <p:nvPr>
-            <p:custDataLst>
-              <p:tags r:id="rId12"/>
-            </p:custDataLst>
-          </p:nvPr>
-        </p:nvCxnSpPr>
-        <p:spPr>
-          <a:xfrm>
-            <a:off x="7664450" y="2861945"/>
-            <a:ext cx="977900" cy="0"/>
-          </a:xfrm>
-          <a:prstGeom prst="line">
-            <a:avLst/>
-          </a:prstGeom>
-        </p:spPr>
-        <p:style>
-          <a:lnRef idx="1">
-            <a:schemeClr val="dk1"/>
-          </a:lnRef>
-          <a:fillRef idx="0">
-            <a:schemeClr val="dk1"/>
-          </a:fillRef>
-          <a:effectRef idx="0">
-            <a:schemeClr val="dk1"/>
-          </a:effectRef>
-          <a:fontRef idx="minor">
-            <a:schemeClr val="tx1"/>
-          </a:fontRef>
-        </p:style>
-      </p:cxnSp>
-      <p:sp>
-        <p:nvSpPr>
-          <p:cNvPr id="8" name="文本框 7"/>
-          <p:cNvSpPr txBox="1"/>
-          <p:nvPr>
-            <p:custDataLst>
-              <p:tags r:id="rId13"/>
-            </p:custDataLst>
-          </p:nvPr>
-        </p:nvSpPr>
-        <p:spPr>
-          <a:xfrm>
-            <a:off x="7828280" y="2416810"/>
-            <a:ext cx="650240" cy="368300"/>
-          </a:xfrm>
-          <a:prstGeom prst="rect">
-            <a:avLst/>
-          </a:prstGeom>
-          <a:noFill/>
-        </p:spPr>
-        <p:txBody>
-          <a:bodyPr wrap="square" rtlCol="0">
-            <a:spAutoFit/>
-          </a:bodyPr>
-          <a:p>
-            <a:r>
-              <a:rPr lang="en-US" altLang="zh-CN"/>
-              <a:t>next</a:t>
-            </a:r>
-            <a:endParaRPr lang="en-US" altLang="zh-CN"/>
-          </a:p>
-        </p:txBody>
-      </p:sp>
-      <p:sp>
-        <p:nvSpPr>
-          <p:cNvPr id="9" name="文本框 8"/>
-          <p:cNvSpPr txBox="1"/>
-          <p:nvPr>
-            <p:custDataLst>
-              <p:tags r:id="rId14"/>
-            </p:custDataLst>
-          </p:nvPr>
-        </p:nvSpPr>
-        <p:spPr>
-          <a:xfrm>
-            <a:off x="7828280" y="3007360"/>
-            <a:ext cx="650240" cy="368300"/>
-          </a:xfrm>
-          <a:prstGeom prst="rect">
-            <a:avLst/>
-          </a:prstGeom>
-          <a:noFill/>
-        </p:spPr>
-        <p:txBody>
-          <a:bodyPr wrap="square" rtlCol="0">
-            <a:spAutoFit/>
-          </a:bodyPr>
-          <a:p>
-            <a:r>
-              <a:rPr lang="en-US" altLang="zh-CN"/>
-              <a:t>pre</a:t>
-            </a:r>
-            <a:endParaRPr lang="en-US" altLang="zh-CN"/>
-          </a:p>
-        </p:txBody>
-      </p:sp>
-      <p:cxnSp>
-        <p:nvCxnSpPr>
-          <p:cNvPr id="20" name="直接连接符 19"/>
-          <p:cNvCxnSpPr/>
-          <p:nvPr>
-            <p:custDataLst>
-              <p:tags r:id="rId15"/>
-            </p:custDataLst>
-          </p:nvPr>
-        </p:nvCxnSpPr>
-        <p:spPr>
-          <a:xfrm>
-            <a:off x="7664450" y="2266315"/>
-            <a:ext cx="977900" cy="0"/>
-          </a:xfrm>
-          <a:prstGeom prst="line">
-            <a:avLst/>
-          </a:prstGeom>
-        </p:spPr>
-        <p:style>
-          <a:lnRef idx="1">
-            <a:schemeClr val="dk1"/>
-          </a:lnRef>
-          <a:fillRef idx="0">
-            <a:schemeClr val="dk1"/>
-          </a:fillRef>
-          <a:effectRef idx="0">
-            <a:schemeClr val="dk1"/>
-          </a:effectRef>
-          <a:fontRef idx="minor">
-            <a:schemeClr val="tx1"/>
-          </a:fontRef>
-        </p:style>
-      </p:cxnSp>
-      <p:sp>
-        <p:nvSpPr>
-          <p:cNvPr id="22" name="文本框 21"/>
-          <p:cNvSpPr txBox="1"/>
-          <p:nvPr>
-            <p:custDataLst>
-              <p:tags r:id="rId16"/>
-            </p:custDataLst>
-          </p:nvPr>
-        </p:nvSpPr>
-        <p:spPr>
-          <a:xfrm>
-            <a:off x="7828280" y="1747520"/>
-            <a:ext cx="855345" cy="368300"/>
-          </a:xfrm>
-          <a:prstGeom prst="rect">
-            <a:avLst/>
-          </a:prstGeom>
-          <a:noFill/>
-        </p:spPr>
-        <p:txBody>
-          <a:bodyPr wrap="square" rtlCol="0">
-            <a:spAutoFit/>
-          </a:bodyPr>
-          <a:p>
-            <a:r>
-              <a:rPr lang="en-US" altLang="zh-CN"/>
-              <a:t>val:1</a:t>
-            </a:r>
-            <a:endParaRPr lang="en-US" altLang="zh-CN"/>
-          </a:p>
-        </p:txBody>
-      </p:sp>
-      <p:sp>
-        <p:nvSpPr>
-          <p:cNvPr id="23" name="文本框 22"/>
-          <p:cNvSpPr txBox="1"/>
-          <p:nvPr>
-            <p:custDataLst>
-              <p:tags r:id="rId17"/>
-            </p:custDataLst>
-          </p:nvPr>
-        </p:nvSpPr>
-        <p:spPr>
-          <a:xfrm>
-            <a:off x="7580630" y="741680"/>
-            <a:ext cx="1145540" cy="368300"/>
-          </a:xfrm>
-          <a:prstGeom prst="rect">
-            <a:avLst/>
-          </a:prstGeom>
-          <a:noFill/>
-        </p:spPr>
-        <p:txBody>
-          <a:bodyPr wrap="square" rtlCol="0" anchor="t">
-            <a:spAutoFit/>
-          </a:bodyPr>
-          <a:p>
-            <a:r>
-              <a:rPr lang="zh-CN" altLang="en-US"/>
-              <a:t>first_task</a:t>
-            </a:r>
-            <a:endParaRPr lang="zh-CN" altLang="en-US"/>
-          </a:p>
-        </p:txBody>
-      </p:sp>
-      <p:cxnSp>
-        <p:nvCxnSpPr>
-          <p:cNvPr id="25" name="直接箭头连接符 24"/>
-          <p:cNvCxnSpPr>
-            <a:stCxn id="13" idx="3"/>
-            <a:endCxn id="2" idx="1"/>
-          </p:cNvCxnSpPr>
-          <p:nvPr/>
-        </p:nvCxnSpPr>
-        <p:spPr>
-          <a:xfrm>
-            <a:off x="5350510" y="2600960"/>
-            <a:ext cx="2313940" cy="8255"/>
-          </a:xfrm>
-          <a:prstGeom prst="straightConnector1">
-            <a:avLst/>
-          </a:prstGeom>
-          <a:ln>
-            <a:tailEnd type="arrow"/>
-          </a:ln>
-        </p:spPr>
-        <p:style>
-          <a:lnRef idx="1">
-            <a:schemeClr val="accent1"/>
-          </a:lnRef>
-          <a:fillRef idx="0">
-            <a:schemeClr val="accent1"/>
-          </a:fillRef>
-          <a:effectRef idx="0">
-            <a:schemeClr val="accent1"/>
-          </a:effectRef>
-          <a:fontRef idx="minor">
-            <a:schemeClr val="tx1"/>
-          </a:fontRef>
-        </p:style>
-      </p:cxnSp>
-      <p:cxnSp>
-        <p:nvCxnSpPr>
-          <p:cNvPr id="26" name="直接箭头连接符 25"/>
-          <p:cNvCxnSpPr>
-            <a:stCxn id="9" idx="1"/>
-          </p:cNvCxnSpPr>
-          <p:nvPr/>
-        </p:nvCxnSpPr>
-        <p:spPr>
-          <a:xfrm flipH="1" flipV="1">
-            <a:off x="5527040" y="3185795"/>
-            <a:ext cx="2301240" cy="5715"/>
-          </a:xfrm>
-          <a:prstGeom prst="straightConnector1">
-            <a:avLst/>
-          </a:prstGeom>
-          <a:ln>
-            <a:tailEnd type="arrow"/>
-          </a:ln>
-        </p:spPr>
-        <p:style>
-          <a:lnRef idx="1">
-            <a:schemeClr val="accent1"/>
-          </a:lnRef>
-          <a:fillRef idx="0">
-            <a:schemeClr val="accent1"/>
-          </a:fillRef>
-          <a:effectRef idx="0">
-            <a:schemeClr val="accent1"/>
-          </a:effectRef>
-          <a:fontRef idx="minor">
-            <a:schemeClr val="tx1"/>
-          </a:fontRef>
-        </p:style>
-      </p:cxnSp>
-      <p:cxnSp>
-        <p:nvCxnSpPr>
-          <p:cNvPr id="27" name="曲线连接符 26"/>
-          <p:cNvCxnSpPr/>
-          <p:nvPr/>
-        </p:nvCxnSpPr>
-        <p:spPr>
-          <a:xfrm flipH="1">
-            <a:off x="2201545" y="2600960"/>
-            <a:ext cx="6276975" cy="1016000"/>
-          </a:xfrm>
-          <a:prstGeom prst="curvedConnector4">
-            <a:avLst>
-              <a:gd name="adj1" fmla="val -11441"/>
-              <a:gd name="adj2" fmla="val 178437"/>
-            </a:avLst>
-          </a:prstGeom>
-          <a:ln>
-            <a:tailEnd type="arrow"/>
-          </a:ln>
-        </p:spPr>
-        <p:style>
-          <a:lnRef idx="1">
-            <a:schemeClr val="accent1"/>
-          </a:lnRef>
-          <a:fillRef idx="0">
-            <a:schemeClr val="accent1"/>
-          </a:fillRef>
-          <a:effectRef idx="0">
-            <a:schemeClr val="accent1"/>
-          </a:effectRef>
-          <a:fontRef idx="minor">
-            <a:schemeClr val="tx1"/>
-          </a:fontRef>
-        </p:style>
-      </p:cxnSp>
-      <p:cxnSp>
-        <p:nvCxnSpPr>
-          <p:cNvPr id="29" name="曲线连接符 28"/>
-          <p:cNvCxnSpPr>
-            <a:stCxn id="7" idx="1"/>
-            <a:endCxn id="2" idx="0"/>
-          </p:cNvCxnSpPr>
-          <p:nvPr/>
-        </p:nvCxnSpPr>
-        <p:spPr>
-          <a:xfrm rot="10800000" flipH="1">
-            <a:off x="1863090" y="1602105"/>
-            <a:ext cx="6289675" cy="1661160"/>
-          </a:xfrm>
-          <a:prstGeom prst="curvedConnector4">
-            <a:avLst>
-              <a:gd name="adj1" fmla="val -10156"/>
-              <a:gd name="adj2" fmla="val 114335"/>
-            </a:avLst>
-          </a:prstGeom>
-          <a:ln>
-            <a:tailEnd type="arrow"/>
-          </a:ln>
-        </p:spPr>
-        <p:style>
-          <a:lnRef idx="1">
-            <a:schemeClr val="accent1"/>
-          </a:lnRef>
-          <a:fillRef idx="0">
-            <a:schemeClr val="accent1"/>
-          </a:fillRef>
-          <a:effectRef idx="0">
-            <a:schemeClr val="accent1"/>
-          </a:effectRef>
-          <a:fontRef idx="minor">
-            <a:schemeClr val="tx1"/>
-          </a:fontRef>
-        </p:style>
-      </p:cxnSp>
+      </p:pic>
+      <mc:AlternateContent xmlns:mc="http://schemas.openxmlformats.org/markup-compatibility/2006" xmlns:p14="http://schemas.microsoft.com/office/powerpoint/2010/main">
+        <mc:Choice Requires="p14">
+          <p:contentPart r:id="rId7" p14:bwMode="auto">
+            <p14:nvContentPartPr>
+              <p14:cNvPr id="3" name="墨迹 2"/>
+              <p14:cNvContentPartPr/>
+              <p14:nvPr/>
+            </p14:nvContentPartPr>
+            <p14:xfrm>
+              <a:off x="1422400" y="2251075"/>
+              <a:ext cx="807085" cy="57785"/>
+            </p14:xfrm>
+          </p:contentPart>
+        </mc:Choice>
+        <mc:Fallback xmlns="">
+          <p:pic>
+            <p:nvPicPr>
+              <p:cNvPr id="3" name="墨迹 2"/>
+            </p:nvPicPr>
+            <p:blipFill>
+              <a:blip r:embed="rId8"/>
+            </p:blipFill>
+            <p:spPr>
+              <a:xfrm>
+                <a:off x="1422400" y="2251075"/>
+                <a:ext cx="807085" cy="57785"/>
+              </a:xfrm>
+              <a:prstGeom prst="rect"/>
+            </p:spPr>
+          </p:pic>
+        </mc:Fallback>
+      </mc:AlternateContent>
+      <mc:AlternateContent xmlns:mc="http://schemas.openxmlformats.org/markup-compatibility/2006" xmlns:p14="http://schemas.microsoft.com/office/powerpoint/2010/main">
+        <mc:Choice Requires="p14">
+          <p:contentPart r:id="rId9" p14:bwMode="auto">
+            <p14:nvContentPartPr>
+              <p14:cNvPr id="4" name="墨迹 3"/>
+              <p14:cNvContentPartPr/>
+              <p14:nvPr/>
+            </p14:nvContentPartPr>
+            <p14:xfrm>
+              <a:off x="1409700" y="2339975"/>
+              <a:ext cx="146685" cy="32385"/>
+            </p14:xfrm>
+          </p:contentPart>
+        </mc:Choice>
+        <mc:Fallback xmlns="">
+          <p:pic>
+            <p:nvPicPr>
+              <p:cNvPr id="4" name="墨迹 3"/>
+            </p:nvPicPr>
+            <p:blipFill>
+              <a:blip r:embed="rId10"/>
+            </p:blipFill>
+            <p:spPr>
+              <a:xfrm>
+                <a:off x="1409700" y="2339975"/>
+                <a:ext cx="146685" cy="32385"/>
+              </a:xfrm>
+              <a:prstGeom prst="rect"/>
+            </p:spPr>
+          </p:pic>
+        </mc:Fallback>
+      </mc:AlternateContent>
+      <mc:AlternateContent xmlns:mc="http://schemas.openxmlformats.org/markup-compatibility/2006" xmlns:p14="http://schemas.microsoft.com/office/powerpoint/2010/main">
+        <mc:Choice Requires="p14">
+          <p:contentPart r:id="rId11" p14:bwMode="auto">
+            <p14:nvContentPartPr>
+              <p14:cNvPr id="8" name="墨迹 7"/>
+              <p14:cNvContentPartPr/>
+              <p14:nvPr/>
+            </p14:nvContentPartPr>
+            <p14:xfrm>
+              <a:off x="6191250" y="2593975"/>
+              <a:ext cx="635" cy="635"/>
+            </p14:xfrm>
+          </p:contentPart>
+        </mc:Choice>
+        <mc:Fallback xmlns="">
+          <p:pic>
+            <p:nvPicPr>
+              <p:cNvPr id="8" name="墨迹 7"/>
+            </p:nvPicPr>
+            <p:blipFill>
+              <a:blip r:embed="rId12"/>
+            </p:blipFill>
+            <p:spPr>
+              <a:xfrm>
+                <a:off x="6191250" y="2593975"/>
+                <a:ext cx="635" cy="635"/>
+              </a:xfrm>
+              <a:prstGeom prst="rect"/>
+            </p:spPr>
+          </p:pic>
+        </mc:Fallback>
+      </mc:AlternateContent>
+      <mc:AlternateContent xmlns:mc="http://schemas.openxmlformats.org/markup-compatibility/2006" xmlns:p14="http://schemas.microsoft.com/office/powerpoint/2010/main">
+        <mc:Choice Requires="p14">
+          <p:contentPart r:id="rId13" p14:bwMode="auto">
+            <p14:nvContentPartPr>
+              <p14:cNvPr id="9" name="墨迹 8"/>
+              <p14:cNvContentPartPr/>
+              <p14:nvPr/>
+            </p14:nvContentPartPr>
+            <p14:xfrm>
+              <a:off x="5988050" y="2587625"/>
+              <a:ext cx="1651635" cy="114935"/>
+            </p14:xfrm>
+          </p:contentPart>
+        </mc:Choice>
+        <mc:Fallback xmlns="">
+          <p:pic>
+            <p:nvPicPr>
+              <p:cNvPr id="9" name="墨迹 8"/>
+            </p:nvPicPr>
+            <p:blipFill>
+              <a:blip r:embed="rId14"/>
+            </p:blipFill>
+            <p:spPr>
+              <a:xfrm>
+                <a:off x="5988050" y="2587625"/>
+                <a:ext cx="1651635" cy="114935"/>
+              </a:xfrm>
+              <a:prstGeom prst="rect"/>
+            </p:spPr>
+          </p:pic>
+        </mc:Fallback>
+      </mc:AlternateContent>
+      <mc:AlternateContent xmlns:mc="http://schemas.openxmlformats.org/markup-compatibility/2006" xmlns:p14="http://schemas.microsoft.com/office/powerpoint/2010/main">
+        <mc:Choice Requires="p14">
+          <p:contentPart r:id="rId15" p14:bwMode="auto">
+            <p14:nvContentPartPr>
+              <p14:cNvPr id="10" name="墨迹 9"/>
+              <p14:cNvContentPartPr/>
+              <p14:nvPr/>
+            </p14:nvContentPartPr>
+            <p14:xfrm>
+              <a:off x="7924800" y="2663825"/>
+              <a:ext cx="19685" cy="635"/>
+            </p14:xfrm>
+          </p:contentPart>
+        </mc:Choice>
+        <mc:Fallback xmlns="">
+          <p:pic>
+            <p:nvPicPr>
+              <p:cNvPr id="10" name="墨迹 9"/>
+            </p:nvPicPr>
+            <p:blipFill>
+              <a:blip r:embed="rId16"/>
+            </p:blipFill>
+            <p:spPr>
+              <a:xfrm>
+                <a:off x="7924800" y="2663825"/>
+                <a:ext cx="19685" cy="635"/>
+              </a:xfrm>
+              <a:prstGeom prst="rect"/>
+            </p:spPr>
+          </p:pic>
+        </mc:Fallback>
+      </mc:AlternateContent>
+      <mc:AlternateContent xmlns:mc="http://schemas.openxmlformats.org/markup-compatibility/2006" xmlns:p14="http://schemas.microsoft.com/office/powerpoint/2010/main">
+        <mc:Choice Requires="p14">
+          <p:contentPart r:id="rId17" p14:bwMode="auto">
+            <p14:nvContentPartPr>
+              <p14:cNvPr id="11" name="墨迹 10"/>
+              <p14:cNvContentPartPr/>
+              <p14:nvPr/>
+            </p14:nvContentPartPr>
+            <p14:xfrm>
+              <a:off x="7734300" y="2308225"/>
+              <a:ext cx="527685" cy="432435"/>
+            </p14:xfrm>
+          </p:contentPart>
+        </mc:Choice>
+        <mc:Fallback xmlns="">
+          <p:pic>
+            <p:nvPicPr>
+              <p:cNvPr id="11" name="墨迹 10"/>
+            </p:nvPicPr>
+            <p:blipFill>
+              <a:blip r:embed="rId18"/>
+            </p:blipFill>
+            <p:spPr>
+              <a:xfrm>
+                <a:off x="7734300" y="2308225"/>
+                <a:ext cx="527685" cy="432435"/>
+              </a:xfrm>
+              <a:prstGeom prst="rect"/>
+            </p:spPr>
+          </p:pic>
+        </mc:Fallback>
+      </mc:AlternateContent>
     </p:spTree>
     <p:custDataLst>
-      <p:tags r:id="rId18"/>
+      <p:tags r:id="rId19"/>
     </p:custDataLst>
   </p:cSld>
   <p:clrMapOvr>
@@ -5023,6 +8269,72 @@
 </p:tagLst>
 </file>
 
+<file path=ppt/tags/tag100.xml><?xml version="1.0" encoding="utf-8"?>
+<p:tagLst xmlns:p="http://schemas.openxmlformats.org/presentationml/2006/main">
+  <p:tag name="KSO_WM_BEAUTIFY_FLAG" val="#wm#"/>
+  <p:tag name="KSO_WM_TEMPLATE_CATEGORY" val="custom"/>
+  <p:tag name="KSO_WM_TEMPLATE_INDEX" val="20205176"/>
+</p:tagLst>
+</file>
+
+<file path=ppt/tags/tag101.xml><?xml version="1.0" encoding="utf-8"?>
+<p:tagLst xmlns:p="http://schemas.openxmlformats.org/presentationml/2006/main">
+  <p:tag name="KSO_WM_BEAUTIFY_FLAG" val=""/>
+</p:tagLst>
+</file>
+
+<file path=ppt/tags/tag102.xml><?xml version="1.0" encoding="utf-8"?>
+<p:tagLst xmlns:p="http://schemas.openxmlformats.org/presentationml/2006/main">
+  <p:tag name="KSO_WM_BEAUTIFY_FLAG" val="#wm#"/>
+  <p:tag name="KSO_WM_TEMPLATE_CATEGORY" val="custom"/>
+  <p:tag name="KSO_WM_TEMPLATE_INDEX" val="20205176"/>
+</p:tagLst>
+</file>
+
+<file path=ppt/tags/tag103.xml><?xml version="1.0" encoding="utf-8"?>
+<p:tagLst xmlns:p="http://schemas.openxmlformats.org/presentationml/2006/main">
+  <p:tag name="KSO_WM_BEAUTIFY_FLAG" val="#wm#"/>
+  <p:tag name="KSO_WM_TEMPLATE_CATEGORY" val="custom"/>
+  <p:tag name="KSO_WM_TEMPLATE_INDEX" val="20205176"/>
+</p:tagLst>
+</file>
+
+<file path=ppt/tags/tag104.xml><?xml version="1.0" encoding="utf-8"?>
+<p:tagLst xmlns:p="http://schemas.openxmlformats.org/presentationml/2006/main">
+  <p:tag name="KSO_WM_BEAUTIFY_FLAG" val=""/>
+</p:tagLst>
+</file>
+
+<file path=ppt/tags/tag105.xml><?xml version="1.0" encoding="utf-8"?>
+<p:tagLst xmlns:p="http://schemas.openxmlformats.org/presentationml/2006/main">
+  <p:tag name="KSO_WM_BEAUTIFY_FLAG" val=""/>
+</p:tagLst>
+</file>
+
+<file path=ppt/tags/tag106.xml><?xml version="1.0" encoding="utf-8"?>
+<p:tagLst xmlns:p="http://schemas.openxmlformats.org/presentationml/2006/main">
+  <p:tag name="KSO_WM_BEAUTIFY_FLAG" val=""/>
+</p:tagLst>
+</file>
+
+<file path=ppt/tags/tag107.xml><?xml version="1.0" encoding="utf-8"?>
+<p:tagLst xmlns:p="http://schemas.openxmlformats.org/presentationml/2006/main">
+  <p:tag name="KSO_WM_BEAUTIFY_FLAG" val=""/>
+</p:tagLst>
+</file>
+
+<file path=ppt/tags/tag108.xml><?xml version="1.0" encoding="utf-8"?>
+<p:tagLst xmlns:p="http://schemas.openxmlformats.org/presentationml/2006/main">
+  <p:tag name="KSO_WM_BEAUTIFY_FLAG" val=""/>
+</p:tagLst>
+</file>
+
+<file path=ppt/tags/tag109.xml><?xml version="1.0" encoding="utf-8"?>
+<p:tagLst xmlns:p="http://schemas.openxmlformats.org/presentationml/2006/main">
+  <p:tag name="KSO_WM_BEAUTIFY_FLAG" val=""/>
+</p:tagLst>
+</file>
+
 <file path=ppt/tags/tag11.xml><?xml version="1.0" encoding="utf-8"?>
 <p:tagLst xmlns:p="http://schemas.openxmlformats.org/presentationml/2006/main">
   <p:tag name="KSO_WM_UNIT_HIGHLIGHT" val="0"/>
@@ -5036,6 +8348,74 @@
 </p:tagLst>
 </file>
 
+<file path=ppt/tags/tag110.xml><?xml version="1.0" encoding="utf-8"?>
+<p:tagLst xmlns:p="http://schemas.openxmlformats.org/presentationml/2006/main">
+  <p:tag name="KSO_WM_BEAUTIFY_FLAG" val=""/>
+</p:tagLst>
+</file>
+
+<file path=ppt/tags/tag111.xml><?xml version="1.0" encoding="utf-8"?>
+<p:tagLst xmlns:p="http://schemas.openxmlformats.org/presentationml/2006/main">
+  <p:tag name="KSO_WM_BEAUTIFY_FLAG" val="#wm#"/>
+  <p:tag name="KSO_WM_TEMPLATE_CATEGORY" val="custom"/>
+  <p:tag name="KSO_WM_TEMPLATE_INDEX" val="20205176"/>
+</p:tagLst>
+</file>
+
+<file path=ppt/tags/tag112.xml><?xml version="1.0" encoding="utf-8"?>
+<p:tagLst xmlns:p="http://schemas.openxmlformats.org/presentationml/2006/main">
+  <p:tag name="KSO_WM_BEAUTIFY_FLAG" val=""/>
+</p:tagLst>
+</file>
+
+<file path=ppt/tags/tag113.xml><?xml version="1.0" encoding="utf-8"?>
+<p:tagLst xmlns:p="http://schemas.openxmlformats.org/presentationml/2006/main">
+  <p:tag name="KSO_WM_BEAUTIFY_FLAG" val=""/>
+</p:tagLst>
+</file>
+
+<file path=ppt/tags/tag114.xml><?xml version="1.0" encoding="utf-8"?>
+<p:tagLst xmlns:p="http://schemas.openxmlformats.org/presentationml/2006/main">
+  <p:tag name="KSO_WM_BEAUTIFY_FLAG" val="#wm#"/>
+  <p:tag name="KSO_WM_TEMPLATE_CATEGORY" val="custom"/>
+  <p:tag name="KSO_WM_TEMPLATE_INDEX" val="20205176"/>
+</p:tagLst>
+</file>
+
+<file path=ppt/tags/tag115.xml><?xml version="1.0" encoding="utf-8"?>
+<p:tagLst xmlns:p="http://schemas.openxmlformats.org/presentationml/2006/main">
+  <p:tag name="KSO_WM_BEAUTIFY_FLAG" val=""/>
+</p:tagLst>
+</file>
+
+<file path=ppt/tags/tag116.xml><?xml version="1.0" encoding="utf-8"?>
+<p:tagLst xmlns:p="http://schemas.openxmlformats.org/presentationml/2006/main">
+  <p:tag name="KSO_WM_BEAUTIFY_FLAG" val="#wm#"/>
+  <p:tag name="KSO_WM_TEMPLATE_CATEGORY" val="custom"/>
+  <p:tag name="KSO_WM_TEMPLATE_INDEX" val="20205176"/>
+</p:tagLst>
+</file>
+
+<file path=ppt/tags/tag117.xml><?xml version="1.0" encoding="utf-8"?>
+<p:tagLst xmlns:p="http://schemas.openxmlformats.org/presentationml/2006/main">
+  <p:tag name="KSO_WM_BEAUTIFY_FLAG" val=""/>
+</p:tagLst>
+</file>
+
+<file path=ppt/tags/tag118.xml><?xml version="1.0" encoding="utf-8"?>
+<p:tagLst xmlns:p="http://schemas.openxmlformats.org/presentationml/2006/main">
+  <p:tag name="KSO_WM_BEAUTIFY_FLAG" val="#wm#"/>
+  <p:tag name="KSO_WM_TEMPLATE_CATEGORY" val="custom"/>
+  <p:tag name="KSO_WM_TEMPLATE_INDEX" val="20205176"/>
+</p:tagLst>
+</file>
+
+<file path=ppt/tags/tag119.xml><?xml version="1.0" encoding="utf-8"?>
+<p:tagLst xmlns:p="http://schemas.openxmlformats.org/presentationml/2006/main">
+  <p:tag name="KSO_WM_BEAUTIFY_FLAG" val=""/>
+</p:tagLst>
+</file>
+
 <file path=ppt/tags/tag12.xml><?xml version="1.0" encoding="utf-8"?>
 <p:tagLst xmlns:p="http://schemas.openxmlformats.org/presentationml/2006/main">
   <p:tag name="KSO_WM_UNIT_HIGHLIGHT" val="0"/>
@@ -5046,6 +8426,35 @@
   <p:tag name="KSO_WM_UNIT_LAYERLEVEL" val="1"/>
   <p:tag name="KSO_WM_TAG_VERSION" val="1.0"/>
   <p:tag name="KSO_WM_BEAUTIFY_FLAG" val="#wm#"/>
+</p:tagLst>
+</file>
+
+<file path=ppt/tags/tag120.xml><?xml version="1.0" encoding="utf-8"?>
+<p:tagLst xmlns:p="http://schemas.openxmlformats.org/presentationml/2006/main">
+  <p:tag name="KSO_WM_BEAUTIFY_FLAG" val="#wm#"/>
+  <p:tag name="KSO_WM_TEMPLATE_CATEGORY" val="custom"/>
+  <p:tag name="KSO_WM_TEMPLATE_INDEX" val="20205176"/>
+</p:tagLst>
+</file>
+
+<file path=ppt/tags/tag121.xml><?xml version="1.0" encoding="utf-8"?>
+<p:tagLst xmlns:p="http://schemas.openxmlformats.org/presentationml/2006/main">
+  <p:tag name="KSO_WM_BEAUTIFY_FLAG" val=""/>
+</p:tagLst>
+</file>
+
+<file path=ppt/tags/tag122.xml><?xml version="1.0" encoding="utf-8"?>
+<p:tagLst xmlns:p="http://schemas.openxmlformats.org/presentationml/2006/main">
+  <p:tag name="KSO_WM_BEAUTIFY_FLAG" val="#wm#"/>
+  <p:tag name="KSO_WM_TEMPLATE_CATEGORY" val="custom"/>
+  <p:tag name="KSO_WM_TEMPLATE_INDEX" val="20205176"/>
+</p:tagLst>
+</file>
+
+<file path=ppt/tags/tag123.xml><?xml version="1.0" encoding="utf-8"?>
+<p:tagLst xmlns:p="http://schemas.openxmlformats.org/presentationml/2006/main">
+  <p:tag name="COMMONDATA" val="eyJoZGlkIjoiNjE5OWZjMGE3NGM4M2EwN2I0NjRjNjE5ZDIxZDM4MDkifQ=="/>
+  <p:tag name="KSO_WPP_MARK_KEY" val="745fc976-cf3b-49ad-816a-0500f9d6ce1c"/>
 </p:tagLst>
 </file>
 
@@ -5770,50 +9179,6 @@
 </file>
 
 <file path=ppt/tags/tag63.xml><?xml version="1.0" encoding="utf-8"?>
-<p:tagLst xmlns:p="http://schemas.openxmlformats.org/presentationml/2006/main">
-  <p:tag name="KSO_WM_UNIT_ISCONTENTSTITLE" val="0"/>
-  <p:tag name="KSO_WM_UNIT_ISNUMDGMTITLE" val="0"/>
-  <p:tag name="KSO_WM_UNIT_NOCLEAR" val="0"/>
-  <p:tag name="KSO_WM_UNIT_SHOW_EDIT_AREA_INDICATION" val="1"/>
-  <p:tag name="KSO_WM_UNIT_VALUE" val="28"/>
-  <p:tag name="KSO_WM_UNIT_HIGHLIGHT" val="0"/>
-  <p:tag name="KSO_WM_UNIT_COMPATIBLE" val="0"/>
-  <p:tag name="KSO_WM_UNIT_DIAGRAM_ISNUMVISUAL" val="0"/>
-  <p:tag name="KSO_WM_UNIT_DIAGRAM_ISREFERUNIT" val="0"/>
-  <p:tag name="KSO_WM_UNIT_TYPE" val="a"/>
-  <p:tag name="KSO_WM_UNIT_INDEX" val="1"/>
-  <p:tag name="KSO_WM_UNIT_ID" val="custom20205176_1*a*1"/>
-  <p:tag name="KSO_WM_TEMPLATE_CATEGORY" val="custom"/>
-  <p:tag name="KSO_WM_TEMPLATE_INDEX" val="20205176"/>
-  <p:tag name="KSO_WM_UNIT_LAYERLEVEL" val="1"/>
-  <p:tag name="KSO_WM_TAG_VERSION" val="1.0"/>
-  <p:tag name="KSO_WM_BEAUTIFY_FLAG" val="#wm#"/>
-</p:tagLst>
-</file>
-
-<file path=ppt/tags/tag64.xml><?xml version="1.0" encoding="utf-8"?>
-<p:tagLst xmlns:p="http://schemas.openxmlformats.org/presentationml/2006/main">
-  <p:tag name="KSO_WM_UNIT_ISCONTENTSTITLE" val="0"/>
-  <p:tag name="KSO_WM_UNIT_ISNUMDGMTITLE" val="0"/>
-  <p:tag name="KSO_WM_UNIT_NOCLEAR" val="0"/>
-  <p:tag name="KSO_WM_UNIT_SHOW_EDIT_AREA_INDICATION" val="1"/>
-  <p:tag name="KSO_WM_UNIT_VALUE" val="111"/>
-  <p:tag name="KSO_WM_UNIT_HIGHLIGHT" val="0"/>
-  <p:tag name="KSO_WM_UNIT_COMPATIBLE" val="0"/>
-  <p:tag name="KSO_WM_UNIT_DIAGRAM_ISNUMVISUAL" val="0"/>
-  <p:tag name="KSO_WM_UNIT_DIAGRAM_ISREFERUNIT" val="0"/>
-  <p:tag name="KSO_WM_UNIT_TYPE" val="b"/>
-  <p:tag name="KSO_WM_UNIT_INDEX" val="1"/>
-  <p:tag name="KSO_WM_UNIT_ID" val="custom20205176_1*b*1"/>
-  <p:tag name="KSO_WM_TEMPLATE_CATEGORY" val="custom"/>
-  <p:tag name="KSO_WM_TEMPLATE_INDEX" val="20205176"/>
-  <p:tag name="KSO_WM_UNIT_LAYERLEVEL" val="1"/>
-  <p:tag name="KSO_WM_TAG_VERSION" val="1.0"/>
-  <p:tag name="KSO_WM_BEAUTIFY_FLAG" val="#wm#"/>
-</p:tagLst>
-</file>
-
-<file path=ppt/tags/tag65.xml><?xml version="1.0" encoding="utf-8"?>
 <p:tagLst xmlns:p="http://schemas.openxmlformats.org/presentationml/2006/main">
   <p:tag name="KSO_WM_SLIDE_ID" val="custom20205176_1"/>
   <p:tag name="KSO_WM_TEMPLATE_SUBCATEGORY" val="19"/>
@@ -5834,7 +9199,7 @@
 </p:tagLst>
 </file>
 
-<file path=ppt/tags/tag66.xml><?xml version="1.0" encoding="utf-8"?>
+<file path=ppt/tags/tag64.xml><?xml version="1.0" encoding="utf-8"?>
 <p:tagLst xmlns:p="http://schemas.openxmlformats.org/presentationml/2006/main">
   <p:tag name="KSO_WM_BEAUTIFY_FLAG" val="#wm#"/>
   <p:tag name="KSO_WM_TEMPLATE_CATEGORY" val="custom"/>
@@ -5842,6 +9207,18 @@
 </p:tagLst>
 </file>
 
+<file path=ppt/tags/tag65.xml><?xml version="1.0" encoding="utf-8"?>
+<p:tagLst xmlns:p="http://schemas.openxmlformats.org/presentationml/2006/main">
+  <p:tag name="KSO_WM_BEAUTIFY_FLAG" val=""/>
+</p:tagLst>
+</file>
+
+<file path=ppt/tags/tag66.xml><?xml version="1.0" encoding="utf-8"?>
+<p:tagLst xmlns:p="http://schemas.openxmlformats.org/presentationml/2006/main">
+  <p:tag name="KSO_WM_BEAUTIFY_FLAG" val=""/>
+</p:tagLst>
+</file>
+
 <file path=ppt/tags/tag67.xml><?xml version="1.0" encoding="utf-8"?>
 <p:tagLst xmlns:p="http://schemas.openxmlformats.org/presentationml/2006/main">
   <p:tag name="KSO_WM_BEAUTIFY_FLAG" val=""/>
@@ -5850,9 +9227,7 @@
 
 <file path=ppt/tags/tag68.xml><?xml version="1.0" encoding="utf-8"?>
 <p:tagLst xmlns:p="http://schemas.openxmlformats.org/presentationml/2006/main">
-  <p:tag name="KSO_WM_BEAUTIFY_FLAG" val="#wm#"/>
-  <p:tag name="KSO_WM_TEMPLATE_CATEGORY" val="custom"/>
-  <p:tag name="KSO_WM_TEMPLATE_INDEX" val="20205176"/>
+  <p:tag name="KSO_WM_BEAUTIFY_FLAG" val=""/>
 </p:tagLst>
 </file>
 
@@ -5877,63 +9252,67 @@
 
 <file path=ppt/tags/tag70.xml><?xml version="1.0" encoding="utf-8"?>
 <p:tagLst xmlns:p="http://schemas.openxmlformats.org/presentationml/2006/main">
-  <p:tag name="KSO_WM_BEAUTIFY_FLAG" val=""/>
-</p:tagLst>
-</file>
-
-<file path=ppt/tags/tag71.xml><?xml version="1.0" encoding="utf-8"?>
-<p:tagLst xmlns:p="http://schemas.openxmlformats.org/presentationml/2006/main">
-  <p:tag name="KSO_WM_BEAUTIFY_FLAG" val=""/>
-</p:tagLst>
-</file>
-
-<file path=ppt/tags/tag72.xml><?xml version="1.0" encoding="utf-8"?>
-<p:tagLst xmlns:p="http://schemas.openxmlformats.org/presentationml/2006/main">
-  <p:tag name="KSO_WM_BEAUTIFY_FLAG" val=""/>
-</p:tagLst>
-</file>
-
-<file path=ppt/tags/tag73.xml><?xml version="1.0" encoding="utf-8"?>
-<p:tagLst xmlns:p="http://schemas.openxmlformats.org/presentationml/2006/main">
-  <p:tag name="KSO_WM_BEAUTIFY_FLAG" val=""/>
-</p:tagLst>
-</file>
-
-<file path=ppt/tags/tag74.xml><?xml version="1.0" encoding="utf-8"?>
-<p:tagLst xmlns:p="http://schemas.openxmlformats.org/presentationml/2006/main">
-  <p:tag name="KSO_WM_BEAUTIFY_FLAG" val=""/>
-</p:tagLst>
-</file>
-
-<file path=ppt/tags/tag75.xml><?xml version="1.0" encoding="utf-8"?>
-<p:tagLst xmlns:p="http://schemas.openxmlformats.org/presentationml/2006/main">
-  <p:tag name="KSO_WM_BEAUTIFY_FLAG" val=""/>
-</p:tagLst>
-</file>
-
-<file path=ppt/tags/tag76.xml><?xml version="1.0" encoding="utf-8"?>
-<p:tagLst xmlns:p="http://schemas.openxmlformats.org/presentationml/2006/main">
-  <p:tag name="KSO_WM_BEAUTIFY_FLAG" val=""/>
-</p:tagLst>
-</file>
-
-<file path=ppt/tags/tag77.xml><?xml version="1.0" encoding="utf-8"?>
-<p:tagLst xmlns:p="http://schemas.openxmlformats.org/presentationml/2006/main">
-  <p:tag name="KSO_WM_BEAUTIFY_FLAG" val=""/>
-</p:tagLst>
-</file>
-
-<file path=ppt/tags/tag78.xml><?xml version="1.0" encoding="utf-8"?>
-<p:tagLst xmlns:p="http://schemas.openxmlformats.org/presentationml/2006/main">
-  <p:tag name="KSO_WM_BEAUTIFY_FLAG" val=""/>
-</p:tagLst>
-</file>
-
-<file path=ppt/tags/tag79.xml><?xml version="1.0" encoding="utf-8"?>
-<p:tagLst xmlns:p="http://schemas.openxmlformats.org/presentationml/2006/main">
   <p:tag name="KSO_WM_BEAUTIFY_FLAG" val="#wm#"/>
   <p:tag name="KSO_WM_TEMPLATE_CATEGORY" val="custom"/>
   <p:tag name="KSO_WM_TEMPLATE_INDEX" val="20205176"/>
+</p:tagLst>
+</file>
+
+<file path=ppt/tags/tag71.xml><?xml version="1.0" encoding="utf-8"?>
+<p:tagLst xmlns:p="http://schemas.openxmlformats.org/presentationml/2006/main">
+  <p:tag name="KSO_WM_BEAUTIFY_FLAG" val=""/>
+</p:tagLst>
+</file>
+
+<file path=ppt/tags/tag72.xml><?xml version="1.0" encoding="utf-8"?>
+<p:tagLst xmlns:p="http://schemas.openxmlformats.org/presentationml/2006/main">
+  <p:tag name="KSO_WM_BEAUTIFY_FLAG" val=""/>
+</p:tagLst>
+</file>
+
+<file path=ppt/tags/tag73.xml><?xml version="1.0" encoding="utf-8"?>
+<p:tagLst xmlns:p="http://schemas.openxmlformats.org/presentationml/2006/main">
+  <p:tag name="KSO_WM_BEAUTIFY_FLAG" val=""/>
+</p:tagLst>
+</file>
+
+<file path=ppt/tags/tag74.xml><?xml version="1.0" encoding="utf-8"?>
+<p:tagLst xmlns:p="http://schemas.openxmlformats.org/presentationml/2006/main">
+  <p:tag name="KSO_WM_BEAUTIFY_FLAG" val=""/>
+</p:tagLst>
+</file>
+
+<file path=ppt/tags/tag75.xml><?xml version="1.0" encoding="utf-8"?>
+<p:tagLst xmlns:p="http://schemas.openxmlformats.org/presentationml/2006/main">
+  <p:tag name="KSO_WM_BEAUTIFY_FLAG" val="#wm#"/>
+  <p:tag name="KSO_WM_TEMPLATE_CATEGORY" val="custom"/>
+  <p:tag name="KSO_WM_TEMPLATE_INDEX" val="20205176"/>
+</p:tagLst>
+</file>
+
+<file path=ppt/tags/tag76.xml><?xml version="1.0" encoding="utf-8"?>
+<p:tagLst xmlns:p="http://schemas.openxmlformats.org/presentationml/2006/main">
+  <p:tag name="KSO_WM_BEAUTIFY_FLAG" val=""/>
+</p:tagLst>
+</file>
+
+<file path=ppt/tags/tag77.xml><?xml version="1.0" encoding="utf-8"?>
+<p:tagLst xmlns:p="http://schemas.openxmlformats.org/presentationml/2006/main">
+  <p:tag name="KSO_WM_BEAUTIFY_FLAG" val=""/>
+</p:tagLst>
+</file>
+
+<file path=ppt/tags/tag78.xml><?xml version="1.0" encoding="utf-8"?>
+<p:tagLst xmlns:p="http://schemas.openxmlformats.org/presentationml/2006/main">
+  <p:tag name="KSO_WM_BEAUTIFY_FLAG" val="#wm#"/>
+  <p:tag name="KSO_WM_TEMPLATE_CATEGORY" val="custom"/>
+  <p:tag name="KSO_WM_TEMPLATE_INDEX" val="20205176"/>
+</p:tagLst>
+</file>
+
+<file path=ppt/tags/tag79.xml><?xml version="1.0" encoding="utf-8"?>
+<p:tagLst xmlns:p="http://schemas.openxmlformats.org/presentationml/2006/main">
+  <p:tag name="KSO_WM_BEAUTIFY_FLAG" val=""/>
 </p:tagLst>
 </file>
 
@@ -5952,43 +9331,49 @@
 
 <file path=ppt/tags/tag80.xml><?xml version="1.0" encoding="utf-8"?>
 <p:tagLst xmlns:p="http://schemas.openxmlformats.org/presentationml/2006/main">
+  <p:tag name="KSO_WM_BEAUTIFY_FLAG" val="#wm#"/>
+  <p:tag name="KSO_WM_TEMPLATE_CATEGORY" val="custom"/>
+  <p:tag name="KSO_WM_TEMPLATE_INDEX" val="20205176"/>
+</p:tagLst>
+</file>
+
+<file path=ppt/tags/tag81.xml><?xml version="1.0" encoding="utf-8"?>
+<p:tagLst xmlns:p="http://schemas.openxmlformats.org/presentationml/2006/main">
   <p:tag name="KSO_WM_BEAUTIFY_FLAG" val=""/>
 </p:tagLst>
 </file>
 
-<file path=ppt/tags/tag81.xml><?xml version="1.0" encoding="utf-8"?>
+<file path=ppt/tags/tag82.xml><?xml version="1.0" encoding="utf-8"?>
 <p:tagLst xmlns:p="http://schemas.openxmlformats.org/presentationml/2006/main">
   <p:tag name="KSO_WM_BEAUTIFY_FLAG" val=""/>
 </p:tagLst>
 </file>
 
-<file path=ppt/tags/tag82.xml><?xml version="1.0" encoding="utf-8"?>
+<file path=ppt/tags/tag83.xml><?xml version="1.0" encoding="utf-8"?>
 <p:tagLst xmlns:p="http://schemas.openxmlformats.org/presentationml/2006/main">
   <p:tag name="KSO_WM_BEAUTIFY_FLAG" val=""/>
 </p:tagLst>
 </file>
 
-<file path=ppt/tags/tag83.xml><?xml version="1.0" encoding="utf-8"?>
+<file path=ppt/tags/tag84.xml><?xml version="1.0" encoding="utf-8"?>
+<p:tagLst xmlns:p="http://schemas.openxmlformats.org/presentationml/2006/main">
+  <p:tag name="KSO_WM_BEAUTIFY_FLAG" val="#wm#"/>
+  <p:tag name="KSO_WM_TEMPLATE_CATEGORY" val="custom"/>
+  <p:tag name="KSO_WM_TEMPLATE_INDEX" val="20205176"/>
+</p:tagLst>
+</file>
+
+<file path=ppt/tags/tag85.xml><?xml version="1.0" encoding="utf-8"?>
 <p:tagLst xmlns:p="http://schemas.openxmlformats.org/presentationml/2006/main">
   <p:tag name="KSO_WM_BEAUTIFY_FLAG" val=""/>
 </p:tagLst>
 </file>
 
-<file path=ppt/tags/tag84.xml><?xml version="1.0" encoding="utf-8"?>
-<p:tagLst xmlns:p="http://schemas.openxmlformats.org/presentationml/2006/main">
-  <p:tag name="KSO_WM_BEAUTIFY_FLAG" val=""/>
-</p:tagLst>
-</file>
-
-<file path=ppt/tags/tag85.xml><?xml version="1.0" encoding="utf-8"?>
-<p:tagLst xmlns:p="http://schemas.openxmlformats.org/presentationml/2006/main">
-  <p:tag name="KSO_WM_BEAUTIFY_FLAG" val=""/>
-</p:tagLst>
-</file>
-
 <file path=ppt/tags/tag86.xml><?xml version="1.0" encoding="utf-8"?>
 <p:tagLst xmlns:p="http://schemas.openxmlformats.org/presentationml/2006/main">
-  <p:tag name="KSO_WM_BEAUTIFY_FLAG" val=""/>
+  <p:tag name="KSO_WM_BEAUTIFY_FLAG" val="#wm#"/>
+  <p:tag name="KSO_WM_TEMPLATE_CATEGORY" val="custom"/>
+  <p:tag name="KSO_WM_TEMPLATE_INDEX" val="20205176"/>
 </p:tagLst>
 </file>
 
@@ -6025,57 +9410,71 @@
 
 <file path=ppt/tags/tag90.xml><?xml version="1.0" encoding="utf-8"?>
 <p:tagLst xmlns:p="http://schemas.openxmlformats.org/presentationml/2006/main">
-  <p:tag name="KSO_WM_BEAUTIFY_FLAG" val=""/>
-</p:tagLst>
-</file>
-
-<file path=ppt/tags/tag91.xml><?xml version="1.0" encoding="utf-8"?>
-<p:tagLst xmlns:p="http://schemas.openxmlformats.org/presentationml/2006/main">
-  <p:tag name="KSO_WM_BEAUTIFY_FLAG" val=""/>
-</p:tagLst>
-</file>
-
-<file path=ppt/tags/tag92.xml><?xml version="1.0" encoding="utf-8"?>
-<p:tagLst xmlns:p="http://schemas.openxmlformats.org/presentationml/2006/main">
-  <p:tag name="KSO_WM_BEAUTIFY_FLAG" val=""/>
-</p:tagLst>
-</file>
-
-<file path=ppt/tags/tag93.xml><?xml version="1.0" encoding="utf-8"?>
-<p:tagLst xmlns:p="http://schemas.openxmlformats.org/presentationml/2006/main">
-  <p:tag name="KSO_WM_BEAUTIFY_FLAG" val=""/>
-</p:tagLst>
-</file>
-
-<file path=ppt/tags/tag94.xml><?xml version="1.0" encoding="utf-8"?>
-<p:tagLst xmlns:p="http://schemas.openxmlformats.org/presentationml/2006/main">
-  <p:tag name="KSO_WM_BEAUTIFY_FLAG" val=""/>
-</p:tagLst>
-</file>
-
-<file path=ppt/tags/tag95.xml><?xml version="1.0" encoding="utf-8"?>
-<p:tagLst xmlns:p="http://schemas.openxmlformats.org/presentationml/2006/main">
-  <p:tag name="KSO_WM_BEAUTIFY_FLAG" val=""/>
-</p:tagLst>
-</file>
-
-<file path=ppt/tags/tag96.xml><?xml version="1.0" encoding="utf-8"?>
-<p:tagLst xmlns:p="http://schemas.openxmlformats.org/presentationml/2006/main">
-  <p:tag name="KSO_WM_BEAUTIFY_FLAG" val=""/>
-</p:tagLst>
-</file>
-
-<file path=ppt/tags/tag97.xml><?xml version="1.0" encoding="utf-8"?>
-<p:tagLst xmlns:p="http://schemas.openxmlformats.org/presentationml/2006/main">
   <p:tag name="KSO_WM_BEAUTIFY_FLAG" val="#wm#"/>
   <p:tag name="KSO_WM_TEMPLATE_CATEGORY" val="custom"/>
   <p:tag name="KSO_WM_TEMPLATE_INDEX" val="20205176"/>
 </p:tagLst>
 </file>
 
+<file path=ppt/tags/tag91.xml><?xml version="1.0" encoding="utf-8"?>
+<p:tagLst xmlns:p="http://schemas.openxmlformats.org/presentationml/2006/main">
+  <p:tag name="KSO_WM_BEAUTIFY_FLAG" val=""/>
+</p:tagLst>
+</file>
+
+<file path=ppt/tags/tag92.xml><?xml version="1.0" encoding="utf-8"?>
+<p:tagLst xmlns:p="http://schemas.openxmlformats.org/presentationml/2006/main">
+  <p:tag name="KSO_WM_BEAUTIFY_FLAG" val="#wm#"/>
+  <p:tag name="KSO_WM_TEMPLATE_CATEGORY" val="custom"/>
+  <p:tag name="KSO_WM_TEMPLATE_INDEX" val="20205176"/>
+</p:tagLst>
+</file>
+
+<file path=ppt/tags/tag93.xml><?xml version="1.0" encoding="utf-8"?>
+<p:tagLst xmlns:p="http://schemas.openxmlformats.org/presentationml/2006/main">
+  <p:tag name="KSO_WM_BEAUTIFY_FLAG" val=""/>
+</p:tagLst>
+</file>
+
+<file path=ppt/tags/tag94.xml><?xml version="1.0" encoding="utf-8"?>
+<p:tagLst xmlns:p="http://schemas.openxmlformats.org/presentationml/2006/main">
+  <p:tag name="KSO_WM_BEAUTIFY_FLAG" val="#wm#"/>
+  <p:tag name="KSO_WM_TEMPLATE_CATEGORY" val="custom"/>
+  <p:tag name="KSO_WM_TEMPLATE_INDEX" val="20205176"/>
+</p:tagLst>
+</file>
+
+<file path=ppt/tags/tag95.xml><?xml version="1.0" encoding="utf-8"?>
+<p:tagLst xmlns:p="http://schemas.openxmlformats.org/presentationml/2006/main">
+  <p:tag name="KSO_WM_BEAUTIFY_FLAG" val=""/>
+</p:tagLst>
+</file>
+
+<file path=ppt/tags/tag96.xml><?xml version="1.0" encoding="utf-8"?>
+<p:tagLst xmlns:p="http://schemas.openxmlformats.org/presentationml/2006/main">
+  <p:tag name="KSO_WM_BEAUTIFY_FLAG" val="#wm#"/>
+  <p:tag name="KSO_WM_TEMPLATE_CATEGORY" val="custom"/>
+  <p:tag name="KSO_WM_TEMPLATE_INDEX" val="20205176"/>
+</p:tagLst>
+</file>
+
+<file path=ppt/tags/tag97.xml><?xml version="1.0" encoding="utf-8"?>
+<p:tagLst xmlns:p="http://schemas.openxmlformats.org/presentationml/2006/main">
+  <p:tag name="KSO_WM_BEAUTIFY_FLAG" val=""/>
+</p:tagLst>
+</file>
+
 <file path=ppt/tags/tag98.xml><?xml version="1.0" encoding="utf-8"?>
 <p:tagLst xmlns:p="http://schemas.openxmlformats.org/presentationml/2006/main">
-  <p:tag name="COMMONDATA" val="eyJoZGlkIjoiNjE5OWZjMGE3NGM4M2EwN2I0NjRjNjE5ZDIxZDM4MDkifQ=="/>
+  <p:tag name="KSO_WM_BEAUTIFY_FLAG" val="#wm#"/>
+  <p:tag name="KSO_WM_TEMPLATE_CATEGORY" val="custom"/>
+  <p:tag name="KSO_WM_TEMPLATE_INDEX" val="20205176"/>
+</p:tagLst>
+</file>
+
+<file path=ppt/tags/tag99.xml><?xml version="1.0" encoding="utf-8"?>
+<p:tagLst xmlns:p="http://schemas.openxmlformats.org/presentationml/2006/main">
+  <p:tag name="KSO_WM_BEAUTIFY_FLAG" val=""/>
 </p:tagLst>
 </file>
 
